--- a/Diagram.pptx
+++ b/Diagram.pptx
@@ -4,8 +4,17 @@
   <p:sldMasterIdLst>
     <p:sldMasterId id="2147483648" r:id="rId1"/>
   </p:sldMasterIdLst>
+  <p:notesMasterIdLst>
+    <p:notesMasterId r:id="rId9"/>
+  </p:notesMasterIdLst>
   <p:sldIdLst>
     <p:sldId id="256" r:id="rId2"/>
+    <p:sldId id="257" r:id="rId3"/>
+    <p:sldId id="258" r:id="rId4"/>
+    <p:sldId id="259" r:id="rId5"/>
+    <p:sldId id="260" r:id="rId6"/>
+    <p:sldId id="261" r:id="rId7"/>
+    <p:sldId id="262" r:id="rId8"/>
   </p:sldIdLst>
   <p:sldSz cx="12192000" cy="6858000"/>
   <p:notesSz cx="6858000" cy="9144000"/>
@@ -104,7 +113,1206 @@
       </a:defRPr>
     </a:lvl9pPr>
   </p:defaultTextStyle>
+  <p:extLst>
+    <p:ext uri="{521415D9-36F7-43E2-AB2F-B90AF26B5E84}">
+      <p14:sectionLst xmlns:p14="http://schemas.microsoft.com/office/powerpoint/2010/main">
+        <p14:section name="제목 없는 구역" id="{B5A8C593-F63E-418D-A2C0-301663B824A4}">
+          <p14:sldIdLst>
+            <p14:sldId id="256"/>
+            <p14:sldId id="257"/>
+            <p14:sldId id="258"/>
+            <p14:sldId id="259"/>
+            <p14:sldId id="260"/>
+            <p14:sldId id="261"/>
+            <p14:sldId id="262"/>
+          </p14:sldIdLst>
+        </p14:section>
+      </p14:sectionLst>
+    </p:ext>
+    <p:ext uri="{EFAFB233-063F-42B5-8137-9DF3F51BA10A}">
+      <p15:sldGuideLst xmlns:p15="http://schemas.microsoft.com/office/powerpoint/2012/main"/>
+    </p:ext>
+  </p:extLst>
 </p:presentation>
+</file>
+
+<file path=ppt/notesMasters/notesMaster1.xml><?xml version="1.0" encoding="utf-8"?>
+<p:notesMaster xmlns:a="http://schemas.openxmlformats.org/drawingml/2006/main" xmlns:r="http://schemas.openxmlformats.org/officeDocument/2006/relationships" xmlns:p="http://schemas.openxmlformats.org/presentationml/2006/main">
+  <p:cSld>
+    <p:bg>
+      <p:bgRef idx="1001">
+        <a:schemeClr val="bg1"/>
+      </p:bgRef>
+    </p:bg>
+    <p:spTree>
+      <p:nvGrpSpPr>
+        <p:cNvPr id="1" name=""/>
+        <p:cNvGrpSpPr/>
+        <p:nvPr/>
+      </p:nvGrpSpPr>
+      <p:grpSpPr>
+        <a:xfrm>
+          <a:off x="0" y="0"/>
+          <a:ext cx="0" cy="0"/>
+          <a:chOff x="0" y="0"/>
+          <a:chExt cx="0" cy="0"/>
+        </a:xfrm>
+      </p:grpSpPr>
+      <p:sp>
+        <p:nvSpPr>
+          <p:cNvPr id="2" name="머리글 개체 틀 1"/>
+          <p:cNvSpPr>
+            <a:spLocks noGrp="1"/>
+          </p:cNvSpPr>
+          <p:nvPr>
+            <p:ph type="hdr" sz="quarter"/>
+          </p:nvPr>
+        </p:nvSpPr>
+        <p:spPr>
+          <a:xfrm>
+            <a:off x="0" y="0"/>
+            <a:ext cx="2971800" cy="458788"/>
+          </a:xfrm>
+          <a:prstGeom prst="rect">
+            <a:avLst/>
+          </a:prstGeom>
+        </p:spPr>
+        <p:txBody>
+          <a:bodyPr vert="horz" lIns="91440" tIns="45720" rIns="91440" bIns="45720" rtlCol="0"/>
+          <a:lstStyle>
+            <a:lvl1pPr algn="l">
+              <a:defRPr sz="1200"/>
+            </a:lvl1pPr>
+          </a:lstStyle>
+          <a:p>
+            <a:endParaRPr lang="ko-KR" altLang="en-US"/>
+          </a:p>
+        </p:txBody>
+      </p:sp>
+      <p:sp>
+        <p:nvSpPr>
+          <p:cNvPr id="3" name="날짜 개체 틀 2"/>
+          <p:cNvSpPr>
+            <a:spLocks noGrp="1"/>
+          </p:cNvSpPr>
+          <p:nvPr>
+            <p:ph type="dt" idx="1"/>
+          </p:nvPr>
+        </p:nvSpPr>
+        <p:spPr>
+          <a:xfrm>
+            <a:off x="3884613" y="0"/>
+            <a:ext cx="2971800" cy="458788"/>
+          </a:xfrm>
+          <a:prstGeom prst="rect">
+            <a:avLst/>
+          </a:prstGeom>
+        </p:spPr>
+        <p:txBody>
+          <a:bodyPr vert="horz" lIns="91440" tIns="45720" rIns="91440" bIns="45720" rtlCol="0"/>
+          <a:lstStyle>
+            <a:lvl1pPr algn="r">
+              <a:defRPr sz="1200"/>
+            </a:lvl1pPr>
+          </a:lstStyle>
+          <a:p>
+            <a:fld id="{FE047EC8-E2EE-497E-8E74-D510D5154D25}" type="datetimeFigureOut">
+              <a:rPr lang="ko-KR" altLang="en-US" smtClean="0"/>
+              <a:t>2020-06-03</a:t>
+            </a:fld>
+            <a:endParaRPr lang="ko-KR" altLang="en-US"/>
+          </a:p>
+        </p:txBody>
+      </p:sp>
+      <p:sp>
+        <p:nvSpPr>
+          <p:cNvPr id="4" name="슬라이드 이미지 개체 틀 3"/>
+          <p:cNvSpPr>
+            <a:spLocks noGrp="1" noRot="1" noChangeAspect="1"/>
+          </p:cNvSpPr>
+          <p:nvPr>
+            <p:ph type="sldImg" idx="2"/>
+          </p:nvPr>
+        </p:nvSpPr>
+        <p:spPr>
+          <a:xfrm>
+            <a:off x="685800" y="1143000"/>
+            <a:ext cx="5486400" cy="3086100"/>
+          </a:xfrm>
+          <a:prstGeom prst="rect">
+            <a:avLst/>
+          </a:prstGeom>
+          <a:noFill/>
+          <a:ln w="12700">
+            <a:solidFill>
+              <a:prstClr val="black"/>
+            </a:solidFill>
+          </a:ln>
+        </p:spPr>
+        <p:txBody>
+          <a:bodyPr vert="horz" lIns="91440" tIns="45720" rIns="91440" bIns="45720" rtlCol="0" anchor="ctr"/>
+          <a:lstStyle/>
+          <a:p>
+            <a:endParaRPr lang="ko-KR" altLang="en-US"/>
+          </a:p>
+        </p:txBody>
+      </p:sp>
+      <p:sp>
+        <p:nvSpPr>
+          <p:cNvPr id="5" name="슬라이드 노트 개체 틀 4"/>
+          <p:cNvSpPr>
+            <a:spLocks noGrp="1"/>
+          </p:cNvSpPr>
+          <p:nvPr>
+            <p:ph type="body" sz="quarter" idx="3"/>
+          </p:nvPr>
+        </p:nvSpPr>
+        <p:spPr>
+          <a:xfrm>
+            <a:off x="685800" y="4400550"/>
+            <a:ext cx="5486400" cy="3600450"/>
+          </a:xfrm>
+          <a:prstGeom prst="rect">
+            <a:avLst/>
+          </a:prstGeom>
+        </p:spPr>
+        <p:txBody>
+          <a:bodyPr vert="horz" lIns="91440" tIns="45720" rIns="91440" bIns="45720" rtlCol="0"/>
+          <a:lstStyle/>
+          <a:p>
+            <a:pPr lvl="0"/>
+            <a:r>
+              <a:rPr lang="ko-KR" altLang="en-US"/>
+              <a:t>마스터 텍스트 스타일을 편집하려면 클릭</a:t>
+            </a:r>
+          </a:p>
+          <a:p>
+            <a:pPr lvl="1"/>
+            <a:r>
+              <a:rPr lang="ko-KR" altLang="en-US"/>
+              <a:t>두 번째 수준</a:t>
+            </a:r>
+          </a:p>
+          <a:p>
+            <a:pPr lvl="2"/>
+            <a:r>
+              <a:rPr lang="ko-KR" altLang="en-US"/>
+              <a:t>세 번째 수준</a:t>
+            </a:r>
+          </a:p>
+          <a:p>
+            <a:pPr lvl="3"/>
+            <a:r>
+              <a:rPr lang="ko-KR" altLang="en-US"/>
+              <a:t>네 번째 수준</a:t>
+            </a:r>
+          </a:p>
+          <a:p>
+            <a:pPr lvl="4"/>
+            <a:r>
+              <a:rPr lang="ko-KR" altLang="en-US"/>
+              <a:t>다섯 번째 수준</a:t>
+            </a:r>
+          </a:p>
+        </p:txBody>
+      </p:sp>
+      <p:sp>
+        <p:nvSpPr>
+          <p:cNvPr id="6" name="바닥글 개체 틀 5"/>
+          <p:cNvSpPr>
+            <a:spLocks noGrp="1"/>
+          </p:cNvSpPr>
+          <p:nvPr>
+            <p:ph type="ftr" sz="quarter" idx="4"/>
+          </p:nvPr>
+        </p:nvSpPr>
+        <p:spPr>
+          <a:xfrm>
+            <a:off x="0" y="8685213"/>
+            <a:ext cx="2971800" cy="458787"/>
+          </a:xfrm>
+          <a:prstGeom prst="rect">
+            <a:avLst/>
+          </a:prstGeom>
+        </p:spPr>
+        <p:txBody>
+          <a:bodyPr vert="horz" lIns="91440" tIns="45720" rIns="91440" bIns="45720" rtlCol="0" anchor="b"/>
+          <a:lstStyle>
+            <a:lvl1pPr algn="l">
+              <a:defRPr sz="1200"/>
+            </a:lvl1pPr>
+          </a:lstStyle>
+          <a:p>
+            <a:endParaRPr lang="ko-KR" altLang="en-US"/>
+          </a:p>
+        </p:txBody>
+      </p:sp>
+      <p:sp>
+        <p:nvSpPr>
+          <p:cNvPr id="7" name="슬라이드 번호 개체 틀 6"/>
+          <p:cNvSpPr>
+            <a:spLocks noGrp="1"/>
+          </p:cNvSpPr>
+          <p:nvPr>
+            <p:ph type="sldNum" sz="quarter" idx="5"/>
+          </p:nvPr>
+        </p:nvSpPr>
+        <p:spPr>
+          <a:xfrm>
+            <a:off x="3884613" y="8685213"/>
+            <a:ext cx="2971800" cy="458787"/>
+          </a:xfrm>
+          <a:prstGeom prst="rect">
+            <a:avLst/>
+          </a:prstGeom>
+        </p:spPr>
+        <p:txBody>
+          <a:bodyPr vert="horz" lIns="91440" tIns="45720" rIns="91440" bIns="45720" rtlCol="0" anchor="b"/>
+          <a:lstStyle>
+            <a:lvl1pPr algn="r">
+              <a:defRPr sz="1200"/>
+            </a:lvl1pPr>
+          </a:lstStyle>
+          <a:p>
+            <a:fld id="{CE888E5F-82D8-47A3-9B9B-C3EC968654AC}" type="slidenum">
+              <a:rPr lang="ko-KR" altLang="en-US" smtClean="0"/>
+              <a:t>‹#›</a:t>
+            </a:fld>
+            <a:endParaRPr lang="ko-KR" altLang="en-US"/>
+          </a:p>
+        </p:txBody>
+      </p:sp>
+    </p:spTree>
+    <p:extLst>
+      <p:ext uri="{BB962C8B-B14F-4D97-AF65-F5344CB8AC3E}">
+        <p14:creationId xmlns:p14="http://schemas.microsoft.com/office/powerpoint/2010/main" val="3367828811"/>
+      </p:ext>
+    </p:extLst>
+  </p:cSld>
+  <p:clrMap bg1="lt1" tx1="dk1" bg2="lt2" tx2="dk2" accent1="accent1" accent2="accent2" accent3="accent3" accent4="accent4" accent5="accent5" accent6="accent6" hlink="hlink" folHlink="folHlink"/>
+  <p:notesStyle>
+    <a:lvl1pPr marL="0" algn="l" defTabSz="914400" rtl="0" eaLnBrk="1" latinLnBrk="1" hangingPunct="1">
+      <a:defRPr sz="1200" kern="1200">
+        <a:solidFill>
+          <a:schemeClr val="tx1"/>
+        </a:solidFill>
+        <a:latin typeface="+mn-lt"/>
+        <a:ea typeface="+mn-ea"/>
+        <a:cs typeface="+mn-cs"/>
+      </a:defRPr>
+    </a:lvl1pPr>
+    <a:lvl2pPr marL="457200" algn="l" defTabSz="914400" rtl="0" eaLnBrk="1" latinLnBrk="1" hangingPunct="1">
+      <a:defRPr sz="1200" kern="1200">
+        <a:solidFill>
+          <a:schemeClr val="tx1"/>
+        </a:solidFill>
+        <a:latin typeface="+mn-lt"/>
+        <a:ea typeface="+mn-ea"/>
+        <a:cs typeface="+mn-cs"/>
+      </a:defRPr>
+    </a:lvl2pPr>
+    <a:lvl3pPr marL="914400" algn="l" defTabSz="914400" rtl="0" eaLnBrk="1" latinLnBrk="1" hangingPunct="1">
+      <a:defRPr sz="1200" kern="1200">
+        <a:solidFill>
+          <a:schemeClr val="tx1"/>
+        </a:solidFill>
+        <a:latin typeface="+mn-lt"/>
+        <a:ea typeface="+mn-ea"/>
+        <a:cs typeface="+mn-cs"/>
+      </a:defRPr>
+    </a:lvl3pPr>
+    <a:lvl4pPr marL="1371600" algn="l" defTabSz="914400" rtl="0" eaLnBrk="1" latinLnBrk="1" hangingPunct="1">
+      <a:defRPr sz="1200" kern="1200">
+        <a:solidFill>
+          <a:schemeClr val="tx1"/>
+        </a:solidFill>
+        <a:latin typeface="+mn-lt"/>
+        <a:ea typeface="+mn-ea"/>
+        <a:cs typeface="+mn-cs"/>
+      </a:defRPr>
+    </a:lvl4pPr>
+    <a:lvl5pPr marL="1828800" algn="l" defTabSz="914400" rtl="0" eaLnBrk="1" latinLnBrk="1" hangingPunct="1">
+      <a:defRPr sz="1200" kern="1200">
+        <a:solidFill>
+          <a:schemeClr val="tx1"/>
+        </a:solidFill>
+        <a:latin typeface="+mn-lt"/>
+        <a:ea typeface="+mn-ea"/>
+        <a:cs typeface="+mn-cs"/>
+      </a:defRPr>
+    </a:lvl5pPr>
+    <a:lvl6pPr marL="2286000" algn="l" defTabSz="914400" rtl="0" eaLnBrk="1" latinLnBrk="1" hangingPunct="1">
+      <a:defRPr sz="1200" kern="1200">
+        <a:solidFill>
+          <a:schemeClr val="tx1"/>
+        </a:solidFill>
+        <a:latin typeface="+mn-lt"/>
+        <a:ea typeface="+mn-ea"/>
+        <a:cs typeface="+mn-cs"/>
+      </a:defRPr>
+    </a:lvl6pPr>
+    <a:lvl7pPr marL="2743200" algn="l" defTabSz="914400" rtl="0" eaLnBrk="1" latinLnBrk="1" hangingPunct="1">
+      <a:defRPr sz="1200" kern="1200">
+        <a:solidFill>
+          <a:schemeClr val="tx1"/>
+        </a:solidFill>
+        <a:latin typeface="+mn-lt"/>
+        <a:ea typeface="+mn-ea"/>
+        <a:cs typeface="+mn-cs"/>
+      </a:defRPr>
+    </a:lvl7pPr>
+    <a:lvl8pPr marL="3200400" algn="l" defTabSz="914400" rtl="0" eaLnBrk="1" latinLnBrk="1" hangingPunct="1">
+      <a:defRPr sz="1200" kern="1200">
+        <a:solidFill>
+          <a:schemeClr val="tx1"/>
+        </a:solidFill>
+        <a:latin typeface="+mn-lt"/>
+        <a:ea typeface="+mn-ea"/>
+        <a:cs typeface="+mn-cs"/>
+      </a:defRPr>
+    </a:lvl8pPr>
+    <a:lvl9pPr marL="3657600" algn="l" defTabSz="914400" rtl="0" eaLnBrk="1" latinLnBrk="1" hangingPunct="1">
+      <a:defRPr sz="1200" kern="1200">
+        <a:solidFill>
+          <a:schemeClr val="tx1"/>
+        </a:solidFill>
+        <a:latin typeface="+mn-lt"/>
+        <a:ea typeface="+mn-ea"/>
+        <a:cs typeface="+mn-cs"/>
+      </a:defRPr>
+    </a:lvl9pPr>
+  </p:notesStyle>
+</p:notesMaster>
+</file>
+
+<file path=ppt/notesSlides/notesSlide1.xml><?xml version="1.0" encoding="utf-8"?>
+<p:notes xmlns:a="http://schemas.openxmlformats.org/drawingml/2006/main" xmlns:r="http://schemas.openxmlformats.org/officeDocument/2006/relationships" xmlns:p="http://schemas.openxmlformats.org/presentationml/2006/main">
+  <p:cSld>
+    <p:spTree>
+      <p:nvGrpSpPr>
+        <p:cNvPr id="1" name=""/>
+        <p:cNvGrpSpPr/>
+        <p:nvPr/>
+      </p:nvGrpSpPr>
+      <p:grpSpPr>
+        <a:xfrm>
+          <a:off x="0" y="0"/>
+          <a:ext cx="0" cy="0"/>
+          <a:chOff x="0" y="0"/>
+          <a:chExt cx="0" cy="0"/>
+        </a:xfrm>
+      </p:grpSpPr>
+      <p:sp>
+        <p:nvSpPr>
+          <p:cNvPr id="2" name="슬라이드 이미지 개체 틀 1"/>
+          <p:cNvSpPr>
+            <a:spLocks noGrp="1" noRot="1" noChangeAspect="1"/>
+          </p:cNvSpPr>
+          <p:nvPr>
+            <p:ph type="sldImg"/>
+          </p:nvPr>
+        </p:nvSpPr>
+        <p:spPr/>
+      </p:sp>
+      <p:sp>
+        <p:nvSpPr>
+          <p:cNvPr id="3" name="슬라이드 노트 개체 틀 2"/>
+          <p:cNvSpPr>
+            <a:spLocks noGrp="1"/>
+          </p:cNvSpPr>
+          <p:nvPr>
+            <p:ph type="body" idx="1"/>
+          </p:nvPr>
+        </p:nvSpPr>
+        <p:spPr/>
+        <p:txBody>
+          <a:bodyPr/>
+          <a:lstStyle/>
+          <a:p>
+            <a:r>
+              <a:rPr lang="en-US" altLang="ko-KR" dirty="0"/>
+              <a:t>Login</a:t>
+            </a:r>
+          </a:p>
+          <a:p>
+            <a:r>
+              <a:rPr lang="ko-KR" altLang="en-US" dirty="0"/>
+              <a:t>예외 상황</a:t>
+            </a:r>
+            <a:endParaRPr lang="en-US" altLang="ko-KR" dirty="0"/>
+          </a:p>
+          <a:p>
+            <a:pPr marL="228600" indent="-228600">
+              <a:buAutoNum type="arabicPeriod"/>
+            </a:pPr>
+            <a:r>
+              <a:rPr lang="ko-KR" altLang="en-US" dirty="0"/>
+              <a:t>서버에서 유저 버퍼가 꽉 찬 경우</a:t>
+            </a:r>
+            <a:r>
+              <a:rPr lang="en-US" altLang="ko-KR" dirty="0"/>
+              <a:t>(</a:t>
+            </a:r>
+            <a:r>
+              <a:rPr lang="en-US" altLang="ko-KR" dirty="0" err="1"/>
+              <a:t>PKNtfMustClose</a:t>
+            </a:r>
+            <a:r>
+              <a:rPr lang="en-US" altLang="ko-KR" dirty="0"/>
+              <a:t>)</a:t>
+            </a:r>
+          </a:p>
+          <a:p>
+            <a:pPr marL="228600" indent="-228600">
+              <a:buAutoNum type="arabicPeriod"/>
+            </a:pPr>
+            <a:r>
+              <a:rPr lang="ko-KR" altLang="en-US" dirty="0"/>
+              <a:t>이미 로그인 된 상태</a:t>
+            </a:r>
+            <a:r>
+              <a:rPr lang="en-US" altLang="ko-KR" dirty="0"/>
+              <a:t>(</a:t>
+            </a:r>
+            <a:r>
+              <a:rPr lang="en-US" altLang="ko-KR" dirty="0" err="1"/>
+              <a:t>PKTResLogin</a:t>
+            </a:r>
+            <a:r>
+              <a:rPr lang="en-US" altLang="ko-KR" dirty="0"/>
+              <a:t>)</a:t>
+            </a:r>
+            <a:endParaRPr lang="ko-KR" altLang="en-US" dirty="0"/>
+          </a:p>
+        </p:txBody>
+      </p:sp>
+      <p:sp>
+        <p:nvSpPr>
+          <p:cNvPr id="4" name="슬라이드 번호 개체 틀 3"/>
+          <p:cNvSpPr>
+            <a:spLocks noGrp="1"/>
+          </p:cNvSpPr>
+          <p:nvPr>
+            <p:ph type="sldNum" sz="quarter" idx="5"/>
+          </p:nvPr>
+        </p:nvSpPr>
+        <p:spPr/>
+        <p:txBody>
+          <a:bodyPr/>
+          <a:lstStyle/>
+          <a:p>
+            <a:fld id="{CE888E5F-82D8-47A3-9B9B-C3EC968654AC}" type="slidenum">
+              <a:rPr lang="ko-KR" altLang="en-US" smtClean="0"/>
+              <a:t>2</a:t>
+            </a:fld>
+            <a:endParaRPr lang="ko-KR" altLang="en-US"/>
+          </a:p>
+        </p:txBody>
+      </p:sp>
+    </p:spTree>
+    <p:extLst>
+      <p:ext uri="{BB962C8B-B14F-4D97-AF65-F5344CB8AC3E}">
+        <p14:creationId xmlns:p14="http://schemas.microsoft.com/office/powerpoint/2010/main" val="4239869139"/>
+      </p:ext>
+    </p:extLst>
+  </p:cSld>
+  <p:clrMapOvr>
+    <a:masterClrMapping/>
+  </p:clrMapOvr>
+</p:notes>
+</file>
+
+<file path=ppt/notesSlides/notesSlide2.xml><?xml version="1.0" encoding="utf-8"?>
+<p:notes xmlns:a="http://schemas.openxmlformats.org/drawingml/2006/main" xmlns:r="http://schemas.openxmlformats.org/officeDocument/2006/relationships" xmlns:p="http://schemas.openxmlformats.org/presentationml/2006/main">
+  <p:cSld>
+    <p:spTree>
+      <p:nvGrpSpPr>
+        <p:cNvPr id="1" name=""/>
+        <p:cNvGrpSpPr/>
+        <p:nvPr/>
+      </p:nvGrpSpPr>
+      <p:grpSpPr>
+        <a:xfrm>
+          <a:off x="0" y="0"/>
+          <a:ext cx="0" cy="0"/>
+          <a:chOff x="0" y="0"/>
+          <a:chExt cx="0" cy="0"/>
+        </a:xfrm>
+      </p:grpSpPr>
+      <p:sp>
+        <p:nvSpPr>
+          <p:cNvPr id="2" name="슬라이드 이미지 개체 틀 1"/>
+          <p:cNvSpPr>
+            <a:spLocks noGrp="1" noRot="1" noChangeAspect="1"/>
+          </p:cNvSpPr>
+          <p:nvPr>
+            <p:ph type="sldImg"/>
+          </p:nvPr>
+        </p:nvSpPr>
+        <p:spPr/>
+      </p:sp>
+      <p:sp>
+        <p:nvSpPr>
+          <p:cNvPr id="3" name="슬라이드 노트 개체 틀 2"/>
+          <p:cNvSpPr>
+            <a:spLocks noGrp="1"/>
+          </p:cNvSpPr>
+          <p:nvPr>
+            <p:ph type="body" idx="1"/>
+          </p:nvPr>
+        </p:nvSpPr>
+        <p:spPr/>
+        <p:txBody>
+          <a:bodyPr/>
+          <a:lstStyle/>
+          <a:p>
+            <a:r>
+              <a:rPr lang="en-US" altLang="ko-KR" dirty="0" err="1"/>
+              <a:t>RoomEnter</a:t>
+            </a:r>
+            <a:r>
+              <a:rPr lang="en-US" altLang="ko-KR" dirty="0"/>
+              <a:t> </a:t>
+            </a:r>
+            <a:r>
+              <a:rPr lang="ko-KR" altLang="en-US" dirty="0"/>
+              <a:t>예외상황</a:t>
+            </a:r>
+            <a:endParaRPr lang="en-US" altLang="ko-KR" dirty="0"/>
+          </a:p>
+          <a:p>
+            <a:pPr marL="228600" indent="-228600">
+              <a:buAutoNum type="arabicPeriod"/>
+            </a:pPr>
+            <a:r>
+              <a:rPr lang="en-US" altLang="ko-KR" dirty="0"/>
+              <a:t>Session Index,</a:t>
+            </a:r>
+            <a:r>
+              <a:rPr lang="ko-KR" altLang="en-US" dirty="0"/>
+              <a:t> </a:t>
+            </a:r>
+            <a:r>
+              <a:rPr lang="en-US" altLang="ko-KR" dirty="0"/>
+              <a:t>ID</a:t>
+            </a:r>
+            <a:r>
+              <a:rPr lang="ko-KR" altLang="en-US" dirty="0"/>
+              <a:t> 상태가 동일하지 못한 경우</a:t>
+            </a:r>
+            <a:endParaRPr lang="en-US" altLang="ko-KR" dirty="0"/>
+          </a:p>
+          <a:p>
+            <a:pPr marL="228600" indent="-228600">
+              <a:buAutoNum type="arabicPeriod"/>
+            </a:pPr>
+            <a:r>
+              <a:rPr lang="ko-KR" altLang="en-US" dirty="0"/>
+              <a:t>유저가 이미 방에 입장한 상태</a:t>
+            </a:r>
+            <a:endParaRPr lang="en-US" altLang="ko-KR" dirty="0"/>
+          </a:p>
+          <a:p>
+            <a:pPr marL="228600" indent="-228600">
+              <a:buAutoNum type="arabicPeriod"/>
+            </a:pPr>
+            <a:r>
+              <a:rPr lang="en-US" altLang="ko-KR" dirty="0"/>
+              <a:t>Packet</a:t>
+            </a:r>
+            <a:r>
+              <a:rPr lang="ko-KR" altLang="en-US" dirty="0"/>
+              <a:t>에 요청한 방이 없을 경우</a:t>
+            </a:r>
+            <a:endParaRPr lang="en-US" altLang="ko-KR" dirty="0"/>
+          </a:p>
+          <a:p>
+            <a:pPr marL="228600" indent="-228600">
+              <a:buAutoNum type="arabicPeriod"/>
+            </a:pPr>
+            <a:r>
+              <a:rPr lang="ko-KR" altLang="en-US" dirty="0"/>
+              <a:t>유저 추가에 실패한 경우</a:t>
+            </a:r>
+          </a:p>
+        </p:txBody>
+      </p:sp>
+      <p:sp>
+        <p:nvSpPr>
+          <p:cNvPr id="4" name="슬라이드 번호 개체 틀 3"/>
+          <p:cNvSpPr>
+            <a:spLocks noGrp="1"/>
+          </p:cNvSpPr>
+          <p:nvPr>
+            <p:ph type="sldNum" sz="quarter" idx="5"/>
+          </p:nvPr>
+        </p:nvSpPr>
+        <p:spPr/>
+        <p:txBody>
+          <a:bodyPr/>
+          <a:lstStyle/>
+          <a:p>
+            <a:fld id="{CE888E5F-82D8-47A3-9B9B-C3EC968654AC}" type="slidenum">
+              <a:rPr lang="ko-KR" altLang="en-US" smtClean="0"/>
+              <a:t>3</a:t>
+            </a:fld>
+            <a:endParaRPr lang="ko-KR" altLang="en-US"/>
+          </a:p>
+        </p:txBody>
+      </p:sp>
+    </p:spTree>
+    <p:extLst>
+      <p:ext uri="{BB962C8B-B14F-4D97-AF65-F5344CB8AC3E}">
+        <p14:creationId xmlns:p14="http://schemas.microsoft.com/office/powerpoint/2010/main" val="4102148388"/>
+      </p:ext>
+    </p:extLst>
+  </p:cSld>
+  <p:clrMapOvr>
+    <a:masterClrMapping/>
+  </p:clrMapOvr>
+</p:notes>
+</file>
+
+<file path=ppt/notesSlides/notesSlide3.xml><?xml version="1.0" encoding="utf-8"?>
+<p:notes xmlns:a="http://schemas.openxmlformats.org/drawingml/2006/main" xmlns:r="http://schemas.openxmlformats.org/officeDocument/2006/relationships" xmlns:p="http://schemas.openxmlformats.org/presentationml/2006/main">
+  <p:cSld>
+    <p:spTree>
+      <p:nvGrpSpPr>
+        <p:cNvPr id="1" name=""/>
+        <p:cNvGrpSpPr/>
+        <p:nvPr/>
+      </p:nvGrpSpPr>
+      <p:grpSpPr>
+        <a:xfrm>
+          <a:off x="0" y="0"/>
+          <a:ext cx="0" cy="0"/>
+          <a:chOff x="0" y="0"/>
+          <a:chExt cx="0" cy="0"/>
+        </a:xfrm>
+      </p:grpSpPr>
+      <p:sp>
+        <p:nvSpPr>
+          <p:cNvPr id="2" name="슬라이드 이미지 개체 틀 1"/>
+          <p:cNvSpPr>
+            <a:spLocks noGrp="1" noRot="1" noChangeAspect="1"/>
+          </p:cNvSpPr>
+          <p:nvPr>
+            <p:ph type="sldImg"/>
+          </p:nvPr>
+        </p:nvSpPr>
+        <p:spPr/>
+      </p:sp>
+      <p:sp>
+        <p:nvSpPr>
+          <p:cNvPr id="3" name="슬라이드 노트 개체 틀 2"/>
+          <p:cNvSpPr>
+            <a:spLocks noGrp="1"/>
+          </p:cNvSpPr>
+          <p:nvPr>
+            <p:ph type="body" idx="1"/>
+          </p:nvPr>
+        </p:nvSpPr>
+        <p:spPr/>
+        <p:txBody>
+          <a:bodyPr/>
+          <a:lstStyle/>
+          <a:p>
+            <a:r>
+              <a:rPr lang="en-US" altLang="ko-KR" dirty="0"/>
+              <a:t>Chat </a:t>
+            </a:r>
+            <a:r>
+              <a:rPr lang="ko-KR" altLang="en-US" dirty="0"/>
+              <a:t>예외 상황</a:t>
+            </a:r>
+            <a:endParaRPr lang="en-US" altLang="ko-KR" dirty="0"/>
+          </a:p>
+          <a:p>
+            <a:pPr marL="228600" indent="-228600">
+              <a:buAutoNum type="arabicPeriod"/>
+            </a:pPr>
+            <a:r>
+              <a:rPr lang="ko-KR" altLang="en-US" dirty="0"/>
+              <a:t>해당 객체 유저가 없다</a:t>
+            </a:r>
+            <a:r>
+              <a:rPr lang="en-US" altLang="ko-KR" dirty="0"/>
+              <a:t>.</a:t>
+            </a:r>
+          </a:p>
+          <a:p>
+            <a:pPr marL="228600" indent="-228600">
+              <a:buAutoNum type="arabicPeriod"/>
+            </a:pPr>
+            <a:r>
+              <a:rPr lang="ko-KR" altLang="en-US" dirty="0"/>
+              <a:t>해당 룸 객체가 없다</a:t>
+            </a:r>
+            <a:endParaRPr lang="en-US" altLang="ko-KR" dirty="0"/>
+          </a:p>
+          <a:p>
+            <a:pPr marL="228600" indent="-228600">
+              <a:buAutoNum type="arabicPeriod"/>
+            </a:pPr>
+            <a:r>
+              <a:rPr lang="en-US" altLang="ko-KR" dirty="0"/>
+              <a:t>Error </a:t>
+            </a:r>
+            <a:r>
+              <a:rPr lang="ko-KR" altLang="en-US" dirty="0"/>
+              <a:t>시</a:t>
+            </a:r>
+            <a:r>
+              <a:rPr lang="en-US" altLang="ko-KR" dirty="0"/>
+              <a:t>, Server</a:t>
+            </a:r>
+            <a:r>
+              <a:rPr lang="ko-KR" altLang="en-US" dirty="0"/>
+              <a:t>는 상태를 아는데 </a:t>
+            </a:r>
+            <a:r>
+              <a:rPr lang="en-US" altLang="ko-KR" dirty="0"/>
+              <a:t>Client</a:t>
+            </a:r>
+            <a:r>
+              <a:rPr lang="ko-KR" altLang="en-US" dirty="0"/>
+              <a:t>는 상태를 모른다 </a:t>
+            </a:r>
+            <a:r>
+              <a:rPr lang="en-US" altLang="ko-KR" dirty="0">
+                <a:sym typeface="Wingdings" panose="05000000000000000000" pitchFamily="2" charset="2"/>
+              </a:rPr>
+              <a:t> </a:t>
+            </a:r>
+            <a:r>
+              <a:rPr lang="ko-KR" altLang="en-US" dirty="0">
+                <a:sym typeface="Wingdings" panose="05000000000000000000" pitchFamily="2" charset="2"/>
+              </a:rPr>
+              <a:t>예외 처리 필요</a:t>
+            </a:r>
+            <a:endParaRPr lang="ko-KR" altLang="en-US" dirty="0"/>
+          </a:p>
+        </p:txBody>
+      </p:sp>
+      <p:sp>
+        <p:nvSpPr>
+          <p:cNvPr id="4" name="슬라이드 번호 개체 틀 3"/>
+          <p:cNvSpPr>
+            <a:spLocks noGrp="1"/>
+          </p:cNvSpPr>
+          <p:nvPr>
+            <p:ph type="sldNum" sz="quarter" idx="5"/>
+          </p:nvPr>
+        </p:nvSpPr>
+        <p:spPr/>
+        <p:txBody>
+          <a:bodyPr/>
+          <a:lstStyle/>
+          <a:p>
+            <a:fld id="{CE888E5F-82D8-47A3-9B9B-C3EC968654AC}" type="slidenum">
+              <a:rPr lang="ko-KR" altLang="en-US" smtClean="0"/>
+              <a:t>4</a:t>
+            </a:fld>
+            <a:endParaRPr lang="ko-KR" altLang="en-US"/>
+          </a:p>
+        </p:txBody>
+      </p:sp>
+    </p:spTree>
+    <p:extLst>
+      <p:ext uri="{BB962C8B-B14F-4D97-AF65-F5344CB8AC3E}">
+        <p14:creationId xmlns:p14="http://schemas.microsoft.com/office/powerpoint/2010/main" val="444788247"/>
+      </p:ext>
+    </p:extLst>
+  </p:cSld>
+  <p:clrMapOvr>
+    <a:masterClrMapping/>
+  </p:clrMapOvr>
+</p:notes>
+</file>
+
+<file path=ppt/notesSlides/notesSlide4.xml><?xml version="1.0" encoding="utf-8"?>
+<p:notes xmlns:a="http://schemas.openxmlformats.org/drawingml/2006/main" xmlns:r="http://schemas.openxmlformats.org/officeDocument/2006/relationships" xmlns:p="http://schemas.openxmlformats.org/presentationml/2006/main">
+  <p:cSld>
+    <p:spTree>
+      <p:nvGrpSpPr>
+        <p:cNvPr id="1" name=""/>
+        <p:cNvGrpSpPr/>
+        <p:nvPr/>
+      </p:nvGrpSpPr>
+      <p:grpSpPr>
+        <a:xfrm>
+          <a:off x="0" y="0"/>
+          <a:ext cx="0" cy="0"/>
+          <a:chOff x="0" y="0"/>
+          <a:chExt cx="0" cy="0"/>
+        </a:xfrm>
+      </p:grpSpPr>
+      <p:sp>
+        <p:nvSpPr>
+          <p:cNvPr id="2" name="슬라이드 이미지 개체 틀 1"/>
+          <p:cNvSpPr>
+            <a:spLocks noGrp="1" noRot="1" noChangeAspect="1"/>
+          </p:cNvSpPr>
+          <p:nvPr>
+            <p:ph type="sldImg"/>
+          </p:nvPr>
+        </p:nvSpPr>
+        <p:spPr/>
+      </p:sp>
+      <p:sp>
+        <p:nvSpPr>
+          <p:cNvPr id="3" name="슬라이드 노트 개체 틀 2"/>
+          <p:cNvSpPr>
+            <a:spLocks noGrp="1"/>
+          </p:cNvSpPr>
+          <p:nvPr>
+            <p:ph type="body" idx="1"/>
+          </p:nvPr>
+        </p:nvSpPr>
+        <p:spPr/>
+        <p:txBody>
+          <a:bodyPr/>
+          <a:lstStyle/>
+          <a:p>
+            <a:r>
+              <a:rPr lang="en-US" altLang="ko-KR" dirty="0" err="1"/>
+              <a:t>GameStart</a:t>
+            </a:r>
+            <a:r>
+              <a:rPr lang="en-US" altLang="ko-KR" dirty="0"/>
+              <a:t> </a:t>
+            </a:r>
+            <a:r>
+              <a:rPr lang="ko-KR" altLang="en-US" dirty="0"/>
+              <a:t>예외상황</a:t>
+            </a:r>
+            <a:endParaRPr lang="en-US" altLang="ko-KR" dirty="0"/>
+          </a:p>
+          <a:p>
+            <a:pPr marL="228600" indent="-228600">
+              <a:buAutoNum type="arabicPeriod"/>
+            </a:pPr>
+            <a:r>
+              <a:rPr lang="ko-KR" altLang="en-US" dirty="0"/>
+              <a:t>방장이 다른 유저가 </a:t>
+            </a:r>
+            <a:r>
+              <a:rPr lang="en-US" altLang="ko-KR" dirty="0"/>
+              <a:t>OK </a:t>
+            </a:r>
+            <a:r>
+              <a:rPr lang="ko-KR" altLang="en-US" dirty="0"/>
+              <a:t>하지 않았는데</a:t>
+            </a:r>
+            <a:r>
+              <a:rPr lang="en-US" altLang="ko-KR" dirty="0"/>
+              <a:t>, </a:t>
+            </a:r>
+            <a:r>
+              <a:rPr lang="ko-KR" altLang="en-US" dirty="0"/>
+              <a:t>게임 시작 버튼을 눌렀을 </a:t>
+            </a:r>
+            <a:r>
+              <a:rPr lang="ko-KR" altLang="en-US" dirty="0" err="1"/>
+              <a:t>떄</a:t>
+            </a:r>
+            <a:endParaRPr lang="en-US" altLang="ko-KR" dirty="0"/>
+          </a:p>
+          <a:p>
+            <a:pPr marL="228600" indent="-228600">
+              <a:buAutoNum type="arabicPeriod"/>
+            </a:pPr>
+            <a:r>
+              <a:rPr lang="ko-KR" altLang="en-US" dirty="0"/>
+              <a:t>서버가 끊긴 경우</a:t>
+            </a:r>
+            <a:endParaRPr lang="en-US" altLang="ko-KR" dirty="0"/>
+          </a:p>
+          <a:p>
+            <a:pPr marL="228600" indent="-228600">
+              <a:buAutoNum type="arabicPeriod"/>
+            </a:pPr>
+            <a:r>
+              <a:rPr lang="ko-KR" altLang="en-US" dirty="0"/>
+              <a:t>유저가 없거나 유저가 나간 경우</a:t>
+            </a:r>
+            <a:endParaRPr lang="en-US" altLang="ko-KR" dirty="0"/>
+          </a:p>
+        </p:txBody>
+      </p:sp>
+      <p:sp>
+        <p:nvSpPr>
+          <p:cNvPr id="4" name="슬라이드 번호 개체 틀 3"/>
+          <p:cNvSpPr>
+            <a:spLocks noGrp="1"/>
+          </p:cNvSpPr>
+          <p:nvPr>
+            <p:ph type="sldNum" sz="quarter" idx="5"/>
+          </p:nvPr>
+        </p:nvSpPr>
+        <p:spPr/>
+        <p:txBody>
+          <a:bodyPr/>
+          <a:lstStyle/>
+          <a:p>
+            <a:fld id="{CE888E5F-82D8-47A3-9B9B-C3EC968654AC}" type="slidenum">
+              <a:rPr lang="ko-KR" altLang="en-US" smtClean="0"/>
+              <a:t>5</a:t>
+            </a:fld>
+            <a:endParaRPr lang="ko-KR" altLang="en-US"/>
+          </a:p>
+        </p:txBody>
+      </p:sp>
+    </p:spTree>
+    <p:extLst>
+      <p:ext uri="{BB962C8B-B14F-4D97-AF65-F5344CB8AC3E}">
+        <p14:creationId xmlns:p14="http://schemas.microsoft.com/office/powerpoint/2010/main" val="3604404720"/>
+      </p:ext>
+    </p:extLst>
+  </p:cSld>
+  <p:clrMapOvr>
+    <a:masterClrMapping/>
+  </p:clrMapOvr>
+</p:notes>
+</file>
+
+<file path=ppt/notesSlides/notesSlide5.xml><?xml version="1.0" encoding="utf-8"?>
+<p:notes xmlns:a="http://schemas.openxmlformats.org/drawingml/2006/main" xmlns:r="http://schemas.openxmlformats.org/officeDocument/2006/relationships" xmlns:p="http://schemas.openxmlformats.org/presentationml/2006/main">
+  <p:cSld>
+    <p:spTree>
+      <p:nvGrpSpPr>
+        <p:cNvPr id="1" name=""/>
+        <p:cNvGrpSpPr/>
+        <p:nvPr/>
+      </p:nvGrpSpPr>
+      <p:grpSpPr>
+        <a:xfrm>
+          <a:off x="0" y="0"/>
+          <a:ext cx="0" cy="0"/>
+          <a:chOff x="0" y="0"/>
+          <a:chExt cx="0" cy="0"/>
+        </a:xfrm>
+      </p:grpSpPr>
+      <p:sp>
+        <p:nvSpPr>
+          <p:cNvPr id="2" name="슬라이드 이미지 개체 틀 1"/>
+          <p:cNvSpPr>
+            <a:spLocks noGrp="1" noRot="1" noChangeAspect="1"/>
+          </p:cNvSpPr>
+          <p:nvPr>
+            <p:ph type="sldImg"/>
+          </p:nvPr>
+        </p:nvSpPr>
+        <p:spPr/>
+      </p:sp>
+      <p:sp>
+        <p:nvSpPr>
+          <p:cNvPr id="3" name="슬라이드 노트 개체 틀 2"/>
+          <p:cNvSpPr>
+            <a:spLocks noGrp="1"/>
+          </p:cNvSpPr>
+          <p:nvPr>
+            <p:ph type="body" idx="1"/>
+          </p:nvPr>
+        </p:nvSpPr>
+        <p:spPr/>
+        <p:txBody>
+          <a:bodyPr/>
+          <a:lstStyle/>
+          <a:p>
+            <a:r>
+              <a:rPr lang="en-US" altLang="ko-KR" dirty="0" err="1"/>
+              <a:t>Omok</a:t>
+            </a:r>
+            <a:r>
+              <a:rPr lang="en-US" altLang="ko-KR" dirty="0"/>
+              <a:t> </a:t>
+            </a:r>
+            <a:r>
+              <a:rPr lang="ko-KR" altLang="en-US" dirty="0" err="1"/>
+              <a:t>에외</a:t>
+            </a:r>
+            <a:r>
+              <a:rPr lang="ko-KR" altLang="en-US" dirty="0"/>
+              <a:t> 상황</a:t>
+            </a:r>
+            <a:endParaRPr lang="en-US" altLang="ko-KR" dirty="0"/>
+          </a:p>
+          <a:p>
+            <a:pPr marL="228600" indent="-228600">
+              <a:buAutoNum type="arabicPeriod"/>
+            </a:pPr>
+            <a:r>
+              <a:rPr lang="en-US" altLang="ko-KR" dirty="0"/>
+              <a:t>(</a:t>
+            </a:r>
+            <a:r>
+              <a:rPr lang="ko-KR" altLang="en-US" dirty="0"/>
+              <a:t>진행하다가 알겠지 모</a:t>
+            </a:r>
+            <a:r>
+              <a:rPr lang="en-US" altLang="ko-KR" dirty="0"/>
+              <a:t>)</a:t>
+            </a:r>
+          </a:p>
+          <a:p>
+            <a:pPr marL="228600" indent="-228600">
+              <a:buAutoNum type="arabicPeriod"/>
+            </a:pPr>
+            <a:endParaRPr lang="en-US" altLang="ko-KR" dirty="0"/>
+          </a:p>
+        </p:txBody>
+      </p:sp>
+      <p:sp>
+        <p:nvSpPr>
+          <p:cNvPr id="4" name="슬라이드 번호 개체 틀 3"/>
+          <p:cNvSpPr>
+            <a:spLocks noGrp="1"/>
+          </p:cNvSpPr>
+          <p:nvPr>
+            <p:ph type="sldNum" sz="quarter" idx="5"/>
+          </p:nvPr>
+        </p:nvSpPr>
+        <p:spPr/>
+        <p:txBody>
+          <a:bodyPr/>
+          <a:lstStyle/>
+          <a:p>
+            <a:fld id="{CE888E5F-82D8-47A3-9B9B-C3EC968654AC}" type="slidenum">
+              <a:rPr lang="ko-KR" altLang="en-US" smtClean="0"/>
+              <a:t>6</a:t>
+            </a:fld>
+            <a:endParaRPr lang="ko-KR" altLang="en-US"/>
+          </a:p>
+        </p:txBody>
+      </p:sp>
+    </p:spTree>
+    <p:extLst>
+      <p:ext uri="{BB962C8B-B14F-4D97-AF65-F5344CB8AC3E}">
+        <p14:creationId xmlns:p14="http://schemas.microsoft.com/office/powerpoint/2010/main" val="1802032947"/>
+      </p:ext>
+    </p:extLst>
+  </p:cSld>
+  <p:clrMapOvr>
+    <a:masterClrMapping/>
+  </p:clrMapOvr>
+</p:notes>
+</file>
+
+<file path=ppt/notesSlides/notesSlide6.xml><?xml version="1.0" encoding="utf-8"?>
+<p:notes xmlns:a="http://schemas.openxmlformats.org/drawingml/2006/main" xmlns:r="http://schemas.openxmlformats.org/officeDocument/2006/relationships" xmlns:p="http://schemas.openxmlformats.org/presentationml/2006/main">
+  <p:cSld>
+    <p:spTree>
+      <p:nvGrpSpPr>
+        <p:cNvPr id="1" name=""/>
+        <p:cNvGrpSpPr/>
+        <p:nvPr/>
+      </p:nvGrpSpPr>
+      <p:grpSpPr>
+        <a:xfrm>
+          <a:off x="0" y="0"/>
+          <a:ext cx="0" cy="0"/>
+          <a:chOff x="0" y="0"/>
+          <a:chExt cx="0" cy="0"/>
+        </a:xfrm>
+      </p:grpSpPr>
+      <p:sp>
+        <p:nvSpPr>
+          <p:cNvPr id="2" name="슬라이드 이미지 개체 틀 1"/>
+          <p:cNvSpPr>
+            <a:spLocks noGrp="1" noRot="1" noChangeAspect="1"/>
+          </p:cNvSpPr>
+          <p:nvPr>
+            <p:ph type="sldImg"/>
+          </p:nvPr>
+        </p:nvSpPr>
+        <p:spPr/>
+      </p:sp>
+      <p:sp>
+        <p:nvSpPr>
+          <p:cNvPr id="3" name="슬라이드 노트 개체 틀 2"/>
+          <p:cNvSpPr>
+            <a:spLocks noGrp="1"/>
+          </p:cNvSpPr>
+          <p:nvPr>
+            <p:ph type="body" idx="1"/>
+          </p:nvPr>
+        </p:nvSpPr>
+        <p:spPr/>
+        <p:txBody>
+          <a:bodyPr/>
+          <a:lstStyle/>
+          <a:p>
+            <a:pPr marL="0" indent="0">
+              <a:buNone/>
+            </a:pPr>
+            <a:r>
+              <a:rPr lang="en-US" altLang="ko-KR" dirty="0"/>
+              <a:t>Timeout </a:t>
+            </a:r>
+            <a:r>
+              <a:rPr lang="ko-KR" altLang="en-US" dirty="0"/>
+              <a:t>예외상황</a:t>
+            </a:r>
+            <a:endParaRPr lang="en-US" altLang="ko-KR" dirty="0"/>
+          </a:p>
+          <a:p>
+            <a:pPr marL="0" indent="0">
+              <a:buNone/>
+            </a:pPr>
+            <a:r>
+              <a:rPr lang="en-US" altLang="ko-KR" dirty="0"/>
+              <a:t>1. </a:t>
+            </a:r>
+            <a:r>
+              <a:rPr lang="ko-KR" altLang="en-US" dirty="0" err="1"/>
+              <a:t>하다보면</a:t>
+            </a:r>
+            <a:r>
+              <a:rPr lang="ko-KR" altLang="en-US" dirty="0"/>
+              <a:t> 알겠지 모</a:t>
+            </a:r>
+            <a:r>
+              <a:rPr lang="en-US" altLang="ko-KR" dirty="0"/>
+              <a:t>…</a:t>
+            </a:r>
+          </a:p>
+        </p:txBody>
+      </p:sp>
+      <p:sp>
+        <p:nvSpPr>
+          <p:cNvPr id="4" name="슬라이드 번호 개체 틀 3"/>
+          <p:cNvSpPr>
+            <a:spLocks noGrp="1"/>
+          </p:cNvSpPr>
+          <p:nvPr>
+            <p:ph type="sldNum" sz="quarter" idx="5"/>
+          </p:nvPr>
+        </p:nvSpPr>
+        <p:spPr/>
+        <p:txBody>
+          <a:bodyPr/>
+          <a:lstStyle/>
+          <a:p>
+            <a:fld id="{CE888E5F-82D8-47A3-9B9B-C3EC968654AC}" type="slidenum">
+              <a:rPr lang="ko-KR" altLang="en-US" smtClean="0"/>
+              <a:t>7</a:t>
+            </a:fld>
+            <a:endParaRPr lang="ko-KR" altLang="en-US"/>
+          </a:p>
+        </p:txBody>
+      </p:sp>
+    </p:spTree>
+    <p:extLst>
+      <p:ext uri="{BB962C8B-B14F-4D97-AF65-F5344CB8AC3E}">
+        <p14:creationId xmlns:p14="http://schemas.microsoft.com/office/powerpoint/2010/main" val="964185587"/>
+      </p:ext>
+    </p:extLst>
+  </p:cSld>
+  <p:clrMapOvr>
+    <a:masterClrMapping/>
+  </p:clrMapOvr>
+</p:notes>
 </file>
 
 <file path=ppt/slideLayouts/slideLayout1.xml><?xml version="1.0" encoding="utf-8"?>
@@ -254,7 +1462,7 @@
           <a:p>
             <a:fld id="{163DFDAF-D803-4EEC-8535-D60644101514}" type="datetimeFigureOut">
               <a:rPr lang="ko-KR" altLang="en-US" smtClean="0"/>
-              <a:t>2020-06-02</a:t>
+              <a:t>2020-06-03</a:t>
             </a:fld>
             <a:endParaRPr lang="ko-KR" altLang="en-US"/>
           </a:p>
@@ -452,7 +1660,7 @@
           <a:p>
             <a:fld id="{163DFDAF-D803-4EEC-8535-D60644101514}" type="datetimeFigureOut">
               <a:rPr lang="ko-KR" altLang="en-US" smtClean="0"/>
-              <a:t>2020-06-02</a:t>
+              <a:t>2020-06-03</a:t>
             </a:fld>
             <a:endParaRPr lang="ko-KR" altLang="en-US"/>
           </a:p>
@@ -660,7 +1868,7 @@
           <a:p>
             <a:fld id="{163DFDAF-D803-4EEC-8535-D60644101514}" type="datetimeFigureOut">
               <a:rPr lang="ko-KR" altLang="en-US" smtClean="0"/>
-              <a:t>2020-06-02</a:t>
+              <a:t>2020-06-03</a:t>
             </a:fld>
             <a:endParaRPr lang="ko-KR" altLang="en-US"/>
           </a:p>
@@ -858,7 +2066,7 @@
           <a:p>
             <a:fld id="{163DFDAF-D803-4EEC-8535-D60644101514}" type="datetimeFigureOut">
               <a:rPr lang="ko-KR" altLang="en-US" smtClean="0"/>
-              <a:t>2020-06-02</a:t>
+              <a:t>2020-06-03</a:t>
             </a:fld>
             <a:endParaRPr lang="ko-KR" altLang="en-US"/>
           </a:p>
@@ -1133,7 +2341,7 @@
           <a:p>
             <a:fld id="{163DFDAF-D803-4EEC-8535-D60644101514}" type="datetimeFigureOut">
               <a:rPr lang="ko-KR" altLang="en-US" smtClean="0"/>
-              <a:t>2020-06-02</a:t>
+              <a:t>2020-06-03</a:t>
             </a:fld>
             <a:endParaRPr lang="ko-KR" altLang="en-US"/>
           </a:p>
@@ -1398,7 +2606,7 @@
           <a:p>
             <a:fld id="{163DFDAF-D803-4EEC-8535-D60644101514}" type="datetimeFigureOut">
               <a:rPr lang="ko-KR" altLang="en-US" smtClean="0"/>
-              <a:t>2020-06-02</a:t>
+              <a:t>2020-06-03</a:t>
             </a:fld>
             <a:endParaRPr lang="ko-KR" altLang="en-US"/>
           </a:p>
@@ -1810,7 +3018,7 @@
           <a:p>
             <a:fld id="{163DFDAF-D803-4EEC-8535-D60644101514}" type="datetimeFigureOut">
               <a:rPr lang="ko-KR" altLang="en-US" smtClean="0"/>
-              <a:t>2020-06-02</a:t>
+              <a:t>2020-06-03</a:t>
             </a:fld>
             <a:endParaRPr lang="ko-KR" altLang="en-US"/>
           </a:p>
@@ -1951,7 +3159,7 @@
           <a:p>
             <a:fld id="{163DFDAF-D803-4EEC-8535-D60644101514}" type="datetimeFigureOut">
               <a:rPr lang="ko-KR" altLang="en-US" smtClean="0"/>
-              <a:t>2020-06-02</a:t>
+              <a:t>2020-06-03</a:t>
             </a:fld>
             <a:endParaRPr lang="ko-KR" altLang="en-US"/>
           </a:p>
@@ -2064,7 +3272,7 @@
           <a:p>
             <a:fld id="{163DFDAF-D803-4EEC-8535-D60644101514}" type="datetimeFigureOut">
               <a:rPr lang="ko-KR" altLang="en-US" smtClean="0"/>
-              <a:t>2020-06-02</a:t>
+              <a:t>2020-06-03</a:t>
             </a:fld>
             <a:endParaRPr lang="ko-KR" altLang="en-US"/>
           </a:p>
@@ -2375,7 +3583,7 @@
           <a:p>
             <a:fld id="{163DFDAF-D803-4EEC-8535-D60644101514}" type="datetimeFigureOut">
               <a:rPr lang="ko-KR" altLang="en-US" smtClean="0"/>
-              <a:t>2020-06-02</a:t>
+              <a:t>2020-06-03</a:t>
             </a:fld>
             <a:endParaRPr lang="ko-KR" altLang="en-US"/>
           </a:p>
@@ -2663,7 +3871,7 @@
           <a:p>
             <a:fld id="{163DFDAF-D803-4EEC-8535-D60644101514}" type="datetimeFigureOut">
               <a:rPr lang="ko-KR" altLang="en-US" smtClean="0"/>
-              <a:t>2020-06-02</a:t>
+              <a:t>2020-06-03</a:t>
             </a:fld>
             <a:endParaRPr lang="ko-KR" altLang="en-US"/>
           </a:p>
@@ -2904,7 +4112,7 @@
           <a:p>
             <a:fld id="{163DFDAF-D803-4EEC-8535-D60644101514}" type="datetimeFigureOut">
               <a:rPr lang="ko-KR" altLang="en-US" smtClean="0"/>
-              <a:t>2020-06-02</a:t>
+              <a:t>2020-06-03</a:t>
             </a:fld>
             <a:endParaRPr lang="ko-KR" altLang="en-US"/>
           </a:p>
@@ -5897,6 +7105,3679 @@
 </p:sld>
 </file>
 
+<file path=ppt/slides/slide2.xml><?xml version="1.0" encoding="utf-8"?>
+<p:sld xmlns:a="http://schemas.openxmlformats.org/drawingml/2006/main" xmlns:r="http://schemas.openxmlformats.org/officeDocument/2006/relationships" xmlns:p="http://schemas.openxmlformats.org/presentationml/2006/main">
+  <p:cSld>
+    <p:spTree>
+      <p:nvGrpSpPr>
+        <p:cNvPr id="1" name=""/>
+        <p:cNvGrpSpPr/>
+        <p:nvPr/>
+      </p:nvGrpSpPr>
+      <p:grpSpPr>
+        <a:xfrm>
+          <a:off x="0" y="0"/>
+          <a:ext cx="0" cy="0"/>
+          <a:chOff x="0" y="0"/>
+          <a:chExt cx="0" cy="0"/>
+        </a:xfrm>
+      </p:grpSpPr>
+      <p:sp>
+        <p:nvSpPr>
+          <p:cNvPr id="4" name="직사각형 3">
+            <a:extLst>
+              <a:ext uri="{FF2B5EF4-FFF2-40B4-BE49-F238E27FC236}">
+                <a16:creationId xmlns:a16="http://schemas.microsoft.com/office/drawing/2014/main" id="{6ED3E1F7-6E7B-471E-A68D-8A35198A95D4}"/>
+              </a:ext>
+            </a:extLst>
+          </p:cNvPr>
+          <p:cNvSpPr/>
+          <p:nvPr/>
+        </p:nvSpPr>
+        <p:spPr>
+          <a:xfrm>
+            <a:off x="761202" y="957487"/>
+            <a:ext cx="220222" cy="5591723"/>
+          </a:xfrm>
+          <a:prstGeom prst="rect">
+            <a:avLst/>
+          </a:prstGeom>
+          <a:solidFill>
+            <a:srgbClr val="E9B1DD"/>
+          </a:solidFill>
+          <a:ln>
+            <a:noFill/>
+          </a:ln>
+        </p:spPr>
+        <p:style>
+          <a:lnRef idx="2">
+            <a:schemeClr val="accent1">
+              <a:shade val="50000"/>
+            </a:schemeClr>
+          </a:lnRef>
+          <a:fillRef idx="1">
+            <a:schemeClr val="accent1"/>
+          </a:fillRef>
+          <a:effectRef idx="0">
+            <a:schemeClr val="accent1"/>
+          </a:effectRef>
+          <a:fontRef idx="minor">
+            <a:schemeClr val="lt1"/>
+          </a:fontRef>
+        </p:style>
+        <p:txBody>
+          <a:bodyPr rtlCol="0" anchor="ctr"/>
+          <a:lstStyle/>
+          <a:p>
+            <a:pPr algn="ctr"/>
+            <a:endParaRPr lang="ko-KR" altLang="en-US"/>
+          </a:p>
+        </p:txBody>
+      </p:sp>
+      <p:sp>
+        <p:nvSpPr>
+          <p:cNvPr id="5" name="직사각형 4">
+            <a:extLst>
+              <a:ext uri="{FF2B5EF4-FFF2-40B4-BE49-F238E27FC236}">
+                <a16:creationId xmlns:a16="http://schemas.microsoft.com/office/drawing/2014/main" id="{4F1FEE49-55E2-4425-9672-8F9FBF589521}"/>
+              </a:ext>
+            </a:extLst>
+          </p:cNvPr>
+          <p:cNvSpPr/>
+          <p:nvPr/>
+        </p:nvSpPr>
+        <p:spPr>
+          <a:xfrm>
+            <a:off x="3667174" y="957487"/>
+            <a:ext cx="220222" cy="5591723"/>
+          </a:xfrm>
+          <a:prstGeom prst="rect">
+            <a:avLst/>
+          </a:prstGeom>
+          <a:solidFill>
+            <a:srgbClr val="ADB9ED"/>
+          </a:solidFill>
+          <a:ln>
+            <a:noFill/>
+          </a:ln>
+        </p:spPr>
+        <p:style>
+          <a:lnRef idx="2">
+            <a:schemeClr val="accent1">
+              <a:shade val="50000"/>
+            </a:schemeClr>
+          </a:lnRef>
+          <a:fillRef idx="1">
+            <a:schemeClr val="accent1"/>
+          </a:fillRef>
+          <a:effectRef idx="0">
+            <a:schemeClr val="accent1"/>
+          </a:effectRef>
+          <a:fontRef idx="minor">
+            <a:schemeClr val="lt1"/>
+          </a:fontRef>
+        </p:style>
+        <p:txBody>
+          <a:bodyPr rtlCol="0" anchor="ctr"/>
+          <a:lstStyle/>
+          <a:p>
+            <a:pPr algn="ctr"/>
+            <a:endParaRPr lang="ko-KR" altLang="en-US"/>
+          </a:p>
+        </p:txBody>
+      </p:sp>
+      <p:sp>
+        <p:nvSpPr>
+          <p:cNvPr id="7" name="TextBox 6">
+            <a:extLst>
+              <a:ext uri="{FF2B5EF4-FFF2-40B4-BE49-F238E27FC236}">
+                <a16:creationId xmlns:a16="http://schemas.microsoft.com/office/drawing/2014/main" id="{E2AD23D2-B7C0-465C-B3B2-C4149ECADB99}"/>
+              </a:ext>
+            </a:extLst>
+          </p:cNvPr>
+          <p:cNvSpPr txBox="1"/>
+          <p:nvPr/>
+        </p:nvSpPr>
+        <p:spPr>
+          <a:xfrm>
+            <a:off x="1464955" y="378207"/>
+            <a:ext cx="1498467" cy="323165"/>
+          </a:xfrm>
+          <a:prstGeom prst="rect">
+            <a:avLst/>
+          </a:prstGeom>
+          <a:noFill/>
+        </p:spPr>
+        <p:txBody>
+          <a:bodyPr wrap="square" rtlCol="0">
+            <a:spAutoFit/>
+          </a:bodyPr>
+          <a:lstStyle/>
+          <a:p>
+            <a:pPr algn="ctr"/>
+            <a:r>
+              <a:rPr lang="en-US" altLang="ko-KR" sz="1500" dirty="0"/>
+              <a:t>LOGIN</a:t>
+            </a:r>
+            <a:endParaRPr lang="ko-KR" altLang="en-US" sz="1500" dirty="0"/>
+          </a:p>
+        </p:txBody>
+      </p:sp>
+      <p:sp>
+        <p:nvSpPr>
+          <p:cNvPr id="8" name="TextBox 7">
+            <a:extLst>
+              <a:ext uri="{FF2B5EF4-FFF2-40B4-BE49-F238E27FC236}">
+                <a16:creationId xmlns:a16="http://schemas.microsoft.com/office/drawing/2014/main" id="{3D42ED99-424B-4E6F-93B3-373C4DAE8655}"/>
+              </a:ext>
+            </a:extLst>
+          </p:cNvPr>
+          <p:cNvSpPr txBox="1"/>
+          <p:nvPr/>
+        </p:nvSpPr>
+        <p:spPr>
+          <a:xfrm>
+            <a:off x="122079" y="627154"/>
+            <a:ext cx="1498467" cy="276999"/>
+          </a:xfrm>
+          <a:prstGeom prst="rect">
+            <a:avLst/>
+          </a:prstGeom>
+          <a:noFill/>
+        </p:spPr>
+        <p:txBody>
+          <a:bodyPr wrap="square" rtlCol="0">
+            <a:spAutoFit/>
+          </a:bodyPr>
+          <a:lstStyle/>
+          <a:p>
+            <a:pPr algn="ctr"/>
+            <a:r>
+              <a:rPr lang="en-US" altLang="ko-KR" sz="1200" dirty="0"/>
+              <a:t>CLIENT</a:t>
+            </a:r>
+            <a:endParaRPr lang="ko-KR" altLang="en-US" sz="1200" dirty="0"/>
+          </a:p>
+        </p:txBody>
+      </p:sp>
+      <p:sp>
+        <p:nvSpPr>
+          <p:cNvPr id="9" name="TextBox 8">
+            <a:extLst>
+              <a:ext uri="{FF2B5EF4-FFF2-40B4-BE49-F238E27FC236}">
+                <a16:creationId xmlns:a16="http://schemas.microsoft.com/office/drawing/2014/main" id="{06C19CA5-3548-4838-8EA2-819D669BB9FC}"/>
+              </a:ext>
+            </a:extLst>
+          </p:cNvPr>
+          <p:cNvSpPr txBox="1"/>
+          <p:nvPr/>
+        </p:nvSpPr>
+        <p:spPr>
+          <a:xfrm>
+            <a:off x="3028051" y="627154"/>
+            <a:ext cx="1498467" cy="276999"/>
+          </a:xfrm>
+          <a:prstGeom prst="rect">
+            <a:avLst/>
+          </a:prstGeom>
+          <a:noFill/>
+        </p:spPr>
+        <p:txBody>
+          <a:bodyPr wrap="square" rtlCol="0">
+            <a:spAutoFit/>
+          </a:bodyPr>
+          <a:lstStyle/>
+          <a:p>
+            <a:pPr algn="ctr"/>
+            <a:r>
+              <a:rPr lang="en-US" altLang="ko-KR" sz="1200" dirty="0"/>
+              <a:t>SERVER</a:t>
+            </a:r>
+            <a:endParaRPr lang="ko-KR" altLang="en-US" sz="1200" dirty="0"/>
+          </a:p>
+        </p:txBody>
+      </p:sp>
+      <p:cxnSp>
+        <p:nvCxnSpPr>
+          <p:cNvPr id="11" name="직선 화살표 연결선 10">
+            <a:extLst>
+              <a:ext uri="{FF2B5EF4-FFF2-40B4-BE49-F238E27FC236}">
+                <a16:creationId xmlns:a16="http://schemas.microsoft.com/office/drawing/2014/main" id="{548AA5CD-8592-4048-BF1C-EB32F8B037EA}"/>
+              </a:ext>
+            </a:extLst>
+          </p:cNvPr>
+          <p:cNvCxnSpPr>
+            <a:cxnSpLocks/>
+          </p:cNvCxnSpPr>
+          <p:nvPr/>
+        </p:nvCxnSpPr>
+        <p:spPr>
+          <a:xfrm>
+            <a:off x="871312" y="2101684"/>
+            <a:ext cx="2905972" cy="579280"/>
+          </a:xfrm>
+          <a:prstGeom prst="straightConnector1">
+            <a:avLst/>
+          </a:prstGeom>
+          <a:ln w="28575">
+            <a:solidFill>
+              <a:srgbClr val="FF0000"/>
+            </a:solidFill>
+            <a:tailEnd type="triangle"/>
+          </a:ln>
+        </p:spPr>
+        <p:style>
+          <a:lnRef idx="1">
+            <a:schemeClr val="accent1"/>
+          </a:lnRef>
+          <a:fillRef idx="0">
+            <a:schemeClr val="accent1"/>
+          </a:fillRef>
+          <a:effectRef idx="0">
+            <a:schemeClr val="accent1"/>
+          </a:effectRef>
+          <a:fontRef idx="minor">
+            <a:schemeClr val="tx1"/>
+          </a:fontRef>
+        </p:style>
+      </p:cxnSp>
+      <p:cxnSp>
+        <p:nvCxnSpPr>
+          <p:cNvPr id="15" name="직선 화살표 연결선 14">
+            <a:extLst>
+              <a:ext uri="{FF2B5EF4-FFF2-40B4-BE49-F238E27FC236}">
+                <a16:creationId xmlns:a16="http://schemas.microsoft.com/office/drawing/2014/main" id="{542B0DF7-41EA-40E6-9D02-2E4D62344B03}"/>
+              </a:ext>
+            </a:extLst>
+          </p:cNvPr>
+          <p:cNvCxnSpPr>
+            <a:cxnSpLocks/>
+          </p:cNvCxnSpPr>
+          <p:nvPr/>
+        </p:nvCxnSpPr>
+        <p:spPr>
+          <a:xfrm flipH="1">
+            <a:off x="854557" y="3187759"/>
+            <a:ext cx="2922727" cy="603217"/>
+          </a:xfrm>
+          <a:prstGeom prst="straightConnector1">
+            <a:avLst/>
+          </a:prstGeom>
+          <a:ln w="28575">
+            <a:solidFill>
+              <a:srgbClr val="7030A0"/>
+            </a:solidFill>
+            <a:tailEnd type="triangle"/>
+          </a:ln>
+        </p:spPr>
+        <p:style>
+          <a:lnRef idx="1">
+            <a:schemeClr val="accent1"/>
+          </a:lnRef>
+          <a:fillRef idx="0">
+            <a:schemeClr val="accent1"/>
+          </a:fillRef>
+          <a:effectRef idx="0">
+            <a:schemeClr val="accent1"/>
+          </a:effectRef>
+          <a:fontRef idx="minor">
+            <a:schemeClr val="tx1"/>
+          </a:fontRef>
+        </p:style>
+      </p:cxnSp>
+      <p:sp>
+        <p:nvSpPr>
+          <p:cNvPr id="22" name="TextBox 21">
+            <a:extLst>
+              <a:ext uri="{FF2B5EF4-FFF2-40B4-BE49-F238E27FC236}">
+                <a16:creationId xmlns:a16="http://schemas.microsoft.com/office/drawing/2014/main" id="{356CE6FA-B4ED-4D92-9EB7-696298CE8D46}"/>
+              </a:ext>
+            </a:extLst>
+          </p:cNvPr>
+          <p:cNvSpPr txBox="1"/>
+          <p:nvPr/>
+        </p:nvSpPr>
+        <p:spPr>
+          <a:xfrm rot="677776">
+            <a:off x="1464955" y="2058261"/>
+            <a:ext cx="1670815" cy="276999"/>
+          </a:xfrm>
+          <a:prstGeom prst="rect">
+            <a:avLst/>
+          </a:prstGeom>
+          <a:noFill/>
+        </p:spPr>
+        <p:txBody>
+          <a:bodyPr wrap="square" rtlCol="0">
+            <a:spAutoFit/>
+          </a:bodyPr>
+          <a:lstStyle/>
+          <a:p>
+            <a:pPr algn="ctr"/>
+            <a:r>
+              <a:rPr lang="en-US" altLang="ko-KR" sz="1200" dirty="0" err="1"/>
+              <a:t>OMKReqLogin</a:t>
+            </a:r>
+            <a:endParaRPr lang="ko-KR" altLang="en-US" sz="1200" dirty="0"/>
+          </a:p>
+        </p:txBody>
+      </p:sp>
+      <p:sp>
+        <p:nvSpPr>
+          <p:cNvPr id="23" name="TextBox 22">
+            <a:extLst>
+              <a:ext uri="{FF2B5EF4-FFF2-40B4-BE49-F238E27FC236}">
+                <a16:creationId xmlns:a16="http://schemas.microsoft.com/office/drawing/2014/main" id="{B01AC697-333A-4D6B-B9D1-450BC52FDC53}"/>
+              </a:ext>
+            </a:extLst>
+          </p:cNvPr>
+          <p:cNvSpPr txBox="1"/>
+          <p:nvPr/>
+        </p:nvSpPr>
+        <p:spPr>
+          <a:xfrm rot="20913582">
+            <a:off x="1464956" y="3193760"/>
+            <a:ext cx="1670815" cy="276999"/>
+          </a:xfrm>
+          <a:prstGeom prst="rect">
+            <a:avLst/>
+          </a:prstGeom>
+          <a:noFill/>
+        </p:spPr>
+        <p:txBody>
+          <a:bodyPr wrap="square" rtlCol="0">
+            <a:spAutoFit/>
+          </a:bodyPr>
+          <a:lstStyle/>
+          <a:p>
+            <a:pPr algn="ctr"/>
+            <a:r>
+              <a:rPr lang="en-US" altLang="ko-KR" sz="1200" dirty="0" err="1"/>
+              <a:t>OMKNtfMustClose</a:t>
+            </a:r>
+            <a:endParaRPr lang="ko-KR" altLang="en-US" sz="1200" dirty="0"/>
+          </a:p>
+        </p:txBody>
+      </p:sp>
+      <p:cxnSp>
+        <p:nvCxnSpPr>
+          <p:cNvPr id="24" name="직선 화살표 연결선 23">
+            <a:extLst>
+              <a:ext uri="{FF2B5EF4-FFF2-40B4-BE49-F238E27FC236}">
+                <a16:creationId xmlns:a16="http://schemas.microsoft.com/office/drawing/2014/main" id="{A0E8BB15-0C74-4AA7-9E26-4399755E76EA}"/>
+              </a:ext>
+            </a:extLst>
+          </p:cNvPr>
+          <p:cNvCxnSpPr>
+            <a:cxnSpLocks/>
+          </p:cNvCxnSpPr>
+          <p:nvPr/>
+        </p:nvCxnSpPr>
+        <p:spPr>
+          <a:xfrm flipH="1">
+            <a:off x="854557" y="4308019"/>
+            <a:ext cx="2922727" cy="603217"/>
+          </a:xfrm>
+          <a:prstGeom prst="straightConnector1">
+            <a:avLst/>
+          </a:prstGeom>
+          <a:ln w="28575">
+            <a:solidFill>
+              <a:srgbClr val="7030A0"/>
+            </a:solidFill>
+            <a:tailEnd type="triangle"/>
+          </a:ln>
+        </p:spPr>
+        <p:style>
+          <a:lnRef idx="1">
+            <a:schemeClr val="accent1"/>
+          </a:lnRef>
+          <a:fillRef idx="0">
+            <a:schemeClr val="accent1"/>
+          </a:fillRef>
+          <a:effectRef idx="0">
+            <a:schemeClr val="accent1"/>
+          </a:effectRef>
+          <a:fontRef idx="minor">
+            <a:schemeClr val="tx1"/>
+          </a:fontRef>
+        </p:style>
+      </p:cxnSp>
+      <p:sp>
+        <p:nvSpPr>
+          <p:cNvPr id="25" name="TextBox 24">
+            <a:extLst>
+              <a:ext uri="{FF2B5EF4-FFF2-40B4-BE49-F238E27FC236}">
+                <a16:creationId xmlns:a16="http://schemas.microsoft.com/office/drawing/2014/main" id="{F5052DBB-8A9D-46E5-95EE-BB478D719969}"/>
+              </a:ext>
+            </a:extLst>
+          </p:cNvPr>
+          <p:cNvSpPr txBox="1"/>
+          <p:nvPr/>
+        </p:nvSpPr>
+        <p:spPr>
+          <a:xfrm rot="20913582">
+            <a:off x="1464956" y="4314020"/>
+            <a:ext cx="1670815" cy="276999"/>
+          </a:xfrm>
+          <a:prstGeom prst="rect">
+            <a:avLst/>
+          </a:prstGeom>
+          <a:noFill/>
+        </p:spPr>
+        <p:txBody>
+          <a:bodyPr wrap="square" rtlCol="0">
+            <a:spAutoFit/>
+          </a:bodyPr>
+          <a:lstStyle/>
+          <a:p>
+            <a:pPr algn="ctr"/>
+            <a:r>
+              <a:rPr lang="en-US" altLang="ko-KR" sz="1200" dirty="0" err="1"/>
+              <a:t>OMKResLogin</a:t>
+            </a:r>
+            <a:endParaRPr lang="ko-KR" altLang="en-US" sz="1200" dirty="0"/>
+          </a:p>
+        </p:txBody>
+      </p:sp>
+      <p:sp>
+        <p:nvSpPr>
+          <p:cNvPr id="26" name="직사각형 25">
+            <a:extLst>
+              <a:ext uri="{FF2B5EF4-FFF2-40B4-BE49-F238E27FC236}">
+                <a16:creationId xmlns:a16="http://schemas.microsoft.com/office/drawing/2014/main" id="{5DED29DB-56A6-4B39-8F73-4881DA0211FF}"/>
+              </a:ext>
+            </a:extLst>
+          </p:cNvPr>
+          <p:cNvSpPr/>
+          <p:nvPr/>
+        </p:nvSpPr>
+        <p:spPr>
+          <a:xfrm>
+            <a:off x="4690090" y="1756450"/>
+            <a:ext cx="6096000" cy="1200329"/>
+          </a:xfrm>
+          <a:prstGeom prst="rect">
+            <a:avLst/>
+          </a:prstGeom>
+        </p:spPr>
+        <p:txBody>
+          <a:bodyPr>
+            <a:spAutoFit/>
+          </a:bodyPr>
+          <a:lstStyle/>
+          <a:p>
+            <a:r>
+              <a:rPr lang="en-US" altLang="ko-KR" dirty="0"/>
+              <a:t>Login</a:t>
+            </a:r>
+          </a:p>
+          <a:p>
+            <a:r>
+              <a:rPr lang="ko-KR" altLang="en-US" dirty="0"/>
+              <a:t>예외 상황</a:t>
+            </a:r>
+            <a:endParaRPr lang="en-US" altLang="ko-KR" dirty="0"/>
+          </a:p>
+          <a:p>
+            <a:pPr marL="228600" indent="-228600">
+              <a:buAutoNum type="arabicPeriod"/>
+            </a:pPr>
+            <a:r>
+              <a:rPr lang="ko-KR" altLang="en-US" dirty="0"/>
+              <a:t>서버에서 유저 버퍼가 꽉 찬 경우</a:t>
+            </a:r>
+            <a:r>
+              <a:rPr lang="en-US" altLang="ko-KR" dirty="0"/>
+              <a:t>(</a:t>
+            </a:r>
+            <a:r>
+              <a:rPr lang="en-US" altLang="ko-KR" dirty="0" err="1"/>
+              <a:t>PKNtfMustClose</a:t>
+            </a:r>
+            <a:r>
+              <a:rPr lang="en-US" altLang="ko-KR" dirty="0"/>
+              <a:t>)</a:t>
+            </a:r>
+          </a:p>
+          <a:p>
+            <a:pPr marL="228600" indent="-228600">
+              <a:buAutoNum type="arabicPeriod"/>
+            </a:pPr>
+            <a:r>
+              <a:rPr lang="ko-KR" altLang="en-US" dirty="0"/>
+              <a:t>이미 로그인 된 상태</a:t>
+            </a:r>
+            <a:r>
+              <a:rPr lang="en-US" altLang="ko-KR" dirty="0"/>
+              <a:t>(</a:t>
+            </a:r>
+            <a:r>
+              <a:rPr lang="en-US" altLang="ko-KR" dirty="0" err="1"/>
+              <a:t>PKTResLogin</a:t>
+            </a:r>
+            <a:r>
+              <a:rPr lang="en-US" altLang="ko-KR" dirty="0"/>
+              <a:t>)</a:t>
+            </a:r>
+            <a:endParaRPr lang="ko-KR" altLang="en-US" dirty="0"/>
+          </a:p>
+        </p:txBody>
+      </p:sp>
+    </p:spTree>
+    <p:extLst>
+      <p:ext uri="{BB962C8B-B14F-4D97-AF65-F5344CB8AC3E}">
+        <p14:creationId xmlns:p14="http://schemas.microsoft.com/office/powerpoint/2010/main" val="3292191965"/>
+      </p:ext>
+    </p:extLst>
+  </p:cSld>
+  <p:clrMapOvr>
+    <a:masterClrMapping/>
+  </p:clrMapOvr>
+</p:sld>
+</file>
+
+<file path=ppt/slides/slide3.xml><?xml version="1.0" encoding="utf-8"?>
+<p:sld xmlns:a="http://schemas.openxmlformats.org/drawingml/2006/main" xmlns:r="http://schemas.openxmlformats.org/officeDocument/2006/relationships" xmlns:p="http://schemas.openxmlformats.org/presentationml/2006/main">
+  <p:cSld>
+    <p:spTree>
+      <p:nvGrpSpPr>
+        <p:cNvPr id="1" name=""/>
+        <p:cNvGrpSpPr/>
+        <p:nvPr/>
+      </p:nvGrpSpPr>
+      <p:grpSpPr>
+        <a:xfrm>
+          <a:off x="0" y="0"/>
+          <a:ext cx="0" cy="0"/>
+          <a:chOff x="0" y="0"/>
+          <a:chExt cx="0" cy="0"/>
+        </a:xfrm>
+      </p:grpSpPr>
+      <p:sp>
+        <p:nvSpPr>
+          <p:cNvPr id="4" name="직사각형 3">
+            <a:extLst>
+              <a:ext uri="{FF2B5EF4-FFF2-40B4-BE49-F238E27FC236}">
+                <a16:creationId xmlns:a16="http://schemas.microsoft.com/office/drawing/2014/main" id="{6ED3E1F7-6E7B-471E-A68D-8A35198A95D4}"/>
+              </a:ext>
+            </a:extLst>
+          </p:cNvPr>
+          <p:cNvSpPr/>
+          <p:nvPr/>
+        </p:nvSpPr>
+        <p:spPr>
+          <a:xfrm>
+            <a:off x="761202" y="957487"/>
+            <a:ext cx="220222" cy="5591723"/>
+          </a:xfrm>
+          <a:prstGeom prst="rect">
+            <a:avLst/>
+          </a:prstGeom>
+          <a:solidFill>
+            <a:srgbClr val="E9B1DD"/>
+          </a:solidFill>
+          <a:ln>
+            <a:noFill/>
+          </a:ln>
+        </p:spPr>
+        <p:style>
+          <a:lnRef idx="2">
+            <a:schemeClr val="accent1">
+              <a:shade val="50000"/>
+            </a:schemeClr>
+          </a:lnRef>
+          <a:fillRef idx="1">
+            <a:schemeClr val="accent1"/>
+          </a:fillRef>
+          <a:effectRef idx="0">
+            <a:schemeClr val="accent1"/>
+          </a:effectRef>
+          <a:fontRef idx="minor">
+            <a:schemeClr val="lt1"/>
+          </a:fontRef>
+        </p:style>
+        <p:txBody>
+          <a:bodyPr rtlCol="0" anchor="ctr"/>
+          <a:lstStyle/>
+          <a:p>
+            <a:pPr algn="ctr"/>
+            <a:endParaRPr lang="ko-KR" altLang="en-US"/>
+          </a:p>
+        </p:txBody>
+      </p:sp>
+      <p:sp>
+        <p:nvSpPr>
+          <p:cNvPr id="5" name="직사각형 4">
+            <a:extLst>
+              <a:ext uri="{FF2B5EF4-FFF2-40B4-BE49-F238E27FC236}">
+                <a16:creationId xmlns:a16="http://schemas.microsoft.com/office/drawing/2014/main" id="{4F1FEE49-55E2-4425-9672-8F9FBF589521}"/>
+              </a:ext>
+            </a:extLst>
+          </p:cNvPr>
+          <p:cNvSpPr/>
+          <p:nvPr/>
+        </p:nvSpPr>
+        <p:spPr>
+          <a:xfrm>
+            <a:off x="3667174" y="957487"/>
+            <a:ext cx="220222" cy="5591723"/>
+          </a:xfrm>
+          <a:prstGeom prst="rect">
+            <a:avLst/>
+          </a:prstGeom>
+          <a:solidFill>
+            <a:srgbClr val="ADB9ED"/>
+          </a:solidFill>
+          <a:ln>
+            <a:noFill/>
+          </a:ln>
+        </p:spPr>
+        <p:style>
+          <a:lnRef idx="2">
+            <a:schemeClr val="accent1">
+              <a:shade val="50000"/>
+            </a:schemeClr>
+          </a:lnRef>
+          <a:fillRef idx="1">
+            <a:schemeClr val="accent1"/>
+          </a:fillRef>
+          <a:effectRef idx="0">
+            <a:schemeClr val="accent1"/>
+          </a:effectRef>
+          <a:fontRef idx="minor">
+            <a:schemeClr val="lt1"/>
+          </a:fontRef>
+        </p:style>
+        <p:txBody>
+          <a:bodyPr rtlCol="0" anchor="ctr"/>
+          <a:lstStyle/>
+          <a:p>
+            <a:pPr algn="ctr"/>
+            <a:endParaRPr lang="ko-KR" altLang="en-US"/>
+          </a:p>
+        </p:txBody>
+      </p:sp>
+      <p:sp>
+        <p:nvSpPr>
+          <p:cNvPr id="7" name="TextBox 6">
+            <a:extLst>
+              <a:ext uri="{FF2B5EF4-FFF2-40B4-BE49-F238E27FC236}">
+                <a16:creationId xmlns:a16="http://schemas.microsoft.com/office/drawing/2014/main" id="{E2AD23D2-B7C0-465C-B3B2-C4149ECADB99}"/>
+              </a:ext>
+            </a:extLst>
+          </p:cNvPr>
+          <p:cNvSpPr txBox="1"/>
+          <p:nvPr/>
+        </p:nvSpPr>
+        <p:spPr>
+          <a:xfrm>
+            <a:off x="1464955" y="378207"/>
+            <a:ext cx="1498467" cy="323165"/>
+          </a:xfrm>
+          <a:prstGeom prst="rect">
+            <a:avLst/>
+          </a:prstGeom>
+          <a:noFill/>
+        </p:spPr>
+        <p:txBody>
+          <a:bodyPr wrap="square" rtlCol="0">
+            <a:spAutoFit/>
+          </a:bodyPr>
+          <a:lstStyle/>
+          <a:p>
+            <a:pPr algn="ctr"/>
+            <a:r>
+              <a:rPr lang="en-US" altLang="ko-KR" sz="1500" dirty="0" err="1"/>
+              <a:t>RoomEnter</a:t>
+            </a:r>
+            <a:endParaRPr lang="ko-KR" altLang="en-US" sz="1500" dirty="0"/>
+          </a:p>
+        </p:txBody>
+      </p:sp>
+      <p:sp>
+        <p:nvSpPr>
+          <p:cNvPr id="8" name="TextBox 7">
+            <a:extLst>
+              <a:ext uri="{FF2B5EF4-FFF2-40B4-BE49-F238E27FC236}">
+                <a16:creationId xmlns:a16="http://schemas.microsoft.com/office/drawing/2014/main" id="{3D42ED99-424B-4E6F-93B3-373C4DAE8655}"/>
+              </a:ext>
+            </a:extLst>
+          </p:cNvPr>
+          <p:cNvSpPr txBox="1"/>
+          <p:nvPr/>
+        </p:nvSpPr>
+        <p:spPr>
+          <a:xfrm>
+            <a:off x="122079" y="627154"/>
+            <a:ext cx="1498467" cy="276999"/>
+          </a:xfrm>
+          <a:prstGeom prst="rect">
+            <a:avLst/>
+          </a:prstGeom>
+          <a:noFill/>
+        </p:spPr>
+        <p:txBody>
+          <a:bodyPr wrap="square" rtlCol="0">
+            <a:spAutoFit/>
+          </a:bodyPr>
+          <a:lstStyle/>
+          <a:p>
+            <a:pPr algn="ctr"/>
+            <a:r>
+              <a:rPr lang="en-US" altLang="ko-KR" sz="1200" dirty="0"/>
+              <a:t>CLIENT</a:t>
+            </a:r>
+            <a:endParaRPr lang="ko-KR" altLang="en-US" sz="1200" dirty="0"/>
+          </a:p>
+        </p:txBody>
+      </p:sp>
+      <p:sp>
+        <p:nvSpPr>
+          <p:cNvPr id="9" name="TextBox 8">
+            <a:extLst>
+              <a:ext uri="{FF2B5EF4-FFF2-40B4-BE49-F238E27FC236}">
+                <a16:creationId xmlns:a16="http://schemas.microsoft.com/office/drawing/2014/main" id="{06C19CA5-3548-4838-8EA2-819D669BB9FC}"/>
+              </a:ext>
+            </a:extLst>
+          </p:cNvPr>
+          <p:cNvSpPr txBox="1"/>
+          <p:nvPr/>
+        </p:nvSpPr>
+        <p:spPr>
+          <a:xfrm>
+            <a:off x="3028051" y="627154"/>
+            <a:ext cx="1498467" cy="276999"/>
+          </a:xfrm>
+          <a:prstGeom prst="rect">
+            <a:avLst/>
+          </a:prstGeom>
+          <a:noFill/>
+        </p:spPr>
+        <p:txBody>
+          <a:bodyPr wrap="square" rtlCol="0">
+            <a:spAutoFit/>
+          </a:bodyPr>
+          <a:lstStyle/>
+          <a:p>
+            <a:pPr algn="ctr"/>
+            <a:r>
+              <a:rPr lang="en-US" altLang="ko-KR" sz="1200" dirty="0"/>
+              <a:t>SERVER</a:t>
+            </a:r>
+            <a:endParaRPr lang="ko-KR" altLang="en-US" sz="1200" dirty="0"/>
+          </a:p>
+        </p:txBody>
+      </p:sp>
+      <p:cxnSp>
+        <p:nvCxnSpPr>
+          <p:cNvPr id="11" name="직선 화살표 연결선 10">
+            <a:extLst>
+              <a:ext uri="{FF2B5EF4-FFF2-40B4-BE49-F238E27FC236}">
+                <a16:creationId xmlns:a16="http://schemas.microsoft.com/office/drawing/2014/main" id="{548AA5CD-8592-4048-BF1C-EB32F8B037EA}"/>
+              </a:ext>
+            </a:extLst>
+          </p:cNvPr>
+          <p:cNvCxnSpPr>
+            <a:cxnSpLocks/>
+          </p:cNvCxnSpPr>
+          <p:nvPr/>
+        </p:nvCxnSpPr>
+        <p:spPr>
+          <a:xfrm>
+            <a:off x="871312" y="2101684"/>
+            <a:ext cx="2905972" cy="579280"/>
+          </a:xfrm>
+          <a:prstGeom prst="straightConnector1">
+            <a:avLst/>
+          </a:prstGeom>
+          <a:ln w="28575">
+            <a:solidFill>
+              <a:srgbClr val="FF0000"/>
+            </a:solidFill>
+            <a:tailEnd type="triangle"/>
+          </a:ln>
+        </p:spPr>
+        <p:style>
+          <a:lnRef idx="1">
+            <a:schemeClr val="accent1"/>
+          </a:lnRef>
+          <a:fillRef idx="0">
+            <a:schemeClr val="accent1"/>
+          </a:fillRef>
+          <a:effectRef idx="0">
+            <a:schemeClr val="accent1"/>
+          </a:effectRef>
+          <a:fontRef idx="minor">
+            <a:schemeClr val="tx1"/>
+          </a:fontRef>
+        </p:style>
+      </p:cxnSp>
+      <p:cxnSp>
+        <p:nvCxnSpPr>
+          <p:cNvPr id="15" name="직선 화살표 연결선 14">
+            <a:extLst>
+              <a:ext uri="{FF2B5EF4-FFF2-40B4-BE49-F238E27FC236}">
+                <a16:creationId xmlns:a16="http://schemas.microsoft.com/office/drawing/2014/main" id="{542B0DF7-41EA-40E6-9D02-2E4D62344B03}"/>
+              </a:ext>
+            </a:extLst>
+          </p:cNvPr>
+          <p:cNvCxnSpPr>
+            <a:cxnSpLocks/>
+          </p:cNvCxnSpPr>
+          <p:nvPr/>
+        </p:nvCxnSpPr>
+        <p:spPr>
+          <a:xfrm flipH="1">
+            <a:off x="854557" y="3187759"/>
+            <a:ext cx="2922727" cy="603217"/>
+          </a:xfrm>
+          <a:prstGeom prst="straightConnector1">
+            <a:avLst/>
+          </a:prstGeom>
+          <a:ln w="28575">
+            <a:solidFill>
+              <a:srgbClr val="7030A0"/>
+            </a:solidFill>
+            <a:tailEnd type="triangle"/>
+          </a:ln>
+        </p:spPr>
+        <p:style>
+          <a:lnRef idx="1">
+            <a:schemeClr val="accent1"/>
+          </a:lnRef>
+          <a:fillRef idx="0">
+            <a:schemeClr val="accent1"/>
+          </a:fillRef>
+          <a:effectRef idx="0">
+            <a:schemeClr val="accent1"/>
+          </a:effectRef>
+          <a:fontRef idx="minor">
+            <a:schemeClr val="tx1"/>
+          </a:fontRef>
+        </p:style>
+      </p:cxnSp>
+      <p:sp>
+        <p:nvSpPr>
+          <p:cNvPr id="22" name="TextBox 21">
+            <a:extLst>
+              <a:ext uri="{FF2B5EF4-FFF2-40B4-BE49-F238E27FC236}">
+                <a16:creationId xmlns:a16="http://schemas.microsoft.com/office/drawing/2014/main" id="{356CE6FA-B4ED-4D92-9EB7-696298CE8D46}"/>
+              </a:ext>
+            </a:extLst>
+          </p:cNvPr>
+          <p:cNvSpPr txBox="1"/>
+          <p:nvPr/>
+        </p:nvSpPr>
+        <p:spPr>
+          <a:xfrm rot="677776">
+            <a:off x="1464955" y="2058261"/>
+            <a:ext cx="1670815" cy="276999"/>
+          </a:xfrm>
+          <a:prstGeom prst="rect">
+            <a:avLst/>
+          </a:prstGeom>
+          <a:noFill/>
+        </p:spPr>
+        <p:txBody>
+          <a:bodyPr wrap="square" rtlCol="0">
+            <a:spAutoFit/>
+          </a:bodyPr>
+          <a:lstStyle/>
+          <a:p>
+            <a:pPr algn="ctr"/>
+            <a:r>
+              <a:rPr lang="en-US" altLang="ko-KR" sz="1200" dirty="0" err="1"/>
+              <a:t>OMKReqRoomEnter</a:t>
+            </a:r>
+            <a:endParaRPr lang="ko-KR" altLang="en-US" sz="1200" dirty="0"/>
+          </a:p>
+        </p:txBody>
+      </p:sp>
+      <p:sp>
+        <p:nvSpPr>
+          <p:cNvPr id="23" name="TextBox 22">
+            <a:extLst>
+              <a:ext uri="{FF2B5EF4-FFF2-40B4-BE49-F238E27FC236}">
+                <a16:creationId xmlns:a16="http://schemas.microsoft.com/office/drawing/2014/main" id="{B01AC697-333A-4D6B-B9D1-450BC52FDC53}"/>
+              </a:ext>
+            </a:extLst>
+          </p:cNvPr>
+          <p:cNvSpPr txBox="1"/>
+          <p:nvPr/>
+        </p:nvSpPr>
+        <p:spPr>
+          <a:xfrm rot="20913582">
+            <a:off x="1453595" y="3191507"/>
+            <a:ext cx="1693535" cy="276999"/>
+          </a:xfrm>
+          <a:prstGeom prst="rect">
+            <a:avLst/>
+          </a:prstGeom>
+          <a:noFill/>
+        </p:spPr>
+        <p:txBody>
+          <a:bodyPr wrap="square" rtlCol="0">
+            <a:spAutoFit/>
+          </a:bodyPr>
+          <a:lstStyle/>
+          <a:p>
+            <a:pPr algn="ctr"/>
+            <a:r>
+              <a:rPr lang="en-US" altLang="ko-KR" sz="1200" dirty="0" err="1"/>
+              <a:t>OMKNtfRoomUserList</a:t>
+            </a:r>
+            <a:endParaRPr lang="ko-KR" altLang="en-US" sz="1200" dirty="0"/>
+          </a:p>
+        </p:txBody>
+      </p:sp>
+      <p:cxnSp>
+        <p:nvCxnSpPr>
+          <p:cNvPr id="24" name="직선 화살표 연결선 23">
+            <a:extLst>
+              <a:ext uri="{FF2B5EF4-FFF2-40B4-BE49-F238E27FC236}">
+                <a16:creationId xmlns:a16="http://schemas.microsoft.com/office/drawing/2014/main" id="{A0E8BB15-0C74-4AA7-9E26-4399755E76EA}"/>
+              </a:ext>
+            </a:extLst>
+          </p:cNvPr>
+          <p:cNvCxnSpPr>
+            <a:cxnSpLocks/>
+          </p:cNvCxnSpPr>
+          <p:nvPr/>
+        </p:nvCxnSpPr>
+        <p:spPr>
+          <a:xfrm flipH="1">
+            <a:off x="854557" y="4308019"/>
+            <a:ext cx="2922727" cy="603217"/>
+          </a:xfrm>
+          <a:prstGeom prst="straightConnector1">
+            <a:avLst/>
+          </a:prstGeom>
+          <a:ln w="28575">
+            <a:solidFill>
+              <a:srgbClr val="7030A0"/>
+            </a:solidFill>
+            <a:tailEnd type="triangle"/>
+          </a:ln>
+        </p:spPr>
+        <p:style>
+          <a:lnRef idx="1">
+            <a:schemeClr val="accent1"/>
+          </a:lnRef>
+          <a:fillRef idx="0">
+            <a:schemeClr val="accent1"/>
+          </a:fillRef>
+          <a:effectRef idx="0">
+            <a:schemeClr val="accent1"/>
+          </a:effectRef>
+          <a:fontRef idx="minor">
+            <a:schemeClr val="tx1"/>
+          </a:fontRef>
+        </p:style>
+      </p:cxnSp>
+      <p:sp>
+        <p:nvSpPr>
+          <p:cNvPr id="25" name="TextBox 24">
+            <a:extLst>
+              <a:ext uri="{FF2B5EF4-FFF2-40B4-BE49-F238E27FC236}">
+                <a16:creationId xmlns:a16="http://schemas.microsoft.com/office/drawing/2014/main" id="{F5052DBB-8A9D-46E5-95EE-BB478D719969}"/>
+              </a:ext>
+            </a:extLst>
+          </p:cNvPr>
+          <p:cNvSpPr txBox="1"/>
+          <p:nvPr/>
+        </p:nvSpPr>
+        <p:spPr>
+          <a:xfrm rot="20913582">
+            <a:off x="1464956" y="4314020"/>
+            <a:ext cx="1670815" cy="276999"/>
+          </a:xfrm>
+          <a:prstGeom prst="rect">
+            <a:avLst/>
+          </a:prstGeom>
+          <a:noFill/>
+        </p:spPr>
+        <p:txBody>
+          <a:bodyPr wrap="square" rtlCol="0">
+            <a:spAutoFit/>
+          </a:bodyPr>
+          <a:lstStyle/>
+          <a:p>
+            <a:pPr algn="ctr"/>
+            <a:r>
+              <a:rPr lang="en-US" altLang="ko-KR" sz="1200" dirty="0" err="1"/>
+              <a:t>OMKNtfNewUser</a:t>
+            </a:r>
+            <a:endParaRPr lang="ko-KR" altLang="en-US" sz="1200" dirty="0"/>
+          </a:p>
+        </p:txBody>
+      </p:sp>
+      <p:cxnSp>
+        <p:nvCxnSpPr>
+          <p:cNvPr id="13" name="직선 화살표 연결선 12">
+            <a:extLst>
+              <a:ext uri="{FF2B5EF4-FFF2-40B4-BE49-F238E27FC236}">
+                <a16:creationId xmlns:a16="http://schemas.microsoft.com/office/drawing/2014/main" id="{12234152-F2B1-49C4-9DD5-E12EEC48582E}"/>
+              </a:ext>
+            </a:extLst>
+          </p:cNvPr>
+          <p:cNvCxnSpPr>
+            <a:cxnSpLocks/>
+          </p:cNvCxnSpPr>
+          <p:nvPr/>
+        </p:nvCxnSpPr>
+        <p:spPr>
+          <a:xfrm flipH="1">
+            <a:off x="854557" y="5507088"/>
+            <a:ext cx="2922727" cy="603217"/>
+          </a:xfrm>
+          <a:prstGeom prst="straightConnector1">
+            <a:avLst/>
+          </a:prstGeom>
+          <a:ln w="28575">
+            <a:solidFill>
+              <a:srgbClr val="7030A0"/>
+            </a:solidFill>
+            <a:tailEnd type="triangle"/>
+          </a:ln>
+        </p:spPr>
+        <p:style>
+          <a:lnRef idx="1">
+            <a:schemeClr val="accent1"/>
+          </a:lnRef>
+          <a:fillRef idx="0">
+            <a:schemeClr val="accent1"/>
+          </a:fillRef>
+          <a:effectRef idx="0">
+            <a:schemeClr val="accent1"/>
+          </a:effectRef>
+          <a:fontRef idx="minor">
+            <a:schemeClr val="tx1"/>
+          </a:fontRef>
+        </p:style>
+      </p:cxnSp>
+      <p:sp>
+        <p:nvSpPr>
+          <p:cNvPr id="14" name="TextBox 13">
+            <a:extLst>
+              <a:ext uri="{FF2B5EF4-FFF2-40B4-BE49-F238E27FC236}">
+                <a16:creationId xmlns:a16="http://schemas.microsoft.com/office/drawing/2014/main" id="{BFAB0AAE-15DD-4212-96EC-B41EF9CBA59D}"/>
+              </a:ext>
+            </a:extLst>
+          </p:cNvPr>
+          <p:cNvSpPr txBox="1"/>
+          <p:nvPr/>
+        </p:nvSpPr>
+        <p:spPr>
+          <a:xfrm rot="20913582">
+            <a:off x="1464956" y="5513089"/>
+            <a:ext cx="1670815" cy="276999"/>
+          </a:xfrm>
+          <a:prstGeom prst="rect">
+            <a:avLst/>
+          </a:prstGeom>
+          <a:noFill/>
+        </p:spPr>
+        <p:txBody>
+          <a:bodyPr wrap="square" rtlCol="0">
+            <a:spAutoFit/>
+          </a:bodyPr>
+          <a:lstStyle/>
+          <a:p>
+            <a:pPr algn="ctr"/>
+            <a:r>
+              <a:rPr lang="en-US" altLang="ko-KR" sz="1200" dirty="0" err="1"/>
+              <a:t>OMKResRoomEnter</a:t>
+            </a:r>
+            <a:endParaRPr lang="ko-KR" altLang="en-US" sz="1200" dirty="0"/>
+          </a:p>
+        </p:txBody>
+      </p:sp>
+      <p:sp>
+        <p:nvSpPr>
+          <p:cNvPr id="2" name="직사각형 1">
+            <a:extLst>
+              <a:ext uri="{FF2B5EF4-FFF2-40B4-BE49-F238E27FC236}">
+                <a16:creationId xmlns:a16="http://schemas.microsoft.com/office/drawing/2014/main" id="{34DD57D8-29E0-44FE-B0C0-6D3C1662228C}"/>
+              </a:ext>
+            </a:extLst>
+          </p:cNvPr>
+          <p:cNvSpPr/>
+          <p:nvPr/>
+        </p:nvSpPr>
+        <p:spPr>
+          <a:xfrm>
+            <a:off x="4653053" y="2287641"/>
+            <a:ext cx="6096000" cy="1477328"/>
+          </a:xfrm>
+          <a:prstGeom prst="rect">
+            <a:avLst/>
+          </a:prstGeom>
+        </p:spPr>
+        <p:txBody>
+          <a:bodyPr>
+            <a:spAutoFit/>
+          </a:bodyPr>
+          <a:lstStyle/>
+          <a:p>
+            <a:r>
+              <a:rPr lang="en-US" altLang="ko-KR" dirty="0" err="1"/>
+              <a:t>RoomEnter</a:t>
+            </a:r>
+            <a:r>
+              <a:rPr lang="en-US" altLang="ko-KR" dirty="0"/>
+              <a:t> </a:t>
+            </a:r>
+            <a:r>
+              <a:rPr lang="ko-KR" altLang="en-US" dirty="0"/>
+              <a:t>예외상황</a:t>
+            </a:r>
+            <a:endParaRPr lang="en-US" altLang="ko-KR" dirty="0"/>
+          </a:p>
+          <a:p>
+            <a:pPr marL="228600" indent="-228600">
+              <a:buAutoNum type="arabicPeriod"/>
+            </a:pPr>
+            <a:r>
+              <a:rPr lang="en-US" altLang="ko-KR" dirty="0"/>
+              <a:t>Session Index,</a:t>
+            </a:r>
+            <a:r>
+              <a:rPr lang="ko-KR" altLang="en-US" dirty="0"/>
+              <a:t> </a:t>
+            </a:r>
+            <a:r>
+              <a:rPr lang="en-US" altLang="ko-KR" dirty="0"/>
+              <a:t>ID</a:t>
+            </a:r>
+            <a:r>
+              <a:rPr lang="ko-KR" altLang="en-US" dirty="0"/>
+              <a:t> 상태가 동일하지 못한 경우</a:t>
+            </a:r>
+            <a:endParaRPr lang="en-US" altLang="ko-KR" dirty="0"/>
+          </a:p>
+          <a:p>
+            <a:pPr marL="228600" indent="-228600">
+              <a:buAutoNum type="arabicPeriod"/>
+            </a:pPr>
+            <a:r>
+              <a:rPr lang="ko-KR" altLang="en-US" dirty="0"/>
+              <a:t>유저가 이미 방에 입장한 상태</a:t>
+            </a:r>
+            <a:endParaRPr lang="en-US" altLang="ko-KR" dirty="0"/>
+          </a:p>
+          <a:p>
+            <a:pPr marL="228600" indent="-228600">
+              <a:buAutoNum type="arabicPeriod"/>
+            </a:pPr>
+            <a:r>
+              <a:rPr lang="en-US" altLang="ko-KR" dirty="0"/>
+              <a:t>Packet</a:t>
+            </a:r>
+            <a:r>
+              <a:rPr lang="ko-KR" altLang="en-US" dirty="0"/>
+              <a:t>에 요청한 방이 없을 경우</a:t>
+            </a:r>
+            <a:endParaRPr lang="en-US" altLang="ko-KR" dirty="0"/>
+          </a:p>
+          <a:p>
+            <a:pPr marL="228600" indent="-228600">
+              <a:buAutoNum type="arabicPeriod"/>
+            </a:pPr>
+            <a:r>
+              <a:rPr lang="ko-KR" altLang="en-US" dirty="0"/>
+              <a:t>유저 추가에 실패한 경우</a:t>
+            </a:r>
+          </a:p>
+        </p:txBody>
+      </p:sp>
+    </p:spTree>
+    <p:extLst>
+      <p:ext uri="{BB962C8B-B14F-4D97-AF65-F5344CB8AC3E}">
+        <p14:creationId xmlns:p14="http://schemas.microsoft.com/office/powerpoint/2010/main" val="83544906"/>
+      </p:ext>
+    </p:extLst>
+  </p:cSld>
+  <p:clrMapOvr>
+    <a:masterClrMapping/>
+  </p:clrMapOvr>
+</p:sld>
+</file>
+
+<file path=ppt/slides/slide4.xml><?xml version="1.0" encoding="utf-8"?>
+<p:sld xmlns:a="http://schemas.openxmlformats.org/drawingml/2006/main" xmlns:r="http://schemas.openxmlformats.org/officeDocument/2006/relationships" xmlns:p="http://schemas.openxmlformats.org/presentationml/2006/main">
+  <p:cSld>
+    <p:spTree>
+      <p:nvGrpSpPr>
+        <p:cNvPr id="1" name=""/>
+        <p:cNvGrpSpPr/>
+        <p:nvPr/>
+      </p:nvGrpSpPr>
+      <p:grpSpPr>
+        <a:xfrm>
+          <a:off x="0" y="0"/>
+          <a:ext cx="0" cy="0"/>
+          <a:chOff x="0" y="0"/>
+          <a:chExt cx="0" cy="0"/>
+        </a:xfrm>
+      </p:grpSpPr>
+      <p:sp>
+        <p:nvSpPr>
+          <p:cNvPr id="4" name="직사각형 3">
+            <a:extLst>
+              <a:ext uri="{FF2B5EF4-FFF2-40B4-BE49-F238E27FC236}">
+                <a16:creationId xmlns:a16="http://schemas.microsoft.com/office/drawing/2014/main" id="{6ED3E1F7-6E7B-471E-A68D-8A35198A95D4}"/>
+              </a:ext>
+            </a:extLst>
+          </p:cNvPr>
+          <p:cNvSpPr/>
+          <p:nvPr/>
+        </p:nvSpPr>
+        <p:spPr>
+          <a:xfrm>
+            <a:off x="761202" y="957487"/>
+            <a:ext cx="220222" cy="5591723"/>
+          </a:xfrm>
+          <a:prstGeom prst="rect">
+            <a:avLst/>
+          </a:prstGeom>
+          <a:solidFill>
+            <a:srgbClr val="E9B1DD"/>
+          </a:solidFill>
+          <a:ln>
+            <a:noFill/>
+          </a:ln>
+        </p:spPr>
+        <p:style>
+          <a:lnRef idx="2">
+            <a:schemeClr val="accent1">
+              <a:shade val="50000"/>
+            </a:schemeClr>
+          </a:lnRef>
+          <a:fillRef idx="1">
+            <a:schemeClr val="accent1"/>
+          </a:fillRef>
+          <a:effectRef idx="0">
+            <a:schemeClr val="accent1"/>
+          </a:effectRef>
+          <a:fontRef idx="minor">
+            <a:schemeClr val="lt1"/>
+          </a:fontRef>
+        </p:style>
+        <p:txBody>
+          <a:bodyPr rtlCol="0" anchor="ctr"/>
+          <a:lstStyle/>
+          <a:p>
+            <a:pPr algn="ctr"/>
+            <a:endParaRPr lang="ko-KR" altLang="en-US"/>
+          </a:p>
+        </p:txBody>
+      </p:sp>
+      <p:sp>
+        <p:nvSpPr>
+          <p:cNvPr id="5" name="직사각형 4">
+            <a:extLst>
+              <a:ext uri="{FF2B5EF4-FFF2-40B4-BE49-F238E27FC236}">
+                <a16:creationId xmlns:a16="http://schemas.microsoft.com/office/drawing/2014/main" id="{4F1FEE49-55E2-4425-9672-8F9FBF589521}"/>
+              </a:ext>
+            </a:extLst>
+          </p:cNvPr>
+          <p:cNvSpPr/>
+          <p:nvPr/>
+        </p:nvSpPr>
+        <p:spPr>
+          <a:xfrm>
+            <a:off x="3667174" y="957487"/>
+            <a:ext cx="220222" cy="5591723"/>
+          </a:xfrm>
+          <a:prstGeom prst="rect">
+            <a:avLst/>
+          </a:prstGeom>
+          <a:solidFill>
+            <a:srgbClr val="ADB9ED"/>
+          </a:solidFill>
+          <a:ln>
+            <a:noFill/>
+          </a:ln>
+        </p:spPr>
+        <p:style>
+          <a:lnRef idx="2">
+            <a:schemeClr val="accent1">
+              <a:shade val="50000"/>
+            </a:schemeClr>
+          </a:lnRef>
+          <a:fillRef idx="1">
+            <a:schemeClr val="accent1"/>
+          </a:fillRef>
+          <a:effectRef idx="0">
+            <a:schemeClr val="accent1"/>
+          </a:effectRef>
+          <a:fontRef idx="minor">
+            <a:schemeClr val="lt1"/>
+          </a:fontRef>
+        </p:style>
+        <p:txBody>
+          <a:bodyPr rtlCol="0" anchor="ctr"/>
+          <a:lstStyle/>
+          <a:p>
+            <a:pPr algn="ctr"/>
+            <a:endParaRPr lang="ko-KR" altLang="en-US"/>
+          </a:p>
+        </p:txBody>
+      </p:sp>
+      <p:sp>
+        <p:nvSpPr>
+          <p:cNvPr id="7" name="TextBox 6">
+            <a:extLst>
+              <a:ext uri="{FF2B5EF4-FFF2-40B4-BE49-F238E27FC236}">
+                <a16:creationId xmlns:a16="http://schemas.microsoft.com/office/drawing/2014/main" id="{E2AD23D2-B7C0-465C-B3B2-C4149ECADB99}"/>
+              </a:ext>
+            </a:extLst>
+          </p:cNvPr>
+          <p:cNvSpPr txBox="1"/>
+          <p:nvPr/>
+        </p:nvSpPr>
+        <p:spPr>
+          <a:xfrm>
+            <a:off x="1464955" y="378207"/>
+            <a:ext cx="1498467" cy="323165"/>
+          </a:xfrm>
+          <a:prstGeom prst="rect">
+            <a:avLst/>
+          </a:prstGeom>
+          <a:noFill/>
+        </p:spPr>
+        <p:txBody>
+          <a:bodyPr wrap="square" rtlCol="0">
+            <a:spAutoFit/>
+          </a:bodyPr>
+          <a:lstStyle/>
+          <a:p>
+            <a:pPr algn="ctr"/>
+            <a:r>
+              <a:rPr lang="en-US" altLang="ko-KR" sz="1500" dirty="0"/>
+              <a:t>Chat</a:t>
+            </a:r>
+            <a:endParaRPr lang="ko-KR" altLang="en-US" sz="1500" dirty="0"/>
+          </a:p>
+        </p:txBody>
+      </p:sp>
+      <p:sp>
+        <p:nvSpPr>
+          <p:cNvPr id="8" name="TextBox 7">
+            <a:extLst>
+              <a:ext uri="{FF2B5EF4-FFF2-40B4-BE49-F238E27FC236}">
+                <a16:creationId xmlns:a16="http://schemas.microsoft.com/office/drawing/2014/main" id="{3D42ED99-424B-4E6F-93B3-373C4DAE8655}"/>
+              </a:ext>
+            </a:extLst>
+          </p:cNvPr>
+          <p:cNvSpPr txBox="1"/>
+          <p:nvPr/>
+        </p:nvSpPr>
+        <p:spPr>
+          <a:xfrm>
+            <a:off x="122079" y="627154"/>
+            <a:ext cx="1498467" cy="276999"/>
+          </a:xfrm>
+          <a:prstGeom prst="rect">
+            <a:avLst/>
+          </a:prstGeom>
+          <a:noFill/>
+        </p:spPr>
+        <p:txBody>
+          <a:bodyPr wrap="square" rtlCol="0">
+            <a:spAutoFit/>
+          </a:bodyPr>
+          <a:lstStyle/>
+          <a:p>
+            <a:pPr algn="ctr"/>
+            <a:r>
+              <a:rPr lang="en-US" altLang="ko-KR" sz="1200" dirty="0"/>
+              <a:t>CLIENT</a:t>
+            </a:r>
+            <a:endParaRPr lang="ko-KR" altLang="en-US" sz="1200" dirty="0"/>
+          </a:p>
+        </p:txBody>
+      </p:sp>
+      <p:sp>
+        <p:nvSpPr>
+          <p:cNvPr id="9" name="TextBox 8">
+            <a:extLst>
+              <a:ext uri="{FF2B5EF4-FFF2-40B4-BE49-F238E27FC236}">
+                <a16:creationId xmlns:a16="http://schemas.microsoft.com/office/drawing/2014/main" id="{06C19CA5-3548-4838-8EA2-819D669BB9FC}"/>
+              </a:ext>
+            </a:extLst>
+          </p:cNvPr>
+          <p:cNvSpPr txBox="1"/>
+          <p:nvPr/>
+        </p:nvSpPr>
+        <p:spPr>
+          <a:xfrm>
+            <a:off x="3028051" y="627154"/>
+            <a:ext cx="1498467" cy="276999"/>
+          </a:xfrm>
+          <a:prstGeom prst="rect">
+            <a:avLst/>
+          </a:prstGeom>
+          <a:noFill/>
+        </p:spPr>
+        <p:txBody>
+          <a:bodyPr wrap="square" rtlCol="0">
+            <a:spAutoFit/>
+          </a:bodyPr>
+          <a:lstStyle/>
+          <a:p>
+            <a:pPr algn="ctr"/>
+            <a:r>
+              <a:rPr lang="en-US" altLang="ko-KR" sz="1200" dirty="0"/>
+              <a:t>SERVER</a:t>
+            </a:r>
+            <a:endParaRPr lang="ko-KR" altLang="en-US" sz="1200" dirty="0"/>
+          </a:p>
+        </p:txBody>
+      </p:sp>
+      <p:cxnSp>
+        <p:nvCxnSpPr>
+          <p:cNvPr id="11" name="직선 화살표 연결선 10">
+            <a:extLst>
+              <a:ext uri="{FF2B5EF4-FFF2-40B4-BE49-F238E27FC236}">
+                <a16:creationId xmlns:a16="http://schemas.microsoft.com/office/drawing/2014/main" id="{548AA5CD-8592-4048-BF1C-EB32F8B037EA}"/>
+              </a:ext>
+            </a:extLst>
+          </p:cNvPr>
+          <p:cNvCxnSpPr>
+            <a:cxnSpLocks/>
+          </p:cNvCxnSpPr>
+          <p:nvPr/>
+        </p:nvCxnSpPr>
+        <p:spPr>
+          <a:xfrm>
+            <a:off x="871312" y="2780155"/>
+            <a:ext cx="2905972" cy="579280"/>
+          </a:xfrm>
+          <a:prstGeom prst="straightConnector1">
+            <a:avLst/>
+          </a:prstGeom>
+          <a:ln w="28575">
+            <a:solidFill>
+              <a:srgbClr val="FF0000"/>
+            </a:solidFill>
+            <a:tailEnd type="triangle"/>
+          </a:ln>
+        </p:spPr>
+        <p:style>
+          <a:lnRef idx="1">
+            <a:schemeClr val="accent1"/>
+          </a:lnRef>
+          <a:fillRef idx="0">
+            <a:schemeClr val="accent1"/>
+          </a:fillRef>
+          <a:effectRef idx="0">
+            <a:schemeClr val="accent1"/>
+          </a:effectRef>
+          <a:fontRef idx="minor">
+            <a:schemeClr val="tx1"/>
+          </a:fontRef>
+        </p:style>
+      </p:cxnSp>
+      <p:cxnSp>
+        <p:nvCxnSpPr>
+          <p:cNvPr id="15" name="직선 화살표 연결선 14">
+            <a:extLst>
+              <a:ext uri="{FF2B5EF4-FFF2-40B4-BE49-F238E27FC236}">
+                <a16:creationId xmlns:a16="http://schemas.microsoft.com/office/drawing/2014/main" id="{542B0DF7-41EA-40E6-9D02-2E4D62344B03}"/>
+              </a:ext>
+            </a:extLst>
+          </p:cNvPr>
+          <p:cNvCxnSpPr>
+            <a:cxnSpLocks/>
+          </p:cNvCxnSpPr>
+          <p:nvPr/>
+        </p:nvCxnSpPr>
+        <p:spPr>
+          <a:xfrm flipH="1">
+            <a:off x="854557" y="4025561"/>
+            <a:ext cx="2922727" cy="603217"/>
+          </a:xfrm>
+          <a:prstGeom prst="straightConnector1">
+            <a:avLst/>
+          </a:prstGeom>
+          <a:ln w="28575">
+            <a:solidFill>
+              <a:srgbClr val="7030A0"/>
+            </a:solidFill>
+            <a:tailEnd type="triangle"/>
+          </a:ln>
+        </p:spPr>
+        <p:style>
+          <a:lnRef idx="1">
+            <a:schemeClr val="accent1"/>
+          </a:lnRef>
+          <a:fillRef idx="0">
+            <a:schemeClr val="accent1"/>
+          </a:fillRef>
+          <a:effectRef idx="0">
+            <a:schemeClr val="accent1"/>
+          </a:effectRef>
+          <a:fontRef idx="minor">
+            <a:schemeClr val="tx1"/>
+          </a:fontRef>
+        </p:style>
+      </p:cxnSp>
+      <p:sp>
+        <p:nvSpPr>
+          <p:cNvPr id="22" name="TextBox 21">
+            <a:extLst>
+              <a:ext uri="{FF2B5EF4-FFF2-40B4-BE49-F238E27FC236}">
+                <a16:creationId xmlns:a16="http://schemas.microsoft.com/office/drawing/2014/main" id="{356CE6FA-B4ED-4D92-9EB7-696298CE8D46}"/>
+              </a:ext>
+            </a:extLst>
+          </p:cNvPr>
+          <p:cNvSpPr txBox="1"/>
+          <p:nvPr/>
+        </p:nvSpPr>
+        <p:spPr>
+          <a:xfrm rot="677776">
+            <a:off x="1464955" y="2736732"/>
+            <a:ext cx="1670815" cy="276999"/>
+          </a:xfrm>
+          <a:prstGeom prst="rect">
+            <a:avLst/>
+          </a:prstGeom>
+          <a:noFill/>
+        </p:spPr>
+        <p:txBody>
+          <a:bodyPr wrap="square" rtlCol="0">
+            <a:spAutoFit/>
+          </a:bodyPr>
+          <a:lstStyle/>
+          <a:p>
+            <a:pPr algn="ctr"/>
+            <a:r>
+              <a:rPr lang="en-US" altLang="ko-KR" sz="1200" dirty="0" err="1"/>
+              <a:t>OMKReqRoomChat</a:t>
+            </a:r>
+            <a:endParaRPr lang="ko-KR" altLang="en-US" sz="1200" dirty="0"/>
+          </a:p>
+        </p:txBody>
+      </p:sp>
+      <p:sp>
+        <p:nvSpPr>
+          <p:cNvPr id="23" name="TextBox 22">
+            <a:extLst>
+              <a:ext uri="{FF2B5EF4-FFF2-40B4-BE49-F238E27FC236}">
+                <a16:creationId xmlns:a16="http://schemas.microsoft.com/office/drawing/2014/main" id="{B01AC697-333A-4D6B-B9D1-450BC52FDC53}"/>
+              </a:ext>
+            </a:extLst>
+          </p:cNvPr>
+          <p:cNvSpPr txBox="1"/>
+          <p:nvPr/>
+        </p:nvSpPr>
+        <p:spPr>
+          <a:xfrm rot="20913582">
+            <a:off x="1434250" y="4036232"/>
+            <a:ext cx="1763342" cy="276999"/>
+          </a:xfrm>
+          <a:prstGeom prst="rect">
+            <a:avLst/>
+          </a:prstGeom>
+          <a:noFill/>
+        </p:spPr>
+        <p:txBody>
+          <a:bodyPr wrap="square" rtlCol="0">
+            <a:spAutoFit/>
+          </a:bodyPr>
+          <a:lstStyle/>
+          <a:p>
+            <a:pPr algn="ctr"/>
+            <a:r>
+              <a:rPr lang="en-US" altLang="ko-KR" sz="1200" dirty="0" err="1"/>
+              <a:t>OMKNtfResRoomChat</a:t>
+            </a:r>
+            <a:endParaRPr lang="ko-KR" altLang="en-US" sz="1200" dirty="0"/>
+          </a:p>
+        </p:txBody>
+      </p:sp>
+      <p:sp>
+        <p:nvSpPr>
+          <p:cNvPr id="2" name="직사각형 1">
+            <a:extLst>
+              <a:ext uri="{FF2B5EF4-FFF2-40B4-BE49-F238E27FC236}">
+                <a16:creationId xmlns:a16="http://schemas.microsoft.com/office/drawing/2014/main" id="{34DD57D8-29E0-44FE-B0C0-6D3C1662228C}"/>
+              </a:ext>
+            </a:extLst>
+          </p:cNvPr>
+          <p:cNvSpPr/>
+          <p:nvPr/>
+        </p:nvSpPr>
+        <p:spPr>
+          <a:xfrm>
+            <a:off x="4653053" y="2287641"/>
+            <a:ext cx="6096000" cy="1477328"/>
+          </a:xfrm>
+          <a:prstGeom prst="rect">
+            <a:avLst/>
+          </a:prstGeom>
+        </p:spPr>
+        <p:txBody>
+          <a:bodyPr>
+            <a:spAutoFit/>
+          </a:bodyPr>
+          <a:lstStyle/>
+          <a:p>
+            <a:r>
+              <a:rPr lang="en-US" altLang="ko-KR" dirty="0"/>
+              <a:t>Chat </a:t>
+            </a:r>
+            <a:r>
+              <a:rPr lang="ko-KR" altLang="en-US" dirty="0"/>
+              <a:t>예외 상황</a:t>
+            </a:r>
+            <a:endParaRPr lang="en-US" altLang="ko-KR" dirty="0"/>
+          </a:p>
+          <a:p>
+            <a:pPr marL="228600" indent="-228600">
+              <a:buAutoNum type="arabicPeriod"/>
+            </a:pPr>
+            <a:r>
+              <a:rPr lang="ko-KR" altLang="en-US" dirty="0"/>
+              <a:t>해당 객체 유저가 없다</a:t>
+            </a:r>
+            <a:r>
+              <a:rPr lang="en-US" altLang="ko-KR" dirty="0"/>
+              <a:t>.</a:t>
+            </a:r>
+          </a:p>
+          <a:p>
+            <a:pPr marL="228600" indent="-228600">
+              <a:buAutoNum type="arabicPeriod"/>
+            </a:pPr>
+            <a:r>
+              <a:rPr lang="ko-KR" altLang="en-US" dirty="0"/>
+              <a:t>해당 룸 객체가 없다</a:t>
+            </a:r>
+            <a:endParaRPr lang="en-US" altLang="ko-KR" dirty="0"/>
+          </a:p>
+          <a:p>
+            <a:pPr marL="228600" indent="-228600">
+              <a:buAutoNum type="arabicPeriod"/>
+            </a:pPr>
+            <a:r>
+              <a:rPr lang="en-US" altLang="ko-KR" dirty="0"/>
+              <a:t>Error </a:t>
+            </a:r>
+            <a:r>
+              <a:rPr lang="ko-KR" altLang="en-US" dirty="0"/>
+              <a:t>시</a:t>
+            </a:r>
+            <a:r>
+              <a:rPr lang="en-US" altLang="ko-KR" dirty="0"/>
+              <a:t>, Server</a:t>
+            </a:r>
+            <a:r>
+              <a:rPr lang="ko-KR" altLang="en-US" dirty="0"/>
+              <a:t>는 상태를 아는데 </a:t>
+            </a:r>
+            <a:r>
+              <a:rPr lang="en-US" altLang="ko-KR" dirty="0"/>
+              <a:t>Client</a:t>
+            </a:r>
+            <a:r>
+              <a:rPr lang="ko-KR" altLang="en-US" dirty="0"/>
+              <a:t>는 상태를 모른다 </a:t>
+            </a:r>
+            <a:r>
+              <a:rPr lang="en-US" altLang="ko-KR" dirty="0">
+                <a:sym typeface="Wingdings" panose="05000000000000000000" pitchFamily="2" charset="2"/>
+              </a:rPr>
+              <a:t> </a:t>
+            </a:r>
+            <a:r>
+              <a:rPr lang="ko-KR" altLang="en-US" dirty="0">
+                <a:sym typeface="Wingdings" panose="05000000000000000000" pitchFamily="2" charset="2"/>
+              </a:rPr>
+              <a:t>예외 처리 필요</a:t>
+            </a:r>
+            <a:endParaRPr lang="ko-KR" altLang="en-US" dirty="0"/>
+          </a:p>
+        </p:txBody>
+      </p:sp>
+    </p:spTree>
+    <p:extLst>
+      <p:ext uri="{BB962C8B-B14F-4D97-AF65-F5344CB8AC3E}">
+        <p14:creationId xmlns:p14="http://schemas.microsoft.com/office/powerpoint/2010/main" val="8921592"/>
+      </p:ext>
+    </p:extLst>
+  </p:cSld>
+  <p:clrMapOvr>
+    <a:masterClrMapping/>
+  </p:clrMapOvr>
+</p:sld>
+</file>
+
+<file path=ppt/slides/slide5.xml><?xml version="1.0" encoding="utf-8"?>
+<p:sld xmlns:a="http://schemas.openxmlformats.org/drawingml/2006/main" xmlns:r="http://schemas.openxmlformats.org/officeDocument/2006/relationships" xmlns:p="http://schemas.openxmlformats.org/presentationml/2006/main">
+  <p:cSld>
+    <p:spTree>
+      <p:nvGrpSpPr>
+        <p:cNvPr id="1" name=""/>
+        <p:cNvGrpSpPr/>
+        <p:nvPr/>
+      </p:nvGrpSpPr>
+      <p:grpSpPr>
+        <a:xfrm>
+          <a:off x="0" y="0"/>
+          <a:ext cx="0" cy="0"/>
+          <a:chOff x="0" y="0"/>
+          <a:chExt cx="0" cy="0"/>
+        </a:xfrm>
+      </p:grpSpPr>
+      <p:sp>
+        <p:nvSpPr>
+          <p:cNvPr id="4" name="직사각형 3">
+            <a:extLst>
+              <a:ext uri="{FF2B5EF4-FFF2-40B4-BE49-F238E27FC236}">
+                <a16:creationId xmlns:a16="http://schemas.microsoft.com/office/drawing/2014/main" id="{6ED3E1F7-6E7B-471E-A68D-8A35198A95D4}"/>
+              </a:ext>
+            </a:extLst>
+          </p:cNvPr>
+          <p:cNvSpPr/>
+          <p:nvPr/>
+        </p:nvSpPr>
+        <p:spPr>
+          <a:xfrm>
+            <a:off x="761202" y="957487"/>
+            <a:ext cx="220222" cy="5591723"/>
+          </a:xfrm>
+          <a:prstGeom prst="rect">
+            <a:avLst/>
+          </a:prstGeom>
+          <a:solidFill>
+            <a:srgbClr val="E9B1DD"/>
+          </a:solidFill>
+          <a:ln>
+            <a:noFill/>
+          </a:ln>
+        </p:spPr>
+        <p:style>
+          <a:lnRef idx="2">
+            <a:schemeClr val="accent1">
+              <a:shade val="50000"/>
+            </a:schemeClr>
+          </a:lnRef>
+          <a:fillRef idx="1">
+            <a:schemeClr val="accent1"/>
+          </a:fillRef>
+          <a:effectRef idx="0">
+            <a:schemeClr val="accent1"/>
+          </a:effectRef>
+          <a:fontRef idx="minor">
+            <a:schemeClr val="lt1"/>
+          </a:fontRef>
+        </p:style>
+        <p:txBody>
+          <a:bodyPr rtlCol="0" anchor="ctr"/>
+          <a:lstStyle/>
+          <a:p>
+            <a:pPr algn="ctr"/>
+            <a:endParaRPr lang="ko-KR" altLang="en-US"/>
+          </a:p>
+        </p:txBody>
+      </p:sp>
+      <p:sp>
+        <p:nvSpPr>
+          <p:cNvPr id="5" name="직사각형 4">
+            <a:extLst>
+              <a:ext uri="{FF2B5EF4-FFF2-40B4-BE49-F238E27FC236}">
+                <a16:creationId xmlns:a16="http://schemas.microsoft.com/office/drawing/2014/main" id="{4F1FEE49-55E2-4425-9672-8F9FBF589521}"/>
+              </a:ext>
+            </a:extLst>
+          </p:cNvPr>
+          <p:cNvSpPr/>
+          <p:nvPr/>
+        </p:nvSpPr>
+        <p:spPr>
+          <a:xfrm>
+            <a:off x="3667174" y="957487"/>
+            <a:ext cx="220222" cy="5591723"/>
+          </a:xfrm>
+          <a:prstGeom prst="rect">
+            <a:avLst/>
+          </a:prstGeom>
+          <a:solidFill>
+            <a:srgbClr val="ADB9ED"/>
+          </a:solidFill>
+          <a:ln>
+            <a:noFill/>
+          </a:ln>
+        </p:spPr>
+        <p:style>
+          <a:lnRef idx="2">
+            <a:schemeClr val="accent1">
+              <a:shade val="50000"/>
+            </a:schemeClr>
+          </a:lnRef>
+          <a:fillRef idx="1">
+            <a:schemeClr val="accent1"/>
+          </a:fillRef>
+          <a:effectRef idx="0">
+            <a:schemeClr val="accent1"/>
+          </a:effectRef>
+          <a:fontRef idx="minor">
+            <a:schemeClr val="lt1"/>
+          </a:fontRef>
+        </p:style>
+        <p:txBody>
+          <a:bodyPr rtlCol="0" anchor="ctr"/>
+          <a:lstStyle/>
+          <a:p>
+            <a:pPr algn="ctr"/>
+            <a:endParaRPr lang="ko-KR" altLang="en-US"/>
+          </a:p>
+        </p:txBody>
+      </p:sp>
+      <p:sp>
+        <p:nvSpPr>
+          <p:cNvPr id="7" name="TextBox 6">
+            <a:extLst>
+              <a:ext uri="{FF2B5EF4-FFF2-40B4-BE49-F238E27FC236}">
+                <a16:creationId xmlns:a16="http://schemas.microsoft.com/office/drawing/2014/main" id="{E2AD23D2-B7C0-465C-B3B2-C4149ECADB99}"/>
+              </a:ext>
+            </a:extLst>
+          </p:cNvPr>
+          <p:cNvSpPr txBox="1"/>
+          <p:nvPr/>
+        </p:nvSpPr>
+        <p:spPr>
+          <a:xfrm>
+            <a:off x="1464955" y="378207"/>
+            <a:ext cx="1498467" cy="323165"/>
+          </a:xfrm>
+          <a:prstGeom prst="rect">
+            <a:avLst/>
+          </a:prstGeom>
+          <a:noFill/>
+        </p:spPr>
+        <p:txBody>
+          <a:bodyPr wrap="square" rtlCol="0">
+            <a:spAutoFit/>
+          </a:bodyPr>
+          <a:lstStyle/>
+          <a:p>
+            <a:pPr algn="ctr"/>
+            <a:r>
+              <a:rPr lang="en-US" altLang="ko-KR" sz="1500" dirty="0" err="1"/>
+              <a:t>GameStart</a:t>
+            </a:r>
+            <a:endParaRPr lang="ko-KR" altLang="en-US" sz="1500" dirty="0"/>
+          </a:p>
+        </p:txBody>
+      </p:sp>
+      <p:sp>
+        <p:nvSpPr>
+          <p:cNvPr id="8" name="TextBox 7">
+            <a:extLst>
+              <a:ext uri="{FF2B5EF4-FFF2-40B4-BE49-F238E27FC236}">
+                <a16:creationId xmlns:a16="http://schemas.microsoft.com/office/drawing/2014/main" id="{3D42ED99-424B-4E6F-93B3-373C4DAE8655}"/>
+              </a:ext>
+            </a:extLst>
+          </p:cNvPr>
+          <p:cNvSpPr txBox="1"/>
+          <p:nvPr/>
+        </p:nvSpPr>
+        <p:spPr>
+          <a:xfrm>
+            <a:off x="122079" y="627154"/>
+            <a:ext cx="1498467" cy="276999"/>
+          </a:xfrm>
+          <a:prstGeom prst="rect">
+            <a:avLst/>
+          </a:prstGeom>
+          <a:noFill/>
+        </p:spPr>
+        <p:txBody>
+          <a:bodyPr wrap="square" rtlCol="0">
+            <a:spAutoFit/>
+          </a:bodyPr>
+          <a:lstStyle/>
+          <a:p>
+            <a:pPr algn="ctr"/>
+            <a:r>
+              <a:rPr lang="en-US" altLang="ko-KR" sz="1200" dirty="0"/>
+              <a:t>CLIENT</a:t>
+            </a:r>
+            <a:endParaRPr lang="ko-KR" altLang="en-US" sz="1200" dirty="0"/>
+          </a:p>
+        </p:txBody>
+      </p:sp>
+      <p:sp>
+        <p:nvSpPr>
+          <p:cNvPr id="9" name="TextBox 8">
+            <a:extLst>
+              <a:ext uri="{FF2B5EF4-FFF2-40B4-BE49-F238E27FC236}">
+                <a16:creationId xmlns:a16="http://schemas.microsoft.com/office/drawing/2014/main" id="{06C19CA5-3548-4838-8EA2-819D669BB9FC}"/>
+              </a:ext>
+            </a:extLst>
+          </p:cNvPr>
+          <p:cNvSpPr txBox="1"/>
+          <p:nvPr/>
+        </p:nvSpPr>
+        <p:spPr>
+          <a:xfrm>
+            <a:off x="3028051" y="627154"/>
+            <a:ext cx="1498467" cy="276999"/>
+          </a:xfrm>
+          <a:prstGeom prst="rect">
+            <a:avLst/>
+          </a:prstGeom>
+          <a:noFill/>
+        </p:spPr>
+        <p:txBody>
+          <a:bodyPr wrap="square" rtlCol="0">
+            <a:spAutoFit/>
+          </a:bodyPr>
+          <a:lstStyle/>
+          <a:p>
+            <a:pPr algn="ctr"/>
+            <a:r>
+              <a:rPr lang="en-US" altLang="ko-KR" sz="1200" dirty="0"/>
+              <a:t>SERVER</a:t>
+            </a:r>
+            <a:endParaRPr lang="ko-KR" altLang="en-US" sz="1200" dirty="0"/>
+          </a:p>
+        </p:txBody>
+      </p:sp>
+      <p:cxnSp>
+        <p:nvCxnSpPr>
+          <p:cNvPr id="11" name="직선 화살표 연결선 10">
+            <a:extLst>
+              <a:ext uri="{FF2B5EF4-FFF2-40B4-BE49-F238E27FC236}">
+                <a16:creationId xmlns:a16="http://schemas.microsoft.com/office/drawing/2014/main" id="{548AA5CD-8592-4048-BF1C-EB32F8B037EA}"/>
+              </a:ext>
+            </a:extLst>
+          </p:cNvPr>
+          <p:cNvCxnSpPr>
+            <a:cxnSpLocks/>
+          </p:cNvCxnSpPr>
+          <p:nvPr/>
+        </p:nvCxnSpPr>
+        <p:spPr>
+          <a:xfrm>
+            <a:off x="871312" y="2101684"/>
+            <a:ext cx="2905972" cy="579280"/>
+          </a:xfrm>
+          <a:prstGeom prst="straightConnector1">
+            <a:avLst/>
+          </a:prstGeom>
+          <a:ln w="28575">
+            <a:solidFill>
+              <a:srgbClr val="FF0000"/>
+            </a:solidFill>
+            <a:tailEnd type="triangle"/>
+          </a:ln>
+        </p:spPr>
+        <p:style>
+          <a:lnRef idx="1">
+            <a:schemeClr val="accent1"/>
+          </a:lnRef>
+          <a:fillRef idx="0">
+            <a:schemeClr val="accent1"/>
+          </a:fillRef>
+          <a:effectRef idx="0">
+            <a:schemeClr val="accent1"/>
+          </a:effectRef>
+          <a:fontRef idx="minor">
+            <a:schemeClr val="tx1"/>
+          </a:fontRef>
+        </p:style>
+      </p:cxnSp>
+      <p:sp>
+        <p:nvSpPr>
+          <p:cNvPr id="22" name="TextBox 21">
+            <a:extLst>
+              <a:ext uri="{FF2B5EF4-FFF2-40B4-BE49-F238E27FC236}">
+                <a16:creationId xmlns:a16="http://schemas.microsoft.com/office/drawing/2014/main" id="{356CE6FA-B4ED-4D92-9EB7-696298CE8D46}"/>
+              </a:ext>
+            </a:extLst>
+          </p:cNvPr>
+          <p:cNvSpPr txBox="1"/>
+          <p:nvPr/>
+        </p:nvSpPr>
+        <p:spPr>
+          <a:xfrm rot="677776">
+            <a:off x="1464955" y="2058261"/>
+            <a:ext cx="1670815" cy="276999"/>
+          </a:xfrm>
+          <a:prstGeom prst="rect">
+            <a:avLst/>
+          </a:prstGeom>
+          <a:noFill/>
+        </p:spPr>
+        <p:txBody>
+          <a:bodyPr wrap="square" rtlCol="0">
+            <a:spAutoFit/>
+          </a:bodyPr>
+          <a:lstStyle/>
+          <a:p>
+            <a:pPr algn="ctr"/>
+            <a:r>
+              <a:rPr lang="en-US" altLang="ko-KR" sz="1200" dirty="0" err="1"/>
+              <a:t>OMKReqGameStart</a:t>
+            </a:r>
+            <a:endParaRPr lang="ko-KR" altLang="en-US" sz="1200" dirty="0"/>
+          </a:p>
+        </p:txBody>
+      </p:sp>
+      <p:cxnSp>
+        <p:nvCxnSpPr>
+          <p:cNvPr id="24" name="직선 화살표 연결선 23">
+            <a:extLst>
+              <a:ext uri="{FF2B5EF4-FFF2-40B4-BE49-F238E27FC236}">
+                <a16:creationId xmlns:a16="http://schemas.microsoft.com/office/drawing/2014/main" id="{A0E8BB15-0C74-4AA7-9E26-4399755E76EA}"/>
+              </a:ext>
+            </a:extLst>
+          </p:cNvPr>
+          <p:cNvCxnSpPr>
+            <a:cxnSpLocks/>
+          </p:cNvCxnSpPr>
+          <p:nvPr/>
+        </p:nvCxnSpPr>
+        <p:spPr>
+          <a:xfrm flipH="1">
+            <a:off x="854557" y="4308019"/>
+            <a:ext cx="2922727" cy="603217"/>
+          </a:xfrm>
+          <a:prstGeom prst="straightConnector1">
+            <a:avLst/>
+          </a:prstGeom>
+          <a:ln w="28575">
+            <a:solidFill>
+              <a:srgbClr val="7030A0"/>
+            </a:solidFill>
+            <a:tailEnd type="triangle"/>
+          </a:ln>
+        </p:spPr>
+        <p:style>
+          <a:lnRef idx="1">
+            <a:schemeClr val="accent1"/>
+          </a:lnRef>
+          <a:fillRef idx="0">
+            <a:schemeClr val="accent1"/>
+          </a:fillRef>
+          <a:effectRef idx="0">
+            <a:schemeClr val="accent1"/>
+          </a:effectRef>
+          <a:fontRef idx="minor">
+            <a:schemeClr val="tx1"/>
+          </a:fontRef>
+        </p:style>
+      </p:cxnSp>
+      <p:sp>
+        <p:nvSpPr>
+          <p:cNvPr id="25" name="TextBox 24">
+            <a:extLst>
+              <a:ext uri="{FF2B5EF4-FFF2-40B4-BE49-F238E27FC236}">
+                <a16:creationId xmlns:a16="http://schemas.microsoft.com/office/drawing/2014/main" id="{F5052DBB-8A9D-46E5-95EE-BB478D719969}"/>
+              </a:ext>
+            </a:extLst>
+          </p:cNvPr>
+          <p:cNvSpPr txBox="1"/>
+          <p:nvPr/>
+        </p:nvSpPr>
+        <p:spPr>
+          <a:xfrm rot="20913582">
+            <a:off x="1464956" y="4314020"/>
+            <a:ext cx="1670815" cy="276999"/>
+          </a:xfrm>
+          <a:prstGeom prst="rect">
+            <a:avLst/>
+          </a:prstGeom>
+          <a:noFill/>
+        </p:spPr>
+        <p:txBody>
+          <a:bodyPr wrap="square" rtlCol="0">
+            <a:spAutoFit/>
+          </a:bodyPr>
+          <a:lstStyle/>
+          <a:p>
+            <a:pPr algn="ctr"/>
+            <a:r>
+              <a:rPr lang="en-US" altLang="ko-KR" sz="1200" dirty="0" err="1"/>
+              <a:t>OMKResGameStart</a:t>
+            </a:r>
+            <a:endParaRPr lang="ko-KR" altLang="en-US" sz="1200" dirty="0"/>
+          </a:p>
+        </p:txBody>
+      </p:sp>
+      <p:sp>
+        <p:nvSpPr>
+          <p:cNvPr id="2" name="직사각형 1">
+            <a:extLst>
+              <a:ext uri="{FF2B5EF4-FFF2-40B4-BE49-F238E27FC236}">
+                <a16:creationId xmlns:a16="http://schemas.microsoft.com/office/drawing/2014/main" id="{34DD57D8-29E0-44FE-B0C0-6D3C1662228C}"/>
+              </a:ext>
+            </a:extLst>
+          </p:cNvPr>
+          <p:cNvSpPr/>
+          <p:nvPr/>
+        </p:nvSpPr>
+        <p:spPr>
+          <a:xfrm>
+            <a:off x="4653053" y="2287641"/>
+            <a:ext cx="6096000" cy="1477328"/>
+          </a:xfrm>
+          <a:prstGeom prst="rect">
+            <a:avLst/>
+          </a:prstGeom>
+        </p:spPr>
+        <p:txBody>
+          <a:bodyPr>
+            <a:spAutoFit/>
+          </a:bodyPr>
+          <a:lstStyle/>
+          <a:p>
+            <a:r>
+              <a:rPr lang="en-US" altLang="ko-KR" dirty="0" err="1"/>
+              <a:t>GameStart</a:t>
+            </a:r>
+            <a:r>
+              <a:rPr lang="en-US" altLang="ko-KR" dirty="0"/>
+              <a:t> </a:t>
+            </a:r>
+            <a:r>
+              <a:rPr lang="ko-KR" altLang="en-US" dirty="0"/>
+              <a:t>예외상황</a:t>
+            </a:r>
+            <a:endParaRPr lang="en-US" altLang="ko-KR" dirty="0"/>
+          </a:p>
+          <a:p>
+            <a:pPr marL="228600" indent="-228600">
+              <a:buAutoNum type="arabicPeriod"/>
+            </a:pPr>
+            <a:r>
+              <a:rPr lang="ko-KR" altLang="en-US" dirty="0"/>
+              <a:t>방장이 다른 유저가 </a:t>
+            </a:r>
+            <a:r>
+              <a:rPr lang="en-US" altLang="ko-KR" dirty="0"/>
+              <a:t>OK </a:t>
+            </a:r>
+            <a:r>
+              <a:rPr lang="ko-KR" altLang="en-US" dirty="0"/>
+              <a:t>하지 않았는데</a:t>
+            </a:r>
+            <a:r>
+              <a:rPr lang="en-US" altLang="ko-KR" dirty="0"/>
+              <a:t>, </a:t>
+            </a:r>
+            <a:r>
+              <a:rPr lang="ko-KR" altLang="en-US" dirty="0"/>
+              <a:t>게임 시작 버튼을 눌렀을 </a:t>
+            </a:r>
+            <a:r>
+              <a:rPr lang="ko-KR" altLang="en-US" dirty="0" err="1"/>
+              <a:t>떄</a:t>
+            </a:r>
+            <a:endParaRPr lang="en-US" altLang="ko-KR" dirty="0"/>
+          </a:p>
+          <a:p>
+            <a:pPr marL="228600" indent="-228600">
+              <a:buAutoNum type="arabicPeriod"/>
+            </a:pPr>
+            <a:r>
+              <a:rPr lang="ko-KR" altLang="en-US" dirty="0"/>
+              <a:t>서버가 끊긴 경우</a:t>
+            </a:r>
+            <a:endParaRPr lang="en-US" altLang="ko-KR" dirty="0"/>
+          </a:p>
+          <a:p>
+            <a:pPr marL="228600" indent="-228600">
+              <a:buAutoNum type="arabicPeriod"/>
+            </a:pPr>
+            <a:r>
+              <a:rPr lang="ko-KR" altLang="en-US" dirty="0"/>
+              <a:t>유저가 없거나 유저가 나간 경우</a:t>
+            </a:r>
+            <a:endParaRPr lang="en-US" altLang="ko-KR" dirty="0"/>
+          </a:p>
+        </p:txBody>
+      </p:sp>
+    </p:spTree>
+    <p:extLst>
+      <p:ext uri="{BB962C8B-B14F-4D97-AF65-F5344CB8AC3E}">
+        <p14:creationId xmlns:p14="http://schemas.microsoft.com/office/powerpoint/2010/main" val="1948590960"/>
+      </p:ext>
+    </p:extLst>
+  </p:cSld>
+  <p:clrMapOvr>
+    <a:masterClrMapping/>
+  </p:clrMapOvr>
+</p:sld>
+</file>
+
+<file path=ppt/slides/slide6.xml><?xml version="1.0" encoding="utf-8"?>
+<p:sld xmlns:a="http://schemas.openxmlformats.org/drawingml/2006/main" xmlns:r="http://schemas.openxmlformats.org/officeDocument/2006/relationships" xmlns:p="http://schemas.openxmlformats.org/presentationml/2006/main">
+  <p:cSld>
+    <p:spTree>
+      <p:nvGrpSpPr>
+        <p:cNvPr id="1" name=""/>
+        <p:cNvGrpSpPr/>
+        <p:nvPr/>
+      </p:nvGrpSpPr>
+      <p:grpSpPr>
+        <a:xfrm>
+          <a:off x="0" y="0"/>
+          <a:ext cx="0" cy="0"/>
+          <a:chOff x="0" y="0"/>
+          <a:chExt cx="0" cy="0"/>
+        </a:xfrm>
+      </p:grpSpPr>
+      <p:sp>
+        <p:nvSpPr>
+          <p:cNvPr id="4" name="직사각형 3">
+            <a:extLst>
+              <a:ext uri="{FF2B5EF4-FFF2-40B4-BE49-F238E27FC236}">
+                <a16:creationId xmlns:a16="http://schemas.microsoft.com/office/drawing/2014/main" id="{6ED3E1F7-6E7B-471E-A68D-8A35198A95D4}"/>
+              </a:ext>
+            </a:extLst>
+          </p:cNvPr>
+          <p:cNvSpPr/>
+          <p:nvPr/>
+        </p:nvSpPr>
+        <p:spPr>
+          <a:xfrm>
+            <a:off x="761202" y="957487"/>
+            <a:ext cx="220222" cy="5591723"/>
+          </a:xfrm>
+          <a:prstGeom prst="rect">
+            <a:avLst/>
+          </a:prstGeom>
+          <a:solidFill>
+            <a:srgbClr val="E9B1DD"/>
+          </a:solidFill>
+          <a:ln>
+            <a:noFill/>
+          </a:ln>
+        </p:spPr>
+        <p:style>
+          <a:lnRef idx="2">
+            <a:schemeClr val="accent1">
+              <a:shade val="50000"/>
+            </a:schemeClr>
+          </a:lnRef>
+          <a:fillRef idx="1">
+            <a:schemeClr val="accent1"/>
+          </a:fillRef>
+          <a:effectRef idx="0">
+            <a:schemeClr val="accent1"/>
+          </a:effectRef>
+          <a:fontRef idx="minor">
+            <a:schemeClr val="lt1"/>
+          </a:fontRef>
+        </p:style>
+        <p:txBody>
+          <a:bodyPr rtlCol="0" anchor="ctr"/>
+          <a:lstStyle/>
+          <a:p>
+            <a:pPr algn="ctr"/>
+            <a:endParaRPr lang="ko-KR" altLang="en-US"/>
+          </a:p>
+        </p:txBody>
+      </p:sp>
+      <p:sp>
+        <p:nvSpPr>
+          <p:cNvPr id="5" name="직사각형 4">
+            <a:extLst>
+              <a:ext uri="{FF2B5EF4-FFF2-40B4-BE49-F238E27FC236}">
+                <a16:creationId xmlns:a16="http://schemas.microsoft.com/office/drawing/2014/main" id="{4F1FEE49-55E2-4425-9672-8F9FBF589521}"/>
+              </a:ext>
+            </a:extLst>
+          </p:cNvPr>
+          <p:cNvSpPr/>
+          <p:nvPr/>
+        </p:nvSpPr>
+        <p:spPr>
+          <a:xfrm>
+            <a:off x="3667174" y="957487"/>
+            <a:ext cx="220222" cy="5591723"/>
+          </a:xfrm>
+          <a:prstGeom prst="rect">
+            <a:avLst/>
+          </a:prstGeom>
+          <a:solidFill>
+            <a:srgbClr val="ADB9ED"/>
+          </a:solidFill>
+          <a:ln>
+            <a:noFill/>
+          </a:ln>
+        </p:spPr>
+        <p:style>
+          <a:lnRef idx="2">
+            <a:schemeClr val="accent1">
+              <a:shade val="50000"/>
+            </a:schemeClr>
+          </a:lnRef>
+          <a:fillRef idx="1">
+            <a:schemeClr val="accent1"/>
+          </a:fillRef>
+          <a:effectRef idx="0">
+            <a:schemeClr val="accent1"/>
+          </a:effectRef>
+          <a:fontRef idx="minor">
+            <a:schemeClr val="lt1"/>
+          </a:fontRef>
+        </p:style>
+        <p:txBody>
+          <a:bodyPr rtlCol="0" anchor="ctr"/>
+          <a:lstStyle/>
+          <a:p>
+            <a:pPr algn="ctr"/>
+            <a:endParaRPr lang="ko-KR" altLang="en-US"/>
+          </a:p>
+        </p:txBody>
+      </p:sp>
+      <p:sp>
+        <p:nvSpPr>
+          <p:cNvPr id="7" name="TextBox 6">
+            <a:extLst>
+              <a:ext uri="{FF2B5EF4-FFF2-40B4-BE49-F238E27FC236}">
+                <a16:creationId xmlns:a16="http://schemas.microsoft.com/office/drawing/2014/main" id="{E2AD23D2-B7C0-465C-B3B2-C4149ECADB99}"/>
+              </a:ext>
+            </a:extLst>
+          </p:cNvPr>
+          <p:cNvSpPr txBox="1"/>
+          <p:nvPr/>
+        </p:nvSpPr>
+        <p:spPr>
+          <a:xfrm>
+            <a:off x="1464955" y="378207"/>
+            <a:ext cx="1498467" cy="323165"/>
+          </a:xfrm>
+          <a:prstGeom prst="rect">
+            <a:avLst/>
+          </a:prstGeom>
+          <a:noFill/>
+        </p:spPr>
+        <p:txBody>
+          <a:bodyPr wrap="square" rtlCol="0">
+            <a:spAutoFit/>
+          </a:bodyPr>
+          <a:lstStyle/>
+          <a:p>
+            <a:pPr algn="ctr"/>
+            <a:r>
+              <a:rPr lang="en-US" altLang="ko-KR" sz="1500" dirty="0" err="1"/>
+              <a:t>Omok</a:t>
+            </a:r>
+            <a:endParaRPr lang="ko-KR" altLang="en-US" sz="1500" dirty="0"/>
+          </a:p>
+        </p:txBody>
+      </p:sp>
+      <p:sp>
+        <p:nvSpPr>
+          <p:cNvPr id="8" name="TextBox 7">
+            <a:extLst>
+              <a:ext uri="{FF2B5EF4-FFF2-40B4-BE49-F238E27FC236}">
+                <a16:creationId xmlns:a16="http://schemas.microsoft.com/office/drawing/2014/main" id="{3D42ED99-424B-4E6F-93B3-373C4DAE8655}"/>
+              </a:ext>
+            </a:extLst>
+          </p:cNvPr>
+          <p:cNvSpPr txBox="1"/>
+          <p:nvPr/>
+        </p:nvSpPr>
+        <p:spPr>
+          <a:xfrm>
+            <a:off x="122079" y="627154"/>
+            <a:ext cx="1498467" cy="276999"/>
+          </a:xfrm>
+          <a:prstGeom prst="rect">
+            <a:avLst/>
+          </a:prstGeom>
+          <a:noFill/>
+        </p:spPr>
+        <p:txBody>
+          <a:bodyPr wrap="square" rtlCol="0">
+            <a:spAutoFit/>
+          </a:bodyPr>
+          <a:lstStyle/>
+          <a:p>
+            <a:pPr algn="ctr"/>
+            <a:r>
+              <a:rPr lang="en-US" altLang="ko-KR" sz="1200" dirty="0"/>
+              <a:t>CLIENT</a:t>
+            </a:r>
+            <a:endParaRPr lang="ko-KR" altLang="en-US" sz="1200" dirty="0"/>
+          </a:p>
+        </p:txBody>
+      </p:sp>
+      <p:sp>
+        <p:nvSpPr>
+          <p:cNvPr id="9" name="TextBox 8">
+            <a:extLst>
+              <a:ext uri="{FF2B5EF4-FFF2-40B4-BE49-F238E27FC236}">
+                <a16:creationId xmlns:a16="http://schemas.microsoft.com/office/drawing/2014/main" id="{06C19CA5-3548-4838-8EA2-819D669BB9FC}"/>
+              </a:ext>
+            </a:extLst>
+          </p:cNvPr>
+          <p:cNvSpPr txBox="1"/>
+          <p:nvPr/>
+        </p:nvSpPr>
+        <p:spPr>
+          <a:xfrm>
+            <a:off x="3028051" y="627154"/>
+            <a:ext cx="1498467" cy="276999"/>
+          </a:xfrm>
+          <a:prstGeom prst="rect">
+            <a:avLst/>
+          </a:prstGeom>
+          <a:noFill/>
+        </p:spPr>
+        <p:txBody>
+          <a:bodyPr wrap="square" rtlCol="0">
+            <a:spAutoFit/>
+          </a:bodyPr>
+          <a:lstStyle/>
+          <a:p>
+            <a:pPr algn="ctr"/>
+            <a:r>
+              <a:rPr lang="en-US" altLang="ko-KR" sz="1200" dirty="0"/>
+              <a:t>SERVER</a:t>
+            </a:r>
+            <a:endParaRPr lang="ko-KR" altLang="en-US" sz="1200" dirty="0"/>
+          </a:p>
+        </p:txBody>
+      </p:sp>
+      <p:cxnSp>
+        <p:nvCxnSpPr>
+          <p:cNvPr id="11" name="직선 화살표 연결선 10">
+            <a:extLst>
+              <a:ext uri="{FF2B5EF4-FFF2-40B4-BE49-F238E27FC236}">
+                <a16:creationId xmlns:a16="http://schemas.microsoft.com/office/drawing/2014/main" id="{548AA5CD-8592-4048-BF1C-EB32F8B037EA}"/>
+              </a:ext>
+            </a:extLst>
+          </p:cNvPr>
+          <p:cNvCxnSpPr>
+            <a:cxnSpLocks/>
+          </p:cNvCxnSpPr>
+          <p:nvPr/>
+        </p:nvCxnSpPr>
+        <p:spPr>
+          <a:xfrm>
+            <a:off x="871312" y="2101684"/>
+            <a:ext cx="2905972" cy="579280"/>
+          </a:xfrm>
+          <a:prstGeom prst="straightConnector1">
+            <a:avLst/>
+          </a:prstGeom>
+          <a:ln w="28575">
+            <a:solidFill>
+              <a:srgbClr val="FF0000"/>
+            </a:solidFill>
+            <a:tailEnd type="triangle"/>
+          </a:ln>
+        </p:spPr>
+        <p:style>
+          <a:lnRef idx="1">
+            <a:schemeClr val="accent1"/>
+          </a:lnRef>
+          <a:fillRef idx="0">
+            <a:schemeClr val="accent1"/>
+          </a:fillRef>
+          <a:effectRef idx="0">
+            <a:schemeClr val="accent1"/>
+          </a:effectRef>
+          <a:fontRef idx="minor">
+            <a:schemeClr val="tx1"/>
+          </a:fontRef>
+        </p:style>
+      </p:cxnSp>
+      <p:sp>
+        <p:nvSpPr>
+          <p:cNvPr id="22" name="TextBox 21">
+            <a:extLst>
+              <a:ext uri="{FF2B5EF4-FFF2-40B4-BE49-F238E27FC236}">
+                <a16:creationId xmlns:a16="http://schemas.microsoft.com/office/drawing/2014/main" id="{356CE6FA-B4ED-4D92-9EB7-696298CE8D46}"/>
+              </a:ext>
+            </a:extLst>
+          </p:cNvPr>
+          <p:cNvSpPr txBox="1"/>
+          <p:nvPr/>
+        </p:nvSpPr>
+        <p:spPr>
+          <a:xfrm rot="677776">
+            <a:off x="1464955" y="2058261"/>
+            <a:ext cx="1670815" cy="276999"/>
+          </a:xfrm>
+          <a:prstGeom prst="rect">
+            <a:avLst/>
+          </a:prstGeom>
+          <a:noFill/>
+        </p:spPr>
+        <p:txBody>
+          <a:bodyPr wrap="square" rtlCol="0">
+            <a:spAutoFit/>
+          </a:bodyPr>
+          <a:lstStyle/>
+          <a:p>
+            <a:pPr algn="ctr"/>
+            <a:r>
+              <a:rPr lang="en-US" altLang="ko-KR" sz="1200" dirty="0" err="1"/>
+              <a:t>OMKReqOmok</a:t>
+            </a:r>
+            <a:endParaRPr lang="ko-KR" altLang="en-US" sz="1200" dirty="0"/>
+          </a:p>
+        </p:txBody>
+      </p:sp>
+      <p:cxnSp>
+        <p:nvCxnSpPr>
+          <p:cNvPr id="24" name="직선 화살표 연결선 23">
+            <a:extLst>
+              <a:ext uri="{FF2B5EF4-FFF2-40B4-BE49-F238E27FC236}">
+                <a16:creationId xmlns:a16="http://schemas.microsoft.com/office/drawing/2014/main" id="{A0E8BB15-0C74-4AA7-9E26-4399755E76EA}"/>
+              </a:ext>
+            </a:extLst>
+          </p:cNvPr>
+          <p:cNvCxnSpPr>
+            <a:cxnSpLocks/>
+          </p:cNvCxnSpPr>
+          <p:nvPr/>
+        </p:nvCxnSpPr>
+        <p:spPr>
+          <a:xfrm flipH="1">
+            <a:off x="854557" y="3692149"/>
+            <a:ext cx="2922727" cy="603217"/>
+          </a:xfrm>
+          <a:prstGeom prst="straightConnector1">
+            <a:avLst/>
+          </a:prstGeom>
+          <a:ln w="28575">
+            <a:solidFill>
+              <a:srgbClr val="7030A0"/>
+            </a:solidFill>
+            <a:tailEnd type="triangle"/>
+          </a:ln>
+        </p:spPr>
+        <p:style>
+          <a:lnRef idx="1">
+            <a:schemeClr val="accent1"/>
+          </a:lnRef>
+          <a:fillRef idx="0">
+            <a:schemeClr val="accent1"/>
+          </a:fillRef>
+          <a:effectRef idx="0">
+            <a:schemeClr val="accent1"/>
+          </a:effectRef>
+          <a:fontRef idx="minor">
+            <a:schemeClr val="tx1"/>
+          </a:fontRef>
+        </p:style>
+      </p:cxnSp>
+      <p:sp>
+        <p:nvSpPr>
+          <p:cNvPr id="25" name="TextBox 24">
+            <a:extLst>
+              <a:ext uri="{FF2B5EF4-FFF2-40B4-BE49-F238E27FC236}">
+                <a16:creationId xmlns:a16="http://schemas.microsoft.com/office/drawing/2014/main" id="{F5052DBB-8A9D-46E5-95EE-BB478D719969}"/>
+              </a:ext>
+            </a:extLst>
+          </p:cNvPr>
+          <p:cNvSpPr txBox="1"/>
+          <p:nvPr/>
+        </p:nvSpPr>
+        <p:spPr>
+          <a:xfrm rot="20913582">
+            <a:off x="1464956" y="3698150"/>
+            <a:ext cx="1670815" cy="276999"/>
+          </a:xfrm>
+          <a:prstGeom prst="rect">
+            <a:avLst/>
+          </a:prstGeom>
+          <a:noFill/>
+        </p:spPr>
+        <p:txBody>
+          <a:bodyPr wrap="square" rtlCol="0">
+            <a:spAutoFit/>
+          </a:bodyPr>
+          <a:lstStyle/>
+          <a:p>
+            <a:pPr algn="ctr"/>
+            <a:r>
+              <a:rPr lang="en-US" altLang="ko-KR" sz="1200" dirty="0" err="1"/>
+              <a:t>OMKResOmok</a:t>
+            </a:r>
+            <a:endParaRPr lang="ko-KR" altLang="en-US" sz="1200" dirty="0"/>
+          </a:p>
+        </p:txBody>
+      </p:sp>
+      <p:sp>
+        <p:nvSpPr>
+          <p:cNvPr id="2" name="직사각형 1">
+            <a:extLst>
+              <a:ext uri="{FF2B5EF4-FFF2-40B4-BE49-F238E27FC236}">
+                <a16:creationId xmlns:a16="http://schemas.microsoft.com/office/drawing/2014/main" id="{34DD57D8-29E0-44FE-B0C0-6D3C1662228C}"/>
+              </a:ext>
+            </a:extLst>
+          </p:cNvPr>
+          <p:cNvSpPr/>
+          <p:nvPr/>
+        </p:nvSpPr>
+        <p:spPr>
+          <a:xfrm>
+            <a:off x="4653053" y="2287641"/>
+            <a:ext cx="6096000" cy="923330"/>
+          </a:xfrm>
+          <a:prstGeom prst="rect">
+            <a:avLst/>
+          </a:prstGeom>
+        </p:spPr>
+        <p:txBody>
+          <a:bodyPr>
+            <a:spAutoFit/>
+          </a:bodyPr>
+          <a:lstStyle/>
+          <a:p>
+            <a:r>
+              <a:rPr lang="en-US" altLang="ko-KR" dirty="0" err="1"/>
+              <a:t>Omok</a:t>
+            </a:r>
+            <a:r>
+              <a:rPr lang="en-US" altLang="ko-KR" dirty="0"/>
+              <a:t> </a:t>
+            </a:r>
+            <a:r>
+              <a:rPr lang="ko-KR" altLang="en-US" dirty="0" err="1"/>
+              <a:t>에외</a:t>
+            </a:r>
+            <a:r>
+              <a:rPr lang="ko-KR" altLang="en-US" dirty="0"/>
+              <a:t> 상황</a:t>
+            </a:r>
+            <a:endParaRPr lang="en-US" altLang="ko-KR" dirty="0"/>
+          </a:p>
+          <a:p>
+            <a:pPr marL="228600" indent="-228600">
+              <a:buAutoNum type="arabicPeriod"/>
+            </a:pPr>
+            <a:r>
+              <a:rPr lang="en-US" altLang="ko-KR" dirty="0"/>
+              <a:t>(</a:t>
+            </a:r>
+            <a:r>
+              <a:rPr lang="ko-KR" altLang="en-US" dirty="0"/>
+              <a:t>진행하다가 알겠지 모</a:t>
+            </a:r>
+            <a:r>
+              <a:rPr lang="en-US" altLang="ko-KR" dirty="0"/>
+              <a:t>)</a:t>
+            </a:r>
+          </a:p>
+          <a:p>
+            <a:pPr marL="228600" indent="-228600">
+              <a:buAutoNum type="arabicPeriod"/>
+            </a:pPr>
+            <a:endParaRPr lang="en-US" altLang="ko-KR" dirty="0"/>
+          </a:p>
+        </p:txBody>
+      </p:sp>
+      <p:cxnSp>
+        <p:nvCxnSpPr>
+          <p:cNvPr id="14" name="직선 화살표 연결선 13">
+            <a:extLst>
+              <a:ext uri="{FF2B5EF4-FFF2-40B4-BE49-F238E27FC236}">
+                <a16:creationId xmlns:a16="http://schemas.microsoft.com/office/drawing/2014/main" id="{BB09BAA0-40D4-46F2-AD26-0BD7AC282595}"/>
+              </a:ext>
+            </a:extLst>
+          </p:cNvPr>
+          <p:cNvCxnSpPr>
+            <a:cxnSpLocks/>
+          </p:cNvCxnSpPr>
+          <p:nvPr/>
+        </p:nvCxnSpPr>
+        <p:spPr>
+          <a:xfrm flipH="1">
+            <a:off x="854557" y="4703334"/>
+            <a:ext cx="2922727" cy="603217"/>
+          </a:xfrm>
+          <a:prstGeom prst="straightConnector1">
+            <a:avLst/>
+          </a:prstGeom>
+          <a:ln w="28575">
+            <a:solidFill>
+              <a:srgbClr val="7030A0"/>
+            </a:solidFill>
+            <a:tailEnd type="triangle"/>
+          </a:ln>
+        </p:spPr>
+        <p:style>
+          <a:lnRef idx="1">
+            <a:schemeClr val="accent1"/>
+          </a:lnRef>
+          <a:fillRef idx="0">
+            <a:schemeClr val="accent1"/>
+          </a:fillRef>
+          <a:effectRef idx="0">
+            <a:schemeClr val="accent1"/>
+          </a:effectRef>
+          <a:fontRef idx="minor">
+            <a:schemeClr val="tx1"/>
+          </a:fontRef>
+        </p:style>
+      </p:cxnSp>
+      <p:sp>
+        <p:nvSpPr>
+          <p:cNvPr id="15" name="TextBox 14">
+            <a:extLst>
+              <a:ext uri="{FF2B5EF4-FFF2-40B4-BE49-F238E27FC236}">
+                <a16:creationId xmlns:a16="http://schemas.microsoft.com/office/drawing/2014/main" id="{3D0E7703-9A0E-4F24-A7E8-60BF0D020F65}"/>
+              </a:ext>
+            </a:extLst>
+          </p:cNvPr>
+          <p:cNvSpPr txBox="1"/>
+          <p:nvPr/>
+        </p:nvSpPr>
+        <p:spPr>
+          <a:xfrm rot="20913582">
+            <a:off x="1464956" y="4709335"/>
+            <a:ext cx="1670815" cy="276999"/>
+          </a:xfrm>
+          <a:prstGeom prst="rect">
+            <a:avLst/>
+          </a:prstGeom>
+          <a:noFill/>
+        </p:spPr>
+        <p:txBody>
+          <a:bodyPr wrap="square" rtlCol="0">
+            <a:spAutoFit/>
+          </a:bodyPr>
+          <a:lstStyle/>
+          <a:p>
+            <a:pPr algn="ctr"/>
+            <a:r>
+              <a:rPr lang="en-US" altLang="ko-KR" sz="1200" dirty="0" err="1"/>
+              <a:t>OMKGameOver</a:t>
+            </a:r>
+            <a:endParaRPr lang="ko-KR" altLang="en-US" sz="1200" dirty="0"/>
+          </a:p>
+        </p:txBody>
+      </p:sp>
+    </p:spTree>
+    <p:extLst>
+      <p:ext uri="{BB962C8B-B14F-4D97-AF65-F5344CB8AC3E}">
+        <p14:creationId xmlns:p14="http://schemas.microsoft.com/office/powerpoint/2010/main" val="1645545853"/>
+      </p:ext>
+    </p:extLst>
+  </p:cSld>
+  <p:clrMapOvr>
+    <a:masterClrMapping/>
+  </p:clrMapOvr>
+</p:sld>
+</file>
+
+<file path=ppt/slides/slide7.xml><?xml version="1.0" encoding="utf-8"?>
+<p:sld xmlns:a="http://schemas.openxmlformats.org/drawingml/2006/main" xmlns:r="http://schemas.openxmlformats.org/officeDocument/2006/relationships" xmlns:p="http://schemas.openxmlformats.org/presentationml/2006/main">
+  <p:cSld>
+    <p:spTree>
+      <p:nvGrpSpPr>
+        <p:cNvPr id="1" name=""/>
+        <p:cNvGrpSpPr/>
+        <p:nvPr/>
+      </p:nvGrpSpPr>
+      <p:grpSpPr>
+        <a:xfrm>
+          <a:off x="0" y="0"/>
+          <a:ext cx="0" cy="0"/>
+          <a:chOff x="0" y="0"/>
+          <a:chExt cx="0" cy="0"/>
+        </a:xfrm>
+      </p:grpSpPr>
+      <p:sp>
+        <p:nvSpPr>
+          <p:cNvPr id="4" name="직사각형 3">
+            <a:extLst>
+              <a:ext uri="{FF2B5EF4-FFF2-40B4-BE49-F238E27FC236}">
+                <a16:creationId xmlns:a16="http://schemas.microsoft.com/office/drawing/2014/main" id="{6ED3E1F7-6E7B-471E-A68D-8A35198A95D4}"/>
+              </a:ext>
+            </a:extLst>
+          </p:cNvPr>
+          <p:cNvSpPr/>
+          <p:nvPr/>
+        </p:nvSpPr>
+        <p:spPr>
+          <a:xfrm>
+            <a:off x="761202" y="957487"/>
+            <a:ext cx="220222" cy="5591723"/>
+          </a:xfrm>
+          <a:prstGeom prst="rect">
+            <a:avLst/>
+          </a:prstGeom>
+          <a:solidFill>
+            <a:srgbClr val="E9B1DD"/>
+          </a:solidFill>
+          <a:ln>
+            <a:noFill/>
+          </a:ln>
+        </p:spPr>
+        <p:style>
+          <a:lnRef idx="2">
+            <a:schemeClr val="accent1">
+              <a:shade val="50000"/>
+            </a:schemeClr>
+          </a:lnRef>
+          <a:fillRef idx="1">
+            <a:schemeClr val="accent1"/>
+          </a:fillRef>
+          <a:effectRef idx="0">
+            <a:schemeClr val="accent1"/>
+          </a:effectRef>
+          <a:fontRef idx="minor">
+            <a:schemeClr val="lt1"/>
+          </a:fontRef>
+        </p:style>
+        <p:txBody>
+          <a:bodyPr rtlCol="0" anchor="ctr"/>
+          <a:lstStyle/>
+          <a:p>
+            <a:pPr algn="ctr"/>
+            <a:endParaRPr lang="ko-KR" altLang="en-US"/>
+          </a:p>
+        </p:txBody>
+      </p:sp>
+      <p:sp>
+        <p:nvSpPr>
+          <p:cNvPr id="5" name="직사각형 4">
+            <a:extLst>
+              <a:ext uri="{FF2B5EF4-FFF2-40B4-BE49-F238E27FC236}">
+                <a16:creationId xmlns:a16="http://schemas.microsoft.com/office/drawing/2014/main" id="{4F1FEE49-55E2-4425-9672-8F9FBF589521}"/>
+              </a:ext>
+            </a:extLst>
+          </p:cNvPr>
+          <p:cNvSpPr/>
+          <p:nvPr/>
+        </p:nvSpPr>
+        <p:spPr>
+          <a:xfrm>
+            <a:off x="3667174" y="957487"/>
+            <a:ext cx="220222" cy="5591723"/>
+          </a:xfrm>
+          <a:prstGeom prst="rect">
+            <a:avLst/>
+          </a:prstGeom>
+          <a:solidFill>
+            <a:srgbClr val="ADB9ED"/>
+          </a:solidFill>
+          <a:ln>
+            <a:noFill/>
+          </a:ln>
+        </p:spPr>
+        <p:style>
+          <a:lnRef idx="2">
+            <a:schemeClr val="accent1">
+              <a:shade val="50000"/>
+            </a:schemeClr>
+          </a:lnRef>
+          <a:fillRef idx="1">
+            <a:schemeClr val="accent1"/>
+          </a:fillRef>
+          <a:effectRef idx="0">
+            <a:schemeClr val="accent1"/>
+          </a:effectRef>
+          <a:fontRef idx="minor">
+            <a:schemeClr val="lt1"/>
+          </a:fontRef>
+        </p:style>
+        <p:txBody>
+          <a:bodyPr rtlCol="0" anchor="ctr"/>
+          <a:lstStyle/>
+          <a:p>
+            <a:pPr algn="ctr"/>
+            <a:endParaRPr lang="ko-KR" altLang="en-US"/>
+          </a:p>
+        </p:txBody>
+      </p:sp>
+      <p:sp>
+        <p:nvSpPr>
+          <p:cNvPr id="7" name="TextBox 6">
+            <a:extLst>
+              <a:ext uri="{FF2B5EF4-FFF2-40B4-BE49-F238E27FC236}">
+                <a16:creationId xmlns:a16="http://schemas.microsoft.com/office/drawing/2014/main" id="{E2AD23D2-B7C0-465C-B3B2-C4149ECADB99}"/>
+              </a:ext>
+            </a:extLst>
+          </p:cNvPr>
+          <p:cNvSpPr txBox="1"/>
+          <p:nvPr/>
+        </p:nvSpPr>
+        <p:spPr>
+          <a:xfrm>
+            <a:off x="1464955" y="378207"/>
+            <a:ext cx="1498467" cy="323165"/>
+          </a:xfrm>
+          <a:prstGeom prst="rect">
+            <a:avLst/>
+          </a:prstGeom>
+          <a:noFill/>
+        </p:spPr>
+        <p:txBody>
+          <a:bodyPr wrap="square" rtlCol="0">
+            <a:spAutoFit/>
+          </a:bodyPr>
+          <a:lstStyle/>
+          <a:p>
+            <a:pPr algn="ctr"/>
+            <a:r>
+              <a:rPr lang="en-US" altLang="ko-KR" sz="1500" dirty="0"/>
+              <a:t>TIMEOUT</a:t>
+            </a:r>
+            <a:endParaRPr lang="ko-KR" altLang="en-US" sz="1500" dirty="0"/>
+          </a:p>
+        </p:txBody>
+      </p:sp>
+      <p:sp>
+        <p:nvSpPr>
+          <p:cNvPr id="8" name="TextBox 7">
+            <a:extLst>
+              <a:ext uri="{FF2B5EF4-FFF2-40B4-BE49-F238E27FC236}">
+                <a16:creationId xmlns:a16="http://schemas.microsoft.com/office/drawing/2014/main" id="{3D42ED99-424B-4E6F-93B3-373C4DAE8655}"/>
+              </a:ext>
+            </a:extLst>
+          </p:cNvPr>
+          <p:cNvSpPr txBox="1"/>
+          <p:nvPr/>
+        </p:nvSpPr>
+        <p:spPr>
+          <a:xfrm>
+            <a:off x="122079" y="627154"/>
+            <a:ext cx="1498467" cy="276999"/>
+          </a:xfrm>
+          <a:prstGeom prst="rect">
+            <a:avLst/>
+          </a:prstGeom>
+          <a:noFill/>
+        </p:spPr>
+        <p:txBody>
+          <a:bodyPr wrap="square" rtlCol="0">
+            <a:spAutoFit/>
+          </a:bodyPr>
+          <a:lstStyle/>
+          <a:p>
+            <a:pPr algn="ctr"/>
+            <a:r>
+              <a:rPr lang="en-US" altLang="ko-KR" sz="1200" dirty="0"/>
+              <a:t>CLIENT</a:t>
+            </a:r>
+            <a:endParaRPr lang="ko-KR" altLang="en-US" sz="1200" dirty="0"/>
+          </a:p>
+        </p:txBody>
+      </p:sp>
+      <p:sp>
+        <p:nvSpPr>
+          <p:cNvPr id="9" name="TextBox 8">
+            <a:extLst>
+              <a:ext uri="{FF2B5EF4-FFF2-40B4-BE49-F238E27FC236}">
+                <a16:creationId xmlns:a16="http://schemas.microsoft.com/office/drawing/2014/main" id="{06C19CA5-3548-4838-8EA2-819D669BB9FC}"/>
+              </a:ext>
+            </a:extLst>
+          </p:cNvPr>
+          <p:cNvSpPr txBox="1"/>
+          <p:nvPr/>
+        </p:nvSpPr>
+        <p:spPr>
+          <a:xfrm>
+            <a:off x="3028051" y="627154"/>
+            <a:ext cx="1498467" cy="276999"/>
+          </a:xfrm>
+          <a:prstGeom prst="rect">
+            <a:avLst/>
+          </a:prstGeom>
+          <a:noFill/>
+        </p:spPr>
+        <p:txBody>
+          <a:bodyPr wrap="square" rtlCol="0">
+            <a:spAutoFit/>
+          </a:bodyPr>
+          <a:lstStyle/>
+          <a:p>
+            <a:pPr algn="ctr"/>
+            <a:r>
+              <a:rPr lang="en-US" altLang="ko-KR" sz="1200" dirty="0"/>
+              <a:t>SERVER</a:t>
+            </a:r>
+            <a:endParaRPr lang="ko-KR" altLang="en-US" sz="1200" dirty="0"/>
+          </a:p>
+        </p:txBody>
+      </p:sp>
+      <p:cxnSp>
+        <p:nvCxnSpPr>
+          <p:cNvPr id="11" name="직선 화살표 연결선 10">
+            <a:extLst>
+              <a:ext uri="{FF2B5EF4-FFF2-40B4-BE49-F238E27FC236}">
+                <a16:creationId xmlns:a16="http://schemas.microsoft.com/office/drawing/2014/main" id="{548AA5CD-8592-4048-BF1C-EB32F8B037EA}"/>
+              </a:ext>
+            </a:extLst>
+          </p:cNvPr>
+          <p:cNvCxnSpPr>
+            <a:cxnSpLocks/>
+          </p:cNvCxnSpPr>
+          <p:nvPr/>
+        </p:nvCxnSpPr>
+        <p:spPr>
+          <a:xfrm>
+            <a:off x="871312" y="3392356"/>
+            <a:ext cx="2905972" cy="579280"/>
+          </a:xfrm>
+          <a:prstGeom prst="straightConnector1">
+            <a:avLst/>
+          </a:prstGeom>
+          <a:ln w="28575">
+            <a:solidFill>
+              <a:srgbClr val="FF0000"/>
+            </a:solidFill>
+            <a:tailEnd type="triangle"/>
+          </a:ln>
+        </p:spPr>
+        <p:style>
+          <a:lnRef idx="1">
+            <a:schemeClr val="accent1"/>
+          </a:lnRef>
+          <a:fillRef idx="0">
+            <a:schemeClr val="accent1"/>
+          </a:fillRef>
+          <a:effectRef idx="0">
+            <a:schemeClr val="accent1"/>
+          </a:effectRef>
+          <a:fontRef idx="minor">
+            <a:schemeClr val="tx1"/>
+          </a:fontRef>
+        </p:style>
+      </p:cxnSp>
+      <p:sp>
+        <p:nvSpPr>
+          <p:cNvPr id="22" name="TextBox 21">
+            <a:extLst>
+              <a:ext uri="{FF2B5EF4-FFF2-40B4-BE49-F238E27FC236}">
+                <a16:creationId xmlns:a16="http://schemas.microsoft.com/office/drawing/2014/main" id="{356CE6FA-B4ED-4D92-9EB7-696298CE8D46}"/>
+              </a:ext>
+            </a:extLst>
+          </p:cNvPr>
+          <p:cNvSpPr txBox="1"/>
+          <p:nvPr/>
+        </p:nvSpPr>
+        <p:spPr>
+          <a:xfrm rot="677776">
+            <a:off x="1462772" y="3371010"/>
+            <a:ext cx="1896230" cy="276999"/>
+          </a:xfrm>
+          <a:prstGeom prst="rect">
+            <a:avLst/>
+          </a:prstGeom>
+          <a:noFill/>
+        </p:spPr>
+        <p:txBody>
+          <a:bodyPr wrap="square" rtlCol="0">
+            <a:spAutoFit/>
+          </a:bodyPr>
+          <a:lstStyle/>
+          <a:p>
+            <a:pPr algn="ctr"/>
+            <a:r>
+              <a:rPr lang="en-US" altLang="ko-KR" sz="1200" dirty="0" err="1"/>
+              <a:t>OMKReportChkRoom</a:t>
+            </a:r>
+            <a:endParaRPr lang="ko-KR" altLang="en-US" sz="1200" dirty="0"/>
+          </a:p>
+        </p:txBody>
+      </p:sp>
+      <p:cxnSp>
+        <p:nvCxnSpPr>
+          <p:cNvPr id="24" name="직선 화살표 연결선 23">
+            <a:extLst>
+              <a:ext uri="{FF2B5EF4-FFF2-40B4-BE49-F238E27FC236}">
+                <a16:creationId xmlns:a16="http://schemas.microsoft.com/office/drawing/2014/main" id="{A0E8BB15-0C74-4AA7-9E26-4399755E76EA}"/>
+              </a:ext>
+            </a:extLst>
+          </p:cNvPr>
+          <p:cNvCxnSpPr>
+            <a:cxnSpLocks/>
+          </p:cNvCxnSpPr>
+          <p:nvPr/>
+        </p:nvCxnSpPr>
+        <p:spPr>
+          <a:xfrm flipH="1">
+            <a:off x="854557" y="1986812"/>
+            <a:ext cx="2922727" cy="603217"/>
+          </a:xfrm>
+          <a:prstGeom prst="straightConnector1">
+            <a:avLst/>
+          </a:prstGeom>
+          <a:ln w="28575">
+            <a:solidFill>
+              <a:srgbClr val="7030A0"/>
+            </a:solidFill>
+            <a:tailEnd type="triangle"/>
+          </a:ln>
+        </p:spPr>
+        <p:style>
+          <a:lnRef idx="1">
+            <a:schemeClr val="accent1"/>
+          </a:lnRef>
+          <a:fillRef idx="0">
+            <a:schemeClr val="accent1"/>
+          </a:fillRef>
+          <a:effectRef idx="0">
+            <a:schemeClr val="accent1"/>
+          </a:effectRef>
+          <a:fontRef idx="minor">
+            <a:schemeClr val="tx1"/>
+          </a:fontRef>
+        </p:style>
+      </p:cxnSp>
+      <p:sp>
+        <p:nvSpPr>
+          <p:cNvPr id="25" name="TextBox 24">
+            <a:extLst>
+              <a:ext uri="{FF2B5EF4-FFF2-40B4-BE49-F238E27FC236}">
+                <a16:creationId xmlns:a16="http://schemas.microsoft.com/office/drawing/2014/main" id="{F5052DBB-8A9D-46E5-95EE-BB478D719969}"/>
+              </a:ext>
+            </a:extLst>
+          </p:cNvPr>
+          <p:cNvSpPr txBox="1"/>
+          <p:nvPr/>
+        </p:nvSpPr>
+        <p:spPr>
+          <a:xfrm rot="20913582">
+            <a:off x="1464956" y="1992813"/>
+            <a:ext cx="1670815" cy="276999"/>
+          </a:xfrm>
+          <a:prstGeom prst="rect">
+            <a:avLst/>
+          </a:prstGeom>
+          <a:noFill/>
+        </p:spPr>
+        <p:txBody>
+          <a:bodyPr wrap="square" rtlCol="0">
+            <a:spAutoFit/>
+          </a:bodyPr>
+          <a:lstStyle/>
+          <a:p>
+            <a:pPr algn="ctr"/>
+            <a:r>
+              <a:rPr lang="en-US" altLang="ko-KR" sz="1200" dirty="0" err="1"/>
+              <a:t>OMKChkRoom</a:t>
+            </a:r>
+            <a:endParaRPr lang="ko-KR" altLang="en-US" sz="1200" dirty="0"/>
+          </a:p>
+        </p:txBody>
+      </p:sp>
+      <p:cxnSp>
+        <p:nvCxnSpPr>
+          <p:cNvPr id="14" name="직선 화살표 연결선 13">
+            <a:extLst>
+              <a:ext uri="{FF2B5EF4-FFF2-40B4-BE49-F238E27FC236}">
+                <a16:creationId xmlns:a16="http://schemas.microsoft.com/office/drawing/2014/main" id="{BB09BAA0-40D4-46F2-AD26-0BD7AC282595}"/>
+              </a:ext>
+            </a:extLst>
+          </p:cNvPr>
+          <p:cNvCxnSpPr>
+            <a:cxnSpLocks/>
+          </p:cNvCxnSpPr>
+          <p:nvPr/>
+        </p:nvCxnSpPr>
+        <p:spPr>
+          <a:xfrm flipH="1">
+            <a:off x="854557" y="4842058"/>
+            <a:ext cx="2922727" cy="603217"/>
+          </a:xfrm>
+          <a:prstGeom prst="straightConnector1">
+            <a:avLst/>
+          </a:prstGeom>
+          <a:ln w="28575">
+            <a:solidFill>
+              <a:srgbClr val="7030A0"/>
+            </a:solidFill>
+            <a:tailEnd type="triangle"/>
+          </a:ln>
+        </p:spPr>
+        <p:style>
+          <a:lnRef idx="1">
+            <a:schemeClr val="accent1"/>
+          </a:lnRef>
+          <a:fillRef idx="0">
+            <a:schemeClr val="accent1"/>
+          </a:fillRef>
+          <a:effectRef idx="0">
+            <a:schemeClr val="accent1"/>
+          </a:effectRef>
+          <a:fontRef idx="minor">
+            <a:schemeClr val="tx1"/>
+          </a:fontRef>
+        </p:style>
+      </p:cxnSp>
+      <p:sp>
+        <p:nvSpPr>
+          <p:cNvPr id="15" name="TextBox 14">
+            <a:extLst>
+              <a:ext uri="{FF2B5EF4-FFF2-40B4-BE49-F238E27FC236}">
+                <a16:creationId xmlns:a16="http://schemas.microsoft.com/office/drawing/2014/main" id="{3D0E7703-9A0E-4F24-A7E8-60BF0D020F65}"/>
+              </a:ext>
+            </a:extLst>
+          </p:cNvPr>
+          <p:cNvSpPr txBox="1"/>
+          <p:nvPr/>
+        </p:nvSpPr>
+        <p:spPr>
+          <a:xfrm rot="20913582">
+            <a:off x="1464956" y="4848059"/>
+            <a:ext cx="1670815" cy="276999"/>
+          </a:xfrm>
+          <a:prstGeom prst="rect">
+            <a:avLst/>
+          </a:prstGeom>
+          <a:noFill/>
+        </p:spPr>
+        <p:txBody>
+          <a:bodyPr wrap="square" rtlCol="0">
+            <a:spAutoFit/>
+          </a:bodyPr>
+          <a:lstStyle/>
+          <a:p>
+            <a:pPr algn="ctr"/>
+            <a:r>
+              <a:rPr lang="en-US" altLang="ko-KR" sz="1200" dirty="0" err="1"/>
+              <a:t>OMKResChkRoom</a:t>
+            </a:r>
+            <a:endParaRPr lang="ko-KR" altLang="en-US" sz="1200" dirty="0"/>
+          </a:p>
+        </p:txBody>
+      </p:sp>
+      <p:sp>
+        <p:nvSpPr>
+          <p:cNvPr id="16" name="직사각형 15">
+            <a:extLst>
+              <a:ext uri="{FF2B5EF4-FFF2-40B4-BE49-F238E27FC236}">
+                <a16:creationId xmlns:a16="http://schemas.microsoft.com/office/drawing/2014/main" id="{E70F74A4-05C0-47FC-A407-02BC27FD6D9A}"/>
+              </a:ext>
+            </a:extLst>
+          </p:cNvPr>
+          <p:cNvSpPr/>
+          <p:nvPr/>
+        </p:nvSpPr>
+        <p:spPr>
+          <a:xfrm>
+            <a:off x="6840269" y="957487"/>
+            <a:ext cx="220222" cy="5591723"/>
+          </a:xfrm>
+          <a:prstGeom prst="rect">
+            <a:avLst/>
+          </a:prstGeom>
+          <a:solidFill>
+            <a:srgbClr val="E9B1DD"/>
+          </a:solidFill>
+          <a:ln>
+            <a:noFill/>
+          </a:ln>
+        </p:spPr>
+        <p:style>
+          <a:lnRef idx="2">
+            <a:schemeClr val="accent1">
+              <a:shade val="50000"/>
+            </a:schemeClr>
+          </a:lnRef>
+          <a:fillRef idx="1">
+            <a:schemeClr val="accent1"/>
+          </a:fillRef>
+          <a:effectRef idx="0">
+            <a:schemeClr val="accent1"/>
+          </a:effectRef>
+          <a:fontRef idx="minor">
+            <a:schemeClr val="lt1"/>
+          </a:fontRef>
+        </p:style>
+        <p:txBody>
+          <a:bodyPr rtlCol="0" anchor="ctr"/>
+          <a:lstStyle/>
+          <a:p>
+            <a:pPr algn="ctr"/>
+            <a:endParaRPr lang="ko-KR" altLang="en-US"/>
+          </a:p>
+        </p:txBody>
+      </p:sp>
+      <p:sp>
+        <p:nvSpPr>
+          <p:cNvPr id="17" name="직사각형 16">
+            <a:extLst>
+              <a:ext uri="{FF2B5EF4-FFF2-40B4-BE49-F238E27FC236}">
+                <a16:creationId xmlns:a16="http://schemas.microsoft.com/office/drawing/2014/main" id="{F2D176AD-8CFB-45EE-A9D1-F0C0DC4F216C}"/>
+              </a:ext>
+            </a:extLst>
+          </p:cNvPr>
+          <p:cNvSpPr/>
+          <p:nvPr/>
+        </p:nvSpPr>
+        <p:spPr>
+          <a:xfrm>
+            <a:off x="9746241" y="957487"/>
+            <a:ext cx="220222" cy="5591723"/>
+          </a:xfrm>
+          <a:prstGeom prst="rect">
+            <a:avLst/>
+          </a:prstGeom>
+          <a:solidFill>
+            <a:srgbClr val="ADB9ED"/>
+          </a:solidFill>
+          <a:ln>
+            <a:noFill/>
+          </a:ln>
+        </p:spPr>
+        <p:style>
+          <a:lnRef idx="2">
+            <a:schemeClr val="accent1">
+              <a:shade val="50000"/>
+            </a:schemeClr>
+          </a:lnRef>
+          <a:fillRef idx="1">
+            <a:schemeClr val="accent1"/>
+          </a:fillRef>
+          <a:effectRef idx="0">
+            <a:schemeClr val="accent1"/>
+          </a:effectRef>
+          <a:fontRef idx="minor">
+            <a:schemeClr val="lt1"/>
+          </a:fontRef>
+        </p:style>
+        <p:txBody>
+          <a:bodyPr rtlCol="0" anchor="ctr"/>
+          <a:lstStyle/>
+          <a:p>
+            <a:pPr algn="ctr"/>
+            <a:endParaRPr lang="ko-KR" altLang="en-US"/>
+          </a:p>
+        </p:txBody>
+      </p:sp>
+      <p:sp>
+        <p:nvSpPr>
+          <p:cNvPr id="18" name="TextBox 17">
+            <a:extLst>
+              <a:ext uri="{FF2B5EF4-FFF2-40B4-BE49-F238E27FC236}">
+                <a16:creationId xmlns:a16="http://schemas.microsoft.com/office/drawing/2014/main" id="{1211938F-63C2-4B06-81A3-CE8903D1F14A}"/>
+              </a:ext>
+            </a:extLst>
+          </p:cNvPr>
+          <p:cNvSpPr txBox="1"/>
+          <p:nvPr/>
+        </p:nvSpPr>
+        <p:spPr>
+          <a:xfrm>
+            <a:off x="7544022" y="378207"/>
+            <a:ext cx="1498467" cy="323165"/>
+          </a:xfrm>
+          <a:prstGeom prst="rect">
+            <a:avLst/>
+          </a:prstGeom>
+          <a:noFill/>
+        </p:spPr>
+        <p:txBody>
+          <a:bodyPr wrap="square" rtlCol="0">
+            <a:spAutoFit/>
+          </a:bodyPr>
+          <a:lstStyle/>
+          <a:p>
+            <a:pPr algn="ctr"/>
+            <a:r>
+              <a:rPr lang="en-US" altLang="ko-KR" sz="1500" dirty="0"/>
+              <a:t>TIMEOUT</a:t>
+            </a:r>
+            <a:endParaRPr lang="ko-KR" altLang="en-US" sz="1500" dirty="0"/>
+          </a:p>
+        </p:txBody>
+      </p:sp>
+      <p:sp>
+        <p:nvSpPr>
+          <p:cNvPr id="19" name="TextBox 18">
+            <a:extLst>
+              <a:ext uri="{FF2B5EF4-FFF2-40B4-BE49-F238E27FC236}">
+                <a16:creationId xmlns:a16="http://schemas.microsoft.com/office/drawing/2014/main" id="{90B1D6A0-5024-4D06-A60C-8D3ABE32C5E6}"/>
+              </a:ext>
+            </a:extLst>
+          </p:cNvPr>
+          <p:cNvSpPr txBox="1"/>
+          <p:nvPr/>
+        </p:nvSpPr>
+        <p:spPr>
+          <a:xfrm>
+            <a:off x="6201146" y="627154"/>
+            <a:ext cx="1498467" cy="276999"/>
+          </a:xfrm>
+          <a:prstGeom prst="rect">
+            <a:avLst/>
+          </a:prstGeom>
+          <a:noFill/>
+        </p:spPr>
+        <p:txBody>
+          <a:bodyPr wrap="square" rtlCol="0">
+            <a:spAutoFit/>
+          </a:bodyPr>
+          <a:lstStyle/>
+          <a:p>
+            <a:pPr algn="ctr"/>
+            <a:r>
+              <a:rPr lang="en-US" altLang="ko-KR" sz="1200" dirty="0"/>
+              <a:t>CLIENT</a:t>
+            </a:r>
+            <a:endParaRPr lang="ko-KR" altLang="en-US" sz="1200" dirty="0"/>
+          </a:p>
+        </p:txBody>
+      </p:sp>
+      <p:sp>
+        <p:nvSpPr>
+          <p:cNvPr id="20" name="TextBox 19">
+            <a:extLst>
+              <a:ext uri="{FF2B5EF4-FFF2-40B4-BE49-F238E27FC236}">
+                <a16:creationId xmlns:a16="http://schemas.microsoft.com/office/drawing/2014/main" id="{4C77B70A-3988-4201-B468-7FEA424CD4FE}"/>
+              </a:ext>
+            </a:extLst>
+          </p:cNvPr>
+          <p:cNvSpPr txBox="1"/>
+          <p:nvPr/>
+        </p:nvSpPr>
+        <p:spPr>
+          <a:xfrm>
+            <a:off x="9107118" y="627154"/>
+            <a:ext cx="1498467" cy="276999"/>
+          </a:xfrm>
+          <a:prstGeom prst="rect">
+            <a:avLst/>
+          </a:prstGeom>
+          <a:noFill/>
+        </p:spPr>
+        <p:txBody>
+          <a:bodyPr wrap="square" rtlCol="0">
+            <a:spAutoFit/>
+          </a:bodyPr>
+          <a:lstStyle/>
+          <a:p>
+            <a:pPr algn="ctr"/>
+            <a:r>
+              <a:rPr lang="en-US" altLang="ko-KR" sz="1200" dirty="0"/>
+              <a:t>SERVER</a:t>
+            </a:r>
+            <a:endParaRPr lang="ko-KR" altLang="en-US" sz="1200" dirty="0"/>
+          </a:p>
+        </p:txBody>
+      </p:sp>
+      <p:cxnSp>
+        <p:nvCxnSpPr>
+          <p:cNvPr id="21" name="직선 화살표 연결선 20">
+            <a:extLst>
+              <a:ext uri="{FF2B5EF4-FFF2-40B4-BE49-F238E27FC236}">
+                <a16:creationId xmlns:a16="http://schemas.microsoft.com/office/drawing/2014/main" id="{8FE2B5D2-20A3-465B-82B7-C9CAE59DC904}"/>
+              </a:ext>
+            </a:extLst>
+          </p:cNvPr>
+          <p:cNvCxnSpPr>
+            <a:cxnSpLocks/>
+          </p:cNvCxnSpPr>
+          <p:nvPr/>
+        </p:nvCxnSpPr>
+        <p:spPr>
+          <a:xfrm>
+            <a:off x="6950379" y="2101684"/>
+            <a:ext cx="2905972" cy="579280"/>
+          </a:xfrm>
+          <a:prstGeom prst="straightConnector1">
+            <a:avLst/>
+          </a:prstGeom>
+          <a:ln w="28575">
+            <a:solidFill>
+              <a:srgbClr val="FF0000"/>
+            </a:solidFill>
+            <a:tailEnd type="triangle"/>
+          </a:ln>
+        </p:spPr>
+        <p:style>
+          <a:lnRef idx="1">
+            <a:schemeClr val="accent1"/>
+          </a:lnRef>
+          <a:fillRef idx="0">
+            <a:schemeClr val="accent1"/>
+          </a:fillRef>
+          <a:effectRef idx="0">
+            <a:schemeClr val="accent1"/>
+          </a:effectRef>
+          <a:fontRef idx="minor">
+            <a:schemeClr val="tx1"/>
+          </a:fontRef>
+        </p:style>
+      </p:cxnSp>
+      <p:sp>
+        <p:nvSpPr>
+          <p:cNvPr id="23" name="TextBox 22">
+            <a:extLst>
+              <a:ext uri="{FF2B5EF4-FFF2-40B4-BE49-F238E27FC236}">
+                <a16:creationId xmlns:a16="http://schemas.microsoft.com/office/drawing/2014/main" id="{440C320E-CFA8-4157-8C91-D7EE2A35DC10}"/>
+              </a:ext>
+            </a:extLst>
+          </p:cNvPr>
+          <p:cNvSpPr txBox="1"/>
+          <p:nvPr/>
+        </p:nvSpPr>
+        <p:spPr>
+          <a:xfrm rot="677776">
+            <a:off x="7541839" y="2080338"/>
+            <a:ext cx="1896230" cy="276999"/>
+          </a:xfrm>
+          <a:prstGeom prst="rect">
+            <a:avLst/>
+          </a:prstGeom>
+          <a:noFill/>
+        </p:spPr>
+        <p:txBody>
+          <a:bodyPr wrap="square" rtlCol="0">
+            <a:spAutoFit/>
+          </a:bodyPr>
+          <a:lstStyle/>
+          <a:p>
+            <a:pPr algn="ctr"/>
+            <a:r>
+              <a:rPr lang="en-US" altLang="ko-KR" sz="1200" dirty="0" err="1"/>
+              <a:t>OMKReportChkRoom</a:t>
+            </a:r>
+            <a:endParaRPr lang="ko-KR" altLang="en-US" sz="1200" dirty="0"/>
+          </a:p>
+        </p:txBody>
+      </p:sp>
+      <p:cxnSp>
+        <p:nvCxnSpPr>
+          <p:cNvPr id="28" name="직선 화살표 연결선 27">
+            <a:extLst>
+              <a:ext uri="{FF2B5EF4-FFF2-40B4-BE49-F238E27FC236}">
+                <a16:creationId xmlns:a16="http://schemas.microsoft.com/office/drawing/2014/main" id="{29985322-E724-4D2C-BC6A-F30029E4D336}"/>
+              </a:ext>
+            </a:extLst>
+          </p:cNvPr>
+          <p:cNvCxnSpPr>
+            <a:cxnSpLocks/>
+          </p:cNvCxnSpPr>
+          <p:nvPr/>
+        </p:nvCxnSpPr>
+        <p:spPr>
+          <a:xfrm flipH="1">
+            <a:off x="6933624" y="4703334"/>
+            <a:ext cx="2922727" cy="603217"/>
+          </a:xfrm>
+          <a:prstGeom prst="straightConnector1">
+            <a:avLst/>
+          </a:prstGeom>
+          <a:ln w="28575">
+            <a:solidFill>
+              <a:srgbClr val="7030A0"/>
+            </a:solidFill>
+            <a:tailEnd type="triangle"/>
+          </a:ln>
+        </p:spPr>
+        <p:style>
+          <a:lnRef idx="1">
+            <a:schemeClr val="accent1"/>
+          </a:lnRef>
+          <a:fillRef idx="0">
+            <a:schemeClr val="accent1"/>
+          </a:fillRef>
+          <a:effectRef idx="0">
+            <a:schemeClr val="accent1"/>
+          </a:effectRef>
+          <a:fontRef idx="minor">
+            <a:schemeClr val="tx1"/>
+          </a:fontRef>
+        </p:style>
+      </p:cxnSp>
+      <p:sp>
+        <p:nvSpPr>
+          <p:cNvPr id="29" name="TextBox 28">
+            <a:extLst>
+              <a:ext uri="{FF2B5EF4-FFF2-40B4-BE49-F238E27FC236}">
+                <a16:creationId xmlns:a16="http://schemas.microsoft.com/office/drawing/2014/main" id="{480CBA68-97B8-4284-9DE0-ECDF12C16F50}"/>
+              </a:ext>
+            </a:extLst>
+          </p:cNvPr>
+          <p:cNvSpPr txBox="1"/>
+          <p:nvPr/>
+        </p:nvSpPr>
+        <p:spPr>
+          <a:xfrm rot="20913582">
+            <a:off x="7544023" y="4709335"/>
+            <a:ext cx="1670815" cy="276999"/>
+          </a:xfrm>
+          <a:prstGeom prst="rect">
+            <a:avLst/>
+          </a:prstGeom>
+          <a:noFill/>
+        </p:spPr>
+        <p:txBody>
+          <a:bodyPr wrap="square" rtlCol="0">
+            <a:spAutoFit/>
+          </a:bodyPr>
+          <a:lstStyle/>
+          <a:p>
+            <a:pPr algn="ctr"/>
+            <a:r>
+              <a:rPr lang="en-US" altLang="ko-KR" sz="1200" dirty="0" err="1"/>
+              <a:t>OMKResChkRoom</a:t>
+            </a:r>
+            <a:endParaRPr lang="ko-KR" altLang="en-US" sz="1200" dirty="0"/>
+          </a:p>
+        </p:txBody>
+      </p:sp>
+    </p:spTree>
+    <p:extLst>
+      <p:ext uri="{BB962C8B-B14F-4D97-AF65-F5344CB8AC3E}">
+        <p14:creationId xmlns:p14="http://schemas.microsoft.com/office/powerpoint/2010/main" val="833360891"/>
+      </p:ext>
+    </p:extLst>
+  </p:cSld>
+  <p:clrMapOvr>
+    <a:masterClrMapping/>
+  </p:clrMapOvr>
+</p:sld>
+</file>
+
 <file path=ppt/theme/theme1.xml><?xml version="1.0" encoding="utf-8"?>
 <a:theme xmlns:a="http://schemas.openxmlformats.org/drawingml/2006/main" name="Office 테마">
   <a:themeElements>
@@ -6190,4 +11071,299 @@
     </a:ext>
   </a:extLst>
 </a:theme>
+</file>
+
+<file path=ppt/theme/theme2.xml><?xml version="1.0" encoding="utf-8"?>
+<a:theme xmlns:a="http://schemas.openxmlformats.org/drawingml/2006/main" name="Office 테마">
+  <a:themeElements>
+    <a:clrScheme name="Office">
+      <a:dk1>
+        <a:sysClr val="windowText" lastClr="000000"/>
+      </a:dk1>
+      <a:lt1>
+        <a:sysClr val="window" lastClr="FFFFFF"/>
+      </a:lt1>
+      <a:dk2>
+        <a:srgbClr val="44546A"/>
+      </a:dk2>
+      <a:lt2>
+        <a:srgbClr val="E7E6E6"/>
+      </a:lt2>
+      <a:accent1>
+        <a:srgbClr val="4472C4"/>
+      </a:accent1>
+      <a:accent2>
+        <a:srgbClr val="ED7D31"/>
+      </a:accent2>
+      <a:accent3>
+        <a:srgbClr val="A5A5A5"/>
+      </a:accent3>
+      <a:accent4>
+        <a:srgbClr val="FFC000"/>
+      </a:accent4>
+      <a:accent5>
+        <a:srgbClr val="5B9BD5"/>
+      </a:accent5>
+      <a:accent6>
+        <a:srgbClr val="70AD47"/>
+      </a:accent6>
+      <a:hlink>
+        <a:srgbClr val="0563C1"/>
+      </a:hlink>
+      <a:folHlink>
+        <a:srgbClr val="954F72"/>
+      </a:folHlink>
+    </a:clrScheme>
+    <a:fontScheme name="Office">
+      <a:majorFont>
+        <a:latin typeface="맑은 고딕" panose="020F0302020204030204"/>
+        <a:ea typeface=""/>
+        <a:cs typeface=""/>
+        <a:font script="Jpan" typeface="游ゴシック Light"/>
+        <a:font script="Hang" typeface="맑은 고딕"/>
+        <a:font script="Hans" typeface="等线 Light"/>
+        <a:font script="Hant" typeface="新細明體"/>
+        <a:font script="Arab" typeface="Times New Roman"/>
+        <a:font script="Hebr" typeface="Times New Roman"/>
+        <a:font script="Thai" typeface="Angsana New"/>
+        <a:font script="Ethi" typeface="Nyala"/>
+        <a:font script="Beng" typeface="Vrinda"/>
+        <a:font script="Gujr" typeface="Shruti"/>
+        <a:font script="Khmr" typeface="MoolBoran"/>
+        <a:font script="Knda" typeface="Tunga"/>
+        <a:font script="Guru" typeface="Raavi"/>
+        <a:font script="Cans" typeface="Euphemia"/>
+        <a:font script="Cher" typeface="Plantagenet Cherokee"/>
+        <a:font script="Yiii" typeface="Microsoft Yi Baiti"/>
+        <a:font script="Tibt" typeface="Microsoft Himalaya"/>
+        <a:font script="Thaa" typeface="MV Boli"/>
+        <a:font script="Deva" typeface="Mangal"/>
+        <a:font script="Telu" typeface="Gautami"/>
+        <a:font script="Taml" typeface="Latha"/>
+        <a:font script="Syrc" typeface="Estrangelo Edessa"/>
+        <a:font script="Orya" typeface="Kalinga"/>
+        <a:font script="Mlym" typeface="Kartika"/>
+        <a:font script="Laoo" typeface="DokChampa"/>
+        <a:font script="Sinh" typeface="Iskoola Pota"/>
+        <a:font script="Mong" typeface="Mongolian Baiti"/>
+        <a:font script="Viet" typeface="Times New Roman"/>
+        <a:font script="Uigh" typeface="Microsoft Uighur"/>
+        <a:font script="Geor" typeface="Sylfaen"/>
+        <a:font script="Armn" typeface="Arial"/>
+        <a:font script="Bugi" typeface="Leelawadee UI"/>
+        <a:font script="Bopo" typeface="Microsoft JhengHei"/>
+        <a:font script="Java" typeface="Javanese Text"/>
+        <a:font script="Lisu" typeface="Segoe UI"/>
+        <a:font script="Mymr" typeface="Myanmar Text"/>
+        <a:font script="Nkoo" typeface="Ebrima"/>
+        <a:font script="Olck" typeface="Nirmala UI"/>
+        <a:font script="Osma" typeface="Ebrima"/>
+        <a:font script="Phag" typeface="Phagspa"/>
+        <a:font script="Syrn" typeface="Estrangelo Edessa"/>
+        <a:font script="Syrj" typeface="Estrangelo Edessa"/>
+        <a:font script="Syre" typeface="Estrangelo Edessa"/>
+        <a:font script="Sora" typeface="Nirmala UI"/>
+        <a:font script="Tale" typeface="Microsoft Tai Le"/>
+        <a:font script="Talu" typeface="Microsoft New Tai Lue"/>
+        <a:font script="Tfng" typeface="Ebrima"/>
+      </a:majorFont>
+      <a:minorFont>
+        <a:latin typeface="맑은 고딕" panose="020F0502020204030204"/>
+        <a:ea typeface=""/>
+        <a:cs typeface=""/>
+        <a:font script="Jpan" typeface="游ゴシック"/>
+        <a:font script="Hang" typeface="맑은 고딕"/>
+        <a:font script="Hans" typeface="等线"/>
+        <a:font script="Hant" typeface="新細明體"/>
+        <a:font script="Arab" typeface="Arial"/>
+        <a:font script="Hebr" typeface="Arial"/>
+        <a:font script="Thai" typeface="Cordia New"/>
+        <a:font script="Ethi" typeface="Nyala"/>
+        <a:font script="Beng" typeface="Vrinda"/>
+        <a:font script="Gujr" typeface="Shruti"/>
+        <a:font script="Khmr" typeface="DaunPenh"/>
+        <a:font script="Knda" typeface="Tunga"/>
+        <a:font script="Guru" typeface="Raavi"/>
+        <a:font script="Cans" typeface="Euphemia"/>
+        <a:font script="Cher" typeface="Plantagenet Cherokee"/>
+        <a:font script="Yiii" typeface="Microsoft Yi Baiti"/>
+        <a:font script="Tibt" typeface="Microsoft Himalaya"/>
+        <a:font script="Thaa" typeface="MV Boli"/>
+        <a:font script="Deva" typeface="Mangal"/>
+        <a:font script="Telu" typeface="Gautami"/>
+        <a:font script="Taml" typeface="Latha"/>
+        <a:font script="Syrc" typeface="Estrangelo Edessa"/>
+        <a:font script="Orya" typeface="Kalinga"/>
+        <a:font script="Mlym" typeface="Kartika"/>
+        <a:font script="Laoo" typeface="DokChampa"/>
+        <a:font script="Sinh" typeface="Iskoola Pota"/>
+        <a:font script="Mong" typeface="Mongolian Baiti"/>
+        <a:font script="Viet" typeface="Arial"/>
+        <a:font script="Uigh" typeface="Microsoft Uighur"/>
+        <a:font script="Geor" typeface="Sylfaen"/>
+        <a:font script="Armn" typeface="Arial"/>
+        <a:font script="Bugi" typeface="Leelawadee UI"/>
+        <a:font script="Bopo" typeface="Microsoft JhengHei"/>
+        <a:font script="Java" typeface="Javanese Text"/>
+        <a:font script="Lisu" typeface="Segoe UI"/>
+        <a:font script="Mymr" typeface="Myanmar Text"/>
+        <a:font script="Nkoo" typeface="Ebrima"/>
+        <a:font script="Olck" typeface="Nirmala UI"/>
+        <a:font script="Osma" typeface="Ebrima"/>
+        <a:font script="Phag" typeface="Phagspa"/>
+        <a:font script="Syrn" typeface="Estrangelo Edessa"/>
+        <a:font script="Syrj" typeface="Estrangelo Edessa"/>
+        <a:font script="Syre" typeface="Estrangelo Edessa"/>
+        <a:font script="Sora" typeface="Nirmala UI"/>
+        <a:font script="Tale" typeface="Microsoft Tai Le"/>
+        <a:font script="Talu" typeface="Microsoft New Tai Lue"/>
+        <a:font script="Tfng" typeface="Ebrima"/>
+      </a:minorFont>
+    </a:fontScheme>
+    <a:fmtScheme name="Office">
+      <a:fillStyleLst>
+        <a:solidFill>
+          <a:schemeClr val="phClr"/>
+        </a:solidFill>
+        <a:gradFill rotWithShape="1">
+          <a:gsLst>
+            <a:gs pos="0">
+              <a:schemeClr val="phClr">
+                <a:lumMod val="110000"/>
+                <a:satMod val="105000"/>
+                <a:tint val="67000"/>
+              </a:schemeClr>
+            </a:gs>
+            <a:gs pos="50000">
+              <a:schemeClr val="phClr">
+                <a:lumMod val="105000"/>
+                <a:satMod val="103000"/>
+                <a:tint val="73000"/>
+              </a:schemeClr>
+            </a:gs>
+            <a:gs pos="100000">
+              <a:schemeClr val="phClr">
+                <a:lumMod val="105000"/>
+                <a:satMod val="109000"/>
+                <a:tint val="81000"/>
+              </a:schemeClr>
+            </a:gs>
+          </a:gsLst>
+          <a:lin ang="5400000" scaled="0"/>
+        </a:gradFill>
+        <a:gradFill rotWithShape="1">
+          <a:gsLst>
+            <a:gs pos="0">
+              <a:schemeClr val="phClr">
+                <a:satMod val="103000"/>
+                <a:lumMod val="102000"/>
+                <a:tint val="94000"/>
+              </a:schemeClr>
+            </a:gs>
+            <a:gs pos="50000">
+              <a:schemeClr val="phClr">
+                <a:satMod val="110000"/>
+                <a:lumMod val="100000"/>
+                <a:shade val="100000"/>
+              </a:schemeClr>
+            </a:gs>
+            <a:gs pos="100000">
+              <a:schemeClr val="phClr">
+                <a:lumMod val="99000"/>
+                <a:satMod val="120000"/>
+                <a:shade val="78000"/>
+              </a:schemeClr>
+            </a:gs>
+          </a:gsLst>
+          <a:lin ang="5400000" scaled="0"/>
+        </a:gradFill>
+      </a:fillStyleLst>
+      <a:lnStyleLst>
+        <a:ln w="6350" cap="flat" cmpd="sng" algn="ctr">
+          <a:solidFill>
+            <a:schemeClr val="phClr"/>
+          </a:solidFill>
+          <a:prstDash val="solid"/>
+          <a:miter lim="800000"/>
+        </a:ln>
+        <a:ln w="12700" cap="flat" cmpd="sng" algn="ctr">
+          <a:solidFill>
+            <a:schemeClr val="phClr"/>
+          </a:solidFill>
+          <a:prstDash val="solid"/>
+          <a:miter lim="800000"/>
+        </a:ln>
+        <a:ln w="19050" cap="flat" cmpd="sng" algn="ctr">
+          <a:solidFill>
+            <a:schemeClr val="phClr"/>
+          </a:solidFill>
+          <a:prstDash val="solid"/>
+          <a:miter lim="800000"/>
+        </a:ln>
+      </a:lnStyleLst>
+      <a:effectStyleLst>
+        <a:effectStyle>
+          <a:effectLst/>
+        </a:effectStyle>
+        <a:effectStyle>
+          <a:effectLst/>
+        </a:effectStyle>
+        <a:effectStyle>
+          <a:effectLst>
+            <a:outerShdw blurRad="57150" dist="19050" dir="5400000" algn="ctr" rotWithShape="0">
+              <a:srgbClr val="000000">
+                <a:alpha val="63000"/>
+              </a:srgbClr>
+            </a:outerShdw>
+          </a:effectLst>
+        </a:effectStyle>
+      </a:effectStyleLst>
+      <a:bgFillStyleLst>
+        <a:solidFill>
+          <a:schemeClr val="phClr"/>
+        </a:solidFill>
+        <a:solidFill>
+          <a:schemeClr val="phClr">
+            <a:tint val="95000"/>
+            <a:satMod val="170000"/>
+          </a:schemeClr>
+        </a:solidFill>
+        <a:gradFill rotWithShape="1">
+          <a:gsLst>
+            <a:gs pos="0">
+              <a:schemeClr val="phClr">
+                <a:tint val="93000"/>
+                <a:satMod val="150000"/>
+                <a:shade val="98000"/>
+                <a:lumMod val="102000"/>
+              </a:schemeClr>
+            </a:gs>
+            <a:gs pos="50000">
+              <a:schemeClr val="phClr">
+                <a:tint val="98000"/>
+                <a:satMod val="130000"/>
+                <a:shade val="90000"/>
+                <a:lumMod val="103000"/>
+              </a:schemeClr>
+            </a:gs>
+            <a:gs pos="100000">
+              <a:schemeClr val="phClr">
+                <a:shade val="63000"/>
+                <a:satMod val="120000"/>
+              </a:schemeClr>
+            </a:gs>
+          </a:gsLst>
+          <a:lin ang="5400000" scaled="0"/>
+        </a:gradFill>
+      </a:bgFillStyleLst>
+    </a:fmtScheme>
+  </a:themeElements>
+  <a:objectDefaults/>
+  <a:extraClrSchemeLst/>
+  <a:extLst>
+    <a:ext uri="{05A4C25C-085E-4340-85A3-A5531E510DB2}">
+      <thm15:themeFamily xmlns:thm15="http://schemas.microsoft.com/office/thememl/2012/main" name="Office Theme" id="{62F939B6-93AF-4DB8-9C6B-D6C7DFDC589F}" vid="{4A3C46E8-61CC-4603-A589-7422A47A8E4A}"/>
+    </a:ext>
+  </a:extLst>
+</a:theme>
 </file>